--- a/Final_Presentation/Slides.pptx
+++ b/Final_Presentation/Slides.pptx
@@ -1,24 +1,24 @@
 
 <file path=ppt/presentation.xml><?xml version="1.0" encoding="utf-8"?>
-<p:presentation xmlns:a="http://schemas.openxmlformats.org/drawingml/2006/main" xmlns:r="http://schemas.openxmlformats.org/officeDocument/2006/relationships" xmlns:mc="http://schemas.openxmlformats.org/markup-compatibility/2006" xmlns:mv="urn:schemas-microsoft-com:mac:vml" xmlns:p="http://schemas.openxmlformats.org/presentationml/2006/main" xmlns:c="http://schemas.openxmlformats.org/drawingml/2006/chart" xmlns:dgm="http://schemas.openxmlformats.org/drawingml/2006/diagram" xmlns:o="urn:schemas-microsoft-com:office:office" xmlns:v="urn:schemas-microsoft-com:vml" xmlns:pvml="urn:schemas-microsoft-com:office:powerpoint" xmlns:com="http://schemas.openxmlformats.org/drawingml/2006/compatibility" xmlns:p14="http://schemas.microsoft.com/office/powerpoint/2010/main" mc:Ignorable="mv" autoCompressPictures="0" mc:PreserveAttributes="mv:*" saveSubsetFonts="1">
+<p:presentation xmlns:a="http://schemas.openxmlformats.org/drawingml/2006/main" xmlns:r="http://schemas.openxmlformats.org/officeDocument/2006/relationships" xmlns:p="http://schemas.openxmlformats.org/presentationml/2006/main" saveSubsetFonts="1" autoCompressPictures="0">
   <p:sldMasterIdLst>
-    <p:sldMasterId id="2147483654" r:id="rId4"/>
+    <p:sldMasterId id="2147483654" r:id="rId1"/>
   </p:sldMasterIdLst>
   <p:notesMasterIdLst>
-    <p:notesMasterId r:id="rId5"/>
+    <p:notesMasterId r:id="rId10"/>
   </p:notesMasterIdLst>
   <p:sldIdLst>
-    <p:sldId id="256" r:id="rId6"/>
-    <p:sldId id="257" r:id="rId7"/>
-    <p:sldId id="258" r:id="rId8"/>
-    <p:sldId id="259" r:id="rId9"/>
-    <p:sldId id="260" r:id="rId10"/>
-    <p:sldId id="261" r:id="rId11"/>
-    <p:sldId id="262" r:id="rId12"/>
-    <p:sldId id="263" r:id="rId13"/>
+    <p:sldId id="256" r:id="rId2"/>
+    <p:sldId id="257" r:id="rId3"/>
+    <p:sldId id="258" r:id="rId4"/>
+    <p:sldId id="259" r:id="rId5"/>
+    <p:sldId id="260" r:id="rId6"/>
+    <p:sldId id="261" r:id="rId7"/>
+    <p:sldId id="262" r:id="rId8"/>
+    <p:sldId id="263" r:id="rId9"/>
   </p:sldIdLst>
-  <p:sldSz cy="6858000" cx="9144000"/>
-  <p:notesSz cy="9144000" cx="6858000"/>
+  <p:sldSz cx="9144000" cy="6858000" type="screen4x3"/>
+  <p:notesSz cx="6858000" cy="9144000"/>
   <p:defaultTextStyle>
     <a:defPPr marR="0" algn="l" rtl="0">
       <a:lnSpc>
@@ -42,7 +42,7 @@
         <a:spcPts val="0"/>
       </a:spcAft>
       <a:buNone/>
-      <a:defRPr i="0" baseline="0" strike="noStrike" sz="1400" b="0" cap="none" u="none">
+      <a:defRPr sz="1400" b="0" i="0" u="none" strike="noStrike" cap="none" baseline="0">
         <a:solidFill>
           <a:srgbClr val="000000"/>
         </a:solidFill>
@@ -50,7 +50,6 @@
         <a:ea typeface="Arial"/>
         <a:cs typeface="Arial"/>
         <a:sym typeface="Arial"/>
-        <a:rtl val="0"/>
       </a:defRPr>
     </a:lvl1pPr>
     <a:lvl2pPr marR="0" algn="l" rtl="0">
@@ -64,7 +63,7 @@
         <a:spcPts val="0"/>
       </a:spcAft>
       <a:buNone/>
-      <a:defRPr i="0" baseline="0" strike="noStrike" sz="1400" b="0" cap="none" u="none">
+      <a:defRPr sz="1400" b="0" i="0" u="none" strike="noStrike" cap="none" baseline="0">
         <a:solidFill>
           <a:srgbClr val="000000"/>
         </a:solidFill>
@@ -72,7 +71,6 @@
         <a:ea typeface="Arial"/>
         <a:cs typeface="Arial"/>
         <a:sym typeface="Arial"/>
-        <a:rtl val="0"/>
       </a:defRPr>
     </a:lvl2pPr>
     <a:lvl3pPr marR="0" algn="l" rtl="0">
@@ -86,7 +84,7 @@
         <a:spcPts val="0"/>
       </a:spcAft>
       <a:buNone/>
-      <a:defRPr i="0" baseline="0" strike="noStrike" sz="1400" b="0" cap="none" u="none">
+      <a:defRPr sz="1400" b="0" i="0" u="none" strike="noStrike" cap="none" baseline="0">
         <a:solidFill>
           <a:srgbClr val="000000"/>
         </a:solidFill>
@@ -94,7 +92,6 @@
         <a:ea typeface="Arial"/>
         <a:cs typeface="Arial"/>
         <a:sym typeface="Arial"/>
-        <a:rtl val="0"/>
       </a:defRPr>
     </a:lvl3pPr>
     <a:lvl4pPr marR="0" algn="l" rtl="0">
@@ -108,7 +105,7 @@
         <a:spcPts val="0"/>
       </a:spcAft>
       <a:buNone/>
-      <a:defRPr i="0" baseline="0" strike="noStrike" sz="1400" b="0" cap="none" u="none">
+      <a:defRPr sz="1400" b="0" i="0" u="none" strike="noStrike" cap="none" baseline="0">
         <a:solidFill>
           <a:srgbClr val="000000"/>
         </a:solidFill>
@@ -116,7 +113,6 @@
         <a:ea typeface="Arial"/>
         <a:cs typeface="Arial"/>
         <a:sym typeface="Arial"/>
-        <a:rtl val="0"/>
       </a:defRPr>
     </a:lvl4pPr>
     <a:lvl5pPr marR="0" algn="l" rtl="0">
@@ -130,7 +126,7 @@
         <a:spcPts val="0"/>
       </a:spcAft>
       <a:buNone/>
-      <a:defRPr i="0" baseline="0" strike="noStrike" sz="1400" b="0" cap="none" u="none">
+      <a:defRPr sz="1400" b="0" i="0" u="none" strike="noStrike" cap="none" baseline="0">
         <a:solidFill>
           <a:srgbClr val="000000"/>
         </a:solidFill>
@@ -138,7 +134,6 @@
         <a:ea typeface="Arial"/>
         <a:cs typeface="Arial"/>
         <a:sym typeface="Arial"/>
-        <a:rtl val="0"/>
       </a:defRPr>
     </a:lvl5pPr>
     <a:lvl6pPr marR="0" algn="l" rtl="0">
@@ -152,7 +147,7 @@
         <a:spcPts val="0"/>
       </a:spcAft>
       <a:buNone/>
-      <a:defRPr i="0" baseline="0" strike="noStrike" sz="1400" b="0" cap="none" u="none">
+      <a:defRPr sz="1400" b="0" i="0" u="none" strike="noStrike" cap="none" baseline="0">
         <a:solidFill>
           <a:srgbClr val="000000"/>
         </a:solidFill>
@@ -160,7 +155,6 @@
         <a:ea typeface="Arial"/>
         <a:cs typeface="Arial"/>
         <a:sym typeface="Arial"/>
-        <a:rtl val="0"/>
       </a:defRPr>
     </a:lvl6pPr>
     <a:lvl7pPr marR="0" algn="l" rtl="0">
@@ -174,7 +168,7 @@
         <a:spcPts val="0"/>
       </a:spcAft>
       <a:buNone/>
-      <a:defRPr i="0" baseline="0" strike="noStrike" sz="1400" b="0" cap="none" u="none">
+      <a:defRPr sz="1400" b="0" i="0" u="none" strike="noStrike" cap="none" baseline="0">
         <a:solidFill>
           <a:srgbClr val="000000"/>
         </a:solidFill>
@@ -182,7 +176,6 @@
         <a:ea typeface="Arial"/>
         <a:cs typeface="Arial"/>
         <a:sym typeface="Arial"/>
-        <a:rtl val="0"/>
       </a:defRPr>
     </a:lvl7pPr>
     <a:lvl8pPr marR="0" algn="l" rtl="0">
@@ -196,7 +189,7 @@
         <a:spcPts val="0"/>
       </a:spcAft>
       <a:buNone/>
-      <a:defRPr i="0" baseline="0" strike="noStrike" sz="1400" b="0" cap="none" u="none">
+      <a:defRPr sz="1400" b="0" i="0" u="none" strike="noStrike" cap="none" baseline="0">
         <a:solidFill>
           <a:srgbClr val="000000"/>
         </a:solidFill>
@@ -204,7 +197,6 @@
         <a:ea typeface="Arial"/>
         <a:cs typeface="Arial"/>
         <a:sym typeface="Arial"/>
-        <a:rtl val="0"/>
       </a:defRPr>
     </a:lvl8pPr>
     <a:lvl9pPr marR="0" algn="l" rtl="0">
@@ -218,7 +210,7 @@
         <a:spcPts val="0"/>
       </a:spcAft>
       <a:buNone/>
-      <a:defRPr i="0" baseline="0" strike="noStrike" sz="1400" b="0" cap="none" u="none">
+      <a:defRPr sz="1400" b="0" i="0" u="none" strike="noStrike" cap="none" baseline="0">
         <a:solidFill>
           <a:srgbClr val="000000"/>
         </a:solidFill>
@@ -226,7 +218,6 @@
         <a:ea typeface="Arial"/>
         <a:cs typeface="Arial"/>
         <a:sym typeface="Arial"/>
-        <a:rtl val="0"/>
       </a:defRPr>
     </a:lvl9pPr>
   </p:defaultTextStyle>
@@ -234,11 +225,16 @@
 </file>
 
 <file path=ppt/notesMasters/notesMaster1.xml><?xml version="1.0" encoding="utf-8"?>
-<p:notesMaster xmlns:a="http://schemas.openxmlformats.org/drawingml/2006/main" xmlns:r="http://schemas.openxmlformats.org/officeDocument/2006/relationships" xmlns:mc="http://schemas.openxmlformats.org/markup-compatibility/2006" xmlns:mv="urn:schemas-microsoft-com:mac:vml" xmlns:p="http://schemas.openxmlformats.org/presentationml/2006/main" xmlns:c="http://schemas.openxmlformats.org/drawingml/2006/chart" xmlns:dgm="http://schemas.openxmlformats.org/drawingml/2006/diagram" xmlns:o="urn:schemas-microsoft-com:office:office" xmlns:v="urn:schemas-microsoft-com:vml" xmlns:pvml="urn:schemas-microsoft-com:office:powerpoint" xmlns:com="http://schemas.openxmlformats.org/drawingml/2006/compatibility" xmlns:p14="http://schemas.microsoft.com/office/powerpoint/2010/main">
+<p:notesMaster xmlns:a="http://schemas.openxmlformats.org/drawingml/2006/main" xmlns:r="http://schemas.openxmlformats.org/officeDocument/2006/relationships" xmlns:p="http://schemas.openxmlformats.org/presentationml/2006/main">
   <p:cSld>
+    <p:bg>
+      <p:bgRef idx="1001">
+        <a:schemeClr val="bg1"/>
+      </p:bgRef>
+    </p:bg>
     <p:spTree>
       <p:nvGrpSpPr>
-        <p:cNvPr name="Shape 1" id="1"/>
+        <p:cNvPr id="1" name="Shape 1"/>
         <p:cNvGrpSpPr/>
         <p:nvPr/>
       </p:nvGrpSpPr>
@@ -252,10 +248,12 @@
       </p:grpSpPr>
       <p:sp>
         <p:nvSpPr>
-          <p:cNvPr name="Shape 2" id="2"/>
-          <p:cNvSpPr/>
+          <p:cNvPr id="2" name="Shape 2"/>
+          <p:cNvSpPr>
+            <a:spLocks noGrp="1" noRot="1" noChangeAspect="1"/>
+          </p:cNvSpPr>
           <p:nvPr>
-            <p:ph idx="2" type="sldImg"/>
+            <p:ph type="sldImg" idx="2"/>
           </p:nvPr>
         </p:nvSpPr>
         <p:spPr>
@@ -264,6 +262,11 @@
             <a:ext cx="4572225" cy="3429000"/>
           </a:xfrm>
           <a:custGeom>
+            <a:avLst/>
+            <a:gdLst/>
+            <a:ahLst/>
+            <a:cxnLst/>
+            <a:rect l="0" t="0" r="0" b="0"/>
             <a:pathLst>
               <a:path w="120000" h="120000" extrusionOk="0">
                 <a:moveTo>
@@ -286,10 +289,12 @@
       </p:sp>
       <p:sp>
         <p:nvSpPr>
-          <p:cNvPr name="Shape 3" id="3"/>
-          <p:cNvSpPr txBox="1"/>
+          <p:cNvPr id="3" name="Shape 3"/>
+          <p:cNvSpPr txBox="1">
+            <a:spLocks noGrp="1"/>
+          </p:cNvSpPr>
           <p:nvPr>
-            <p:ph idx="1" type="body"/>
+            <p:ph type="body" idx="1"/>
           </p:nvPr>
         </p:nvSpPr>
         <p:spPr>
@@ -302,7 +307,7 @@
           </a:prstGeom>
         </p:spPr>
         <p:txBody>
-          <a:bodyPr anchorCtr="0" bIns="91425" tIns="91425" anchor="t" lIns="91425" rIns="91425"/>
+          <a:bodyPr lIns="91425" tIns="91425" rIns="91425" bIns="91425" anchor="t" anchorCtr="0"/>
           <a:lstStyle>
             <a:lvl1pPr>
               <a:defRPr sz="1100"/>
@@ -332,59 +337,160 @@
               <a:defRPr sz="1100"/>
             </a:lvl9pPr>
           </a:lstStyle>
-          <a:p/>
+          <a:p>
+            <a:endParaRPr/>
+          </a:p>
         </p:txBody>
       </p:sp>
     </p:spTree>
   </p:cSld>
-  <p:clrMap accent6="accent6" tx2="lt2" accent5="accent5" bg2="dk2" tx1="dk1" accent4="accent4" bg1="lt1" accent3="accent3" accent2="accent2" accent1="accent1" folHlink="folHlink" hlink="hlink"/>
+  <p:clrMap bg1="lt1" tx1="dk1" bg2="dk2" tx2="lt2" accent1="accent1" accent2="accent2" accent3="accent3" accent4="accent4" accent5="accent5" accent6="accent6" hlink="hlink" folHlink="folHlink"/>
+  <p:notesStyle>
+    <a:lvl1pPr marL="0" algn="l" defTabSz="914400" rtl="0" eaLnBrk="1" latinLnBrk="0" hangingPunct="1">
+      <a:defRPr sz="1200" kern="1200">
+        <a:solidFill>
+          <a:schemeClr val="tx1"/>
+        </a:solidFill>
+        <a:latin typeface="+mn-lt"/>
+        <a:ea typeface="+mn-ea"/>
+        <a:cs typeface="+mn-cs"/>
+      </a:defRPr>
+    </a:lvl1pPr>
+    <a:lvl2pPr marL="457200" algn="l" defTabSz="914400" rtl="0" eaLnBrk="1" latinLnBrk="0" hangingPunct="1">
+      <a:defRPr sz="1200" kern="1200">
+        <a:solidFill>
+          <a:schemeClr val="tx1"/>
+        </a:solidFill>
+        <a:latin typeface="+mn-lt"/>
+        <a:ea typeface="+mn-ea"/>
+        <a:cs typeface="+mn-cs"/>
+      </a:defRPr>
+    </a:lvl2pPr>
+    <a:lvl3pPr marL="914400" algn="l" defTabSz="914400" rtl="0" eaLnBrk="1" latinLnBrk="0" hangingPunct="1">
+      <a:defRPr sz="1200" kern="1200">
+        <a:solidFill>
+          <a:schemeClr val="tx1"/>
+        </a:solidFill>
+        <a:latin typeface="+mn-lt"/>
+        <a:ea typeface="+mn-ea"/>
+        <a:cs typeface="+mn-cs"/>
+      </a:defRPr>
+    </a:lvl3pPr>
+    <a:lvl4pPr marL="1371600" algn="l" defTabSz="914400" rtl="0" eaLnBrk="1" latinLnBrk="0" hangingPunct="1">
+      <a:defRPr sz="1200" kern="1200">
+        <a:solidFill>
+          <a:schemeClr val="tx1"/>
+        </a:solidFill>
+        <a:latin typeface="+mn-lt"/>
+        <a:ea typeface="+mn-ea"/>
+        <a:cs typeface="+mn-cs"/>
+      </a:defRPr>
+    </a:lvl4pPr>
+    <a:lvl5pPr marL="1828800" algn="l" defTabSz="914400" rtl="0" eaLnBrk="1" latinLnBrk="0" hangingPunct="1">
+      <a:defRPr sz="1200" kern="1200">
+        <a:solidFill>
+          <a:schemeClr val="tx1"/>
+        </a:solidFill>
+        <a:latin typeface="+mn-lt"/>
+        <a:ea typeface="+mn-ea"/>
+        <a:cs typeface="+mn-cs"/>
+      </a:defRPr>
+    </a:lvl5pPr>
+    <a:lvl6pPr marL="2286000" algn="l" defTabSz="914400" rtl="0" eaLnBrk="1" latinLnBrk="0" hangingPunct="1">
+      <a:defRPr sz="1200" kern="1200">
+        <a:solidFill>
+          <a:schemeClr val="tx1"/>
+        </a:solidFill>
+        <a:latin typeface="+mn-lt"/>
+        <a:ea typeface="+mn-ea"/>
+        <a:cs typeface="+mn-cs"/>
+      </a:defRPr>
+    </a:lvl6pPr>
+    <a:lvl7pPr marL="2743200" algn="l" defTabSz="914400" rtl="0" eaLnBrk="1" latinLnBrk="0" hangingPunct="1">
+      <a:defRPr sz="1200" kern="1200">
+        <a:solidFill>
+          <a:schemeClr val="tx1"/>
+        </a:solidFill>
+        <a:latin typeface="+mn-lt"/>
+        <a:ea typeface="+mn-ea"/>
+        <a:cs typeface="+mn-cs"/>
+      </a:defRPr>
+    </a:lvl7pPr>
+    <a:lvl8pPr marL="3200400" algn="l" defTabSz="914400" rtl="0" eaLnBrk="1" latinLnBrk="0" hangingPunct="1">
+      <a:defRPr sz="1200" kern="1200">
+        <a:solidFill>
+          <a:schemeClr val="tx1"/>
+        </a:solidFill>
+        <a:latin typeface="+mn-lt"/>
+        <a:ea typeface="+mn-ea"/>
+        <a:cs typeface="+mn-cs"/>
+      </a:defRPr>
+    </a:lvl8pPr>
+    <a:lvl9pPr marL="3657600" algn="l" defTabSz="914400" rtl="0" eaLnBrk="1" latinLnBrk="0" hangingPunct="1">
+      <a:defRPr sz="1200" kern="1200">
+        <a:solidFill>
+          <a:schemeClr val="tx1"/>
+        </a:solidFill>
+        <a:latin typeface="+mn-lt"/>
+        <a:ea typeface="+mn-ea"/>
+        <a:cs typeface="+mn-cs"/>
+      </a:defRPr>
+    </a:lvl9pPr>
+  </p:notesStyle>
 </p:notesMaster>
 </file>
 
 <file path=ppt/notesSlides/notesSlide1.xml><?xml version="1.0" encoding="utf-8"?>
-<p:notes xmlns:a="http://schemas.openxmlformats.org/drawingml/2006/main" xmlns:r="http://schemas.openxmlformats.org/officeDocument/2006/relationships" xmlns:mc="http://schemas.openxmlformats.org/markup-compatibility/2006" xmlns:mv="urn:schemas-microsoft-com:mac:vml" xmlns:p="http://schemas.openxmlformats.org/presentationml/2006/main" xmlns:c="http://schemas.openxmlformats.org/drawingml/2006/chart" xmlns:dgm="http://schemas.openxmlformats.org/drawingml/2006/diagram" xmlns:o="urn:schemas-microsoft-com:office:office" xmlns:v="urn:schemas-microsoft-com:vml" xmlns:pvml="urn:schemas-microsoft-com:office:powerpoint" xmlns:com="http://schemas.openxmlformats.org/drawingml/2006/compatibility" xmlns:p14="http://schemas.microsoft.com/office/powerpoint/2010/main" showMasterSp="0" showMasterPhAnim="0">
+<p:notes xmlns:a="http://schemas.openxmlformats.org/drawingml/2006/main" xmlns:r="http://schemas.openxmlformats.org/officeDocument/2006/relationships" xmlns:p="http://schemas.openxmlformats.org/presentationml/2006/main" showMasterSp="0" showMasterPhAnim="0">
   <p:cSld>
     <p:spTree>
       <p:nvGrpSpPr>
-        <p:cNvPr name="Shape 25" id="25"/>
+        <p:cNvPr id="1" name="Shape 25"/>
         <p:cNvGrpSpPr/>
         <p:nvPr/>
       </p:nvGrpSpPr>
       <p:grpSpPr>
         <a:xfrm>
-          <a:off y="0" x="0"/>
-          <a:ext cy="0" cx="0"/>
-          <a:chOff y="0" x="0"/>
-          <a:chExt cy="0" cx="0"/>
+          <a:off x="0" y="0"/>
+          <a:ext cx="0" cy="0"/>
+          <a:chOff x="0" y="0"/>
+          <a:chExt cx="0" cy="0"/>
         </a:xfrm>
       </p:grpSpPr>
       <p:sp>
         <p:nvSpPr>
-          <p:cNvPr name="Shape 26" id="26"/>
-          <p:cNvSpPr/>
+          <p:cNvPr id="26" name="Shape 26"/>
+          <p:cNvSpPr>
+            <a:spLocks noGrp="1" noRot="1" noChangeAspect="1"/>
+          </p:cNvSpPr>
           <p:nvPr>
             <p:ph type="sldImg" idx="2"/>
           </p:nvPr>
         </p:nvSpPr>
         <p:spPr>
           <a:xfrm>
-            <a:off y="685800" x="1143225"/>
-            <a:ext cy="3429000" cx="4572225"/>
+            <a:off x="1143225" y="685800"/>
+            <a:ext cx="4572225" cy="3429000"/>
           </a:xfrm>
           <a:custGeom>
+            <a:avLst/>
+            <a:gdLst/>
+            <a:ahLst/>
+            <a:cxnLst/>
+            <a:rect l="0" t="0" r="0" b="0"/>
             <a:pathLst>
-              <a:path extrusionOk="0" h="120000" w="120000">
+              <a:path w="120000" h="120000" extrusionOk="0">
                 <a:moveTo>
-                  <a:pt y="0" x="0"/>
+                  <a:pt x="0" y="0"/>
                 </a:moveTo>
                 <a:lnTo>
-                  <a:pt y="0" x="120000"/>
+                  <a:pt x="120000" y="0"/>
                 </a:lnTo>
                 <a:lnTo>
-                  <a:pt y="120000" x="120000"/>
+                  <a:pt x="120000" y="120000"/>
                 </a:lnTo>
                 <a:lnTo>
-                  <a:pt y="120000" x="0"/>
+                  <a:pt x="0" y="120000"/>
                 </a:lnTo>
                 <a:close/>
               </a:path>
@@ -394,27 +500,31 @@
       </p:sp>
       <p:sp>
         <p:nvSpPr>
-          <p:cNvPr name="Shape 27" id="27"/>
-          <p:cNvSpPr txBox="1"/>
+          <p:cNvPr id="27" name="Shape 27"/>
+          <p:cNvSpPr txBox="1">
+            <a:spLocks noGrp="1"/>
+          </p:cNvSpPr>
           <p:nvPr>
             <p:ph type="body" idx="1"/>
           </p:nvPr>
         </p:nvSpPr>
         <p:spPr>
           <a:xfrm>
-            <a:off y="4343400" x="685800"/>
-            <a:ext cy="4114800" cx="5486399"/>
+            <a:off x="685800" y="4343400"/>
+            <a:ext cx="5486399" cy="4114800"/>
           </a:xfrm>
           <a:prstGeom prst="rect">
             <a:avLst/>
           </a:prstGeom>
         </p:spPr>
         <p:txBody>
-          <a:bodyPr bIns="91425" tIns="91425" lIns="91425" anchor="t" anchorCtr="0" rIns="91425">
+          <a:bodyPr lIns="91425" tIns="91425" rIns="91425" bIns="91425" anchor="t" anchorCtr="0">
             <a:spAutoFit/>
           </a:bodyPr>
           <a:lstStyle/>
-          <a:p/>
+          <a:p>
+            <a:endParaRPr/>
+          </a:p>
         </p:txBody>
       </p:sp>
     </p:spTree>
@@ -426,49 +536,56 @@
 </file>
 
 <file path=ppt/notesSlides/notesSlide2.xml><?xml version="1.0" encoding="utf-8"?>
-<p:notes xmlns:a="http://schemas.openxmlformats.org/drawingml/2006/main" xmlns:r="http://schemas.openxmlformats.org/officeDocument/2006/relationships" xmlns:mc="http://schemas.openxmlformats.org/markup-compatibility/2006" xmlns:mv="urn:schemas-microsoft-com:mac:vml" xmlns:p="http://schemas.openxmlformats.org/presentationml/2006/main" xmlns:c="http://schemas.openxmlformats.org/drawingml/2006/chart" xmlns:dgm="http://schemas.openxmlformats.org/drawingml/2006/diagram" xmlns:o="urn:schemas-microsoft-com:office:office" xmlns:v="urn:schemas-microsoft-com:vml" xmlns:pvml="urn:schemas-microsoft-com:office:powerpoint" xmlns:com="http://schemas.openxmlformats.org/drawingml/2006/compatibility" xmlns:p14="http://schemas.microsoft.com/office/powerpoint/2010/main" showMasterSp="0" showMasterPhAnim="0">
+<p:notes xmlns:a="http://schemas.openxmlformats.org/drawingml/2006/main" xmlns:r="http://schemas.openxmlformats.org/officeDocument/2006/relationships" xmlns:p="http://schemas.openxmlformats.org/presentationml/2006/main" showMasterSp="0" showMasterPhAnim="0">
   <p:cSld>
     <p:spTree>
       <p:nvGrpSpPr>
-        <p:cNvPr name="Shape 31" id="31"/>
+        <p:cNvPr id="1" name="Shape 31"/>
         <p:cNvGrpSpPr/>
         <p:nvPr/>
       </p:nvGrpSpPr>
       <p:grpSpPr>
         <a:xfrm>
-          <a:off y="0" x="0"/>
-          <a:ext cy="0" cx="0"/>
-          <a:chOff y="0" x="0"/>
-          <a:chExt cy="0" cx="0"/>
+          <a:off x="0" y="0"/>
+          <a:ext cx="0" cy="0"/>
+          <a:chOff x="0" y="0"/>
+          <a:chExt cx="0" cy="0"/>
         </a:xfrm>
       </p:grpSpPr>
       <p:sp>
         <p:nvSpPr>
-          <p:cNvPr name="Shape 32" id="32"/>
-          <p:cNvSpPr/>
+          <p:cNvPr id="32" name="Shape 32"/>
+          <p:cNvSpPr>
+            <a:spLocks noGrp="1" noRot="1" noChangeAspect="1"/>
+          </p:cNvSpPr>
           <p:nvPr>
             <p:ph type="sldImg" idx="2"/>
           </p:nvPr>
         </p:nvSpPr>
         <p:spPr>
           <a:xfrm>
-            <a:off y="685800" x="1143225"/>
-            <a:ext cy="3429000" cx="4572299"/>
+            <a:off x="1143000" y="685800"/>
+            <a:ext cx="4572000" cy="3429000"/>
           </a:xfrm>
           <a:custGeom>
+            <a:avLst/>
+            <a:gdLst/>
+            <a:ahLst/>
+            <a:cxnLst/>
+            <a:rect l="0" t="0" r="0" b="0"/>
             <a:pathLst>
-              <a:path extrusionOk="0" h="120000" w="120000">
+              <a:path w="120000" h="120000" extrusionOk="0">
                 <a:moveTo>
-                  <a:pt y="0" x="0"/>
+                  <a:pt x="0" y="0"/>
                 </a:moveTo>
                 <a:lnTo>
-                  <a:pt y="0" x="120000"/>
+                  <a:pt x="120000" y="0"/>
                 </a:lnTo>
                 <a:lnTo>
-                  <a:pt y="120000" x="120000"/>
+                  <a:pt x="120000" y="120000"/>
                 </a:lnTo>
                 <a:lnTo>
-                  <a:pt y="120000" x="0"/>
+                  <a:pt x="0" y="120000"/>
                 </a:lnTo>
                 <a:close/>
               </a:path>
@@ -478,27 +595,31 @@
       </p:sp>
       <p:sp>
         <p:nvSpPr>
-          <p:cNvPr name="Shape 33" id="33"/>
-          <p:cNvSpPr txBox="1"/>
+          <p:cNvPr id="33" name="Shape 33"/>
+          <p:cNvSpPr txBox="1">
+            <a:spLocks noGrp="1"/>
+          </p:cNvSpPr>
           <p:nvPr>
             <p:ph type="body" idx="1"/>
           </p:nvPr>
         </p:nvSpPr>
         <p:spPr>
           <a:xfrm>
-            <a:off y="4343400" x="685800"/>
-            <a:ext cy="4114800" cx="5486399"/>
+            <a:off x="685800" y="4343400"/>
+            <a:ext cx="5486399" cy="4114800"/>
           </a:xfrm>
           <a:prstGeom prst="rect">
             <a:avLst/>
           </a:prstGeom>
         </p:spPr>
         <p:txBody>
-          <a:bodyPr bIns="91425" tIns="91425" lIns="91425" anchor="t" anchorCtr="0" rIns="91425">
+          <a:bodyPr lIns="91425" tIns="91425" rIns="91425" bIns="91425" anchor="t" anchorCtr="0">
             <a:spAutoFit/>
           </a:bodyPr>
           <a:lstStyle/>
-          <a:p/>
+          <a:p>
+            <a:endParaRPr/>
+          </a:p>
         </p:txBody>
       </p:sp>
     </p:spTree>
@@ -510,49 +631,56 @@
 </file>
 
 <file path=ppt/notesSlides/notesSlide3.xml><?xml version="1.0" encoding="utf-8"?>
-<p:notes xmlns:a="http://schemas.openxmlformats.org/drawingml/2006/main" xmlns:r="http://schemas.openxmlformats.org/officeDocument/2006/relationships" xmlns:mc="http://schemas.openxmlformats.org/markup-compatibility/2006" xmlns:mv="urn:schemas-microsoft-com:mac:vml" xmlns:p="http://schemas.openxmlformats.org/presentationml/2006/main" xmlns:c="http://schemas.openxmlformats.org/drawingml/2006/chart" xmlns:dgm="http://schemas.openxmlformats.org/drawingml/2006/diagram" xmlns:o="urn:schemas-microsoft-com:office:office" xmlns:v="urn:schemas-microsoft-com:vml" xmlns:pvml="urn:schemas-microsoft-com:office:powerpoint" xmlns:com="http://schemas.openxmlformats.org/drawingml/2006/compatibility" xmlns:p14="http://schemas.microsoft.com/office/powerpoint/2010/main" showMasterSp="0" showMasterPhAnim="0">
+<p:notes xmlns:a="http://schemas.openxmlformats.org/drawingml/2006/main" xmlns:r="http://schemas.openxmlformats.org/officeDocument/2006/relationships" xmlns:p="http://schemas.openxmlformats.org/presentationml/2006/main" showMasterSp="0" showMasterPhAnim="0">
   <p:cSld>
     <p:spTree>
       <p:nvGrpSpPr>
-        <p:cNvPr name="Shape 39" id="39"/>
+        <p:cNvPr id="1" name="Shape 39"/>
         <p:cNvGrpSpPr/>
         <p:nvPr/>
       </p:nvGrpSpPr>
       <p:grpSpPr>
         <a:xfrm>
-          <a:off y="0" x="0"/>
-          <a:ext cy="0" cx="0"/>
-          <a:chOff y="0" x="0"/>
-          <a:chExt cy="0" cx="0"/>
+          <a:off x="0" y="0"/>
+          <a:ext cx="0" cy="0"/>
+          <a:chOff x="0" y="0"/>
+          <a:chExt cx="0" cy="0"/>
         </a:xfrm>
       </p:grpSpPr>
       <p:sp>
         <p:nvSpPr>
-          <p:cNvPr name="Shape 40" id="40"/>
-          <p:cNvSpPr/>
+          <p:cNvPr id="40" name="Shape 40"/>
+          <p:cNvSpPr>
+            <a:spLocks noGrp="1" noRot="1" noChangeAspect="1"/>
+          </p:cNvSpPr>
           <p:nvPr>
             <p:ph type="sldImg" idx="2"/>
           </p:nvPr>
         </p:nvSpPr>
         <p:spPr>
           <a:xfrm>
-            <a:off y="685800" x="1143225"/>
-            <a:ext cy="3429000" cx="4572299"/>
+            <a:off x="1143225" y="685800"/>
+            <a:ext cx="4572299" cy="3429000"/>
           </a:xfrm>
           <a:custGeom>
+            <a:avLst/>
+            <a:gdLst/>
+            <a:ahLst/>
+            <a:cxnLst/>
+            <a:rect l="0" t="0" r="0" b="0"/>
             <a:pathLst>
-              <a:path extrusionOk="0" h="120000" w="120000">
+              <a:path w="120000" h="120000" extrusionOk="0">
                 <a:moveTo>
-                  <a:pt y="0" x="0"/>
+                  <a:pt x="0" y="0"/>
                 </a:moveTo>
                 <a:lnTo>
-                  <a:pt y="0" x="120000"/>
+                  <a:pt x="120000" y="0"/>
                 </a:lnTo>
                 <a:lnTo>
-                  <a:pt y="120000" x="120000"/>
+                  <a:pt x="120000" y="120000"/>
                 </a:lnTo>
                 <a:lnTo>
-                  <a:pt y="120000" x="0"/>
+                  <a:pt x="0" y="120000"/>
                 </a:lnTo>
                 <a:close/>
               </a:path>
@@ -562,27 +690,31 @@
       </p:sp>
       <p:sp>
         <p:nvSpPr>
-          <p:cNvPr name="Shape 41" id="41"/>
-          <p:cNvSpPr txBox="1"/>
+          <p:cNvPr id="41" name="Shape 41"/>
+          <p:cNvSpPr txBox="1">
+            <a:spLocks noGrp="1"/>
+          </p:cNvSpPr>
           <p:nvPr>
             <p:ph type="body" idx="1"/>
           </p:nvPr>
         </p:nvSpPr>
         <p:spPr>
           <a:xfrm>
-            <a:off y="4343400" x="685800"/>
-            <a:ext cy="4114800" cx="5486399"/>
+            <a:off x="685800" y="4343400"/>
+            <a:ext cx="5486399" cy="4114800"/>
           </a:xfrm>
           <a:prstGeom prst="rect">
             <a:avLst/>
           </a:prstGeom>
         </p:spPr>
         <p:txBody>
-          <a:bodyPr bIns="91425" tIns="91425" lIns="91425" anchor="t" anchorCtr="0" rIns="91425">
+          <a:bodyPr lIns="91425" tIns="91425" rIns="91425" bIns="91425" anchor="t" anchorCtr="0">
             <a:spAutoFit/>
           </a:bodyPr>
           <a:lstStyle/>
-          <a:p/>
+          <a:p>
+            <a:endParaRPr/>
+          </a:p>
         </p:txBody>
       </p:sp>
     </p:spTree>
@@ -594,49 +726,56 @@
 </file>
 
 <file path=ppt/notesSlides/notesSlide4.xml><?xml version="1.0" encoding="utf-8"?>
-<p:notes xmlns:a="http://schemas.openxmlformats.org/drawingml/2006/main" xmlns:r="http://schemas.openxmlformats.org/officeDocument/2006/relationships" xmlns:mc="http://schemas.openxmlformats.org/markup-compatibility/2006" xmlns:mv="urn:schemas-microsoft-com:mac:vml" xmlns:p="http://schemas.openxmlformats.org/presentationml/2006/main" xmlns:c="http://schemas.openxmlformats.org/drawingml/2006/chart" xmlns:dgm="http://schemas.openxmlformats.org/drawingml/2006/diagram" xmlns:o="urn:schemas-microsoft-com:office:office" xmlns:v="urn:schemas-microsoft-com:vml" xmlns:pvml="urn:schemas-microsoft-com:office:powerpoint" xmlns:com="http://schemas.openxmlformats.org/drawingml/2006/compatibility" xmlns:p14="http://schemas.microsoft.com/office/powerpoint/2010/main" showMasterSp="0" showMasterPhAnim="0">
+<p:notes xmlns:a="http://schemas.openxmlformats.org/drawingml/2006/main" xmlns:r="http://schemas.openxmlformats.org/officeDocument/2006/relationships" xmlns:p="http://schemas.openxmlformats.org/presentationml/2006/main" showMasterSp="0" showMasterPhAnim="0">
   <p:cSld>
     <p:spTree>
       <p:nvGrpSpPr>
-        <p:cNvPr name="Shape 45" id="45"/>
+        <p:cNvPr id="1" name="Shape 45"/>
         <p:cNvGrpSpPr/>
         <p:nvPr/>
       </p:nvGrpSpPr>
       <p:grpSpPr>
         <a:xfrm>
-          <a:off y="0" x="0"/>
-          <a:ext cy="0" cx="0"/>
-          <a:chOff y="0" x="0"/>
-          <a:chExt cy="0" cx="0"/>
+          <a:off x="0" y="0"/>
+          <a:ext cx="0" cy="0"/>
+          <a:chOff x="0" y="0"/>
+          <a:chExt cx="0" cy="0"/>
         </a:xfrm>
       </p:grpSpPr>
       <p:sp>
         <p:nvSpPr>
-          <p:cNvPr name="Shape 46" id="46"/>
-          <p:cNvSpPr/>
+          <p:cNvPr id="46" name="Shape 46"/>
+          <p:cNvSpPr>
+            <a:spLocks noGrp="1" noRot="1" noChangeAspect="1"/>
+          </p:cNvSpPr>
           <p:nvPr>
             <p:ph type="sldImg" idx="2"/>
           </p:nvPr>
         </p:nvSpPr>
         <p:spPr>
           <a:xfrm>
-            <a:off y="685800" x="1143225"/>
-            <a:ext cy="3429000" cx="4572299"/>
+            <a:off x="1143000" y="685800"/>
+            <a:ext cx="4572000" cy="3429000"/>
           </a:xfrm>
           <a:custGeom>
+            <a:avLst/>
+            <a:gdLst/>
+            <a:ahLst/>
+            <a:cxnLst/>
+            <a:rect l="0" t="0" r="0" b="0"/>
             <a:pathLst>
-              <a:path extrusionOk="0" h="120000" w="120000">
+              <a:path w="120000" h="120000" extrusionOk="0">
                 <a:moveTo>
-                  <a:pt y="0" x="0"/>
+                  <a:pt x="0" y="0"/>
                 </a:moveTo>
                 <a:lnTo>
-                  <a:pt y="0" x="120000"/>
+                  <a:pt x="120000" y="0"/>
                 </a:lnTo>
                 <a:lnTo>
-                  <a:pt y="120000" x="120000"/>
+                  <a:pt x="120000" y="120000"/>
                 </a:lnTo>
                 <a:lnTo>
-                  <a:pt y="120000" x="0"/>
+                  <a:pt x="0" y="120000"/>
                 </a:lnTo>
                 <a:close/>
               </a:path>
@@ -646,27 +785,31 @@
       </p:sp>
       <p:sp>
         <p:nvSpPr>
-          <p:cNvPr name="Shape 47" id="47"/>
-          <p:cNvSpPr txBox="1"/>
+          <p:cNvPr id="47" name="Shape 47"/>
+          <p:cNvSpPr txBox="1">
+            <a:spLocks noGrp="1"/>
+          </p:cNvSpPr>
           <p:nvPr>
             <p:ph type="body" idx="1"/>
           </p:nvPr>
         </p:nvSpPr>
         <p:spPr>
           <a:xfrm>
-            <a:off y="4343400" x="685800"/>
-            <a:ext cy="4114800" cx="5486399"/>
+            <a:off x="685800" y="4343400"/>
+            <a:ext cx="5486399" cy="4114800"/>
           </a:xfrm>
           <a:prstGeom prst="rect">
             <a:avLst/>
           </a:prstGeom>
         </p:spPr>
         <p:txBody>
-          <a:bodyPr bIns="91425" tIns="91425" lIns="91425" anchor="t" anchorCtr="0" rIns="91425">
+          <a:bodyPr lIns="91425" tIns="91425" rIns="91425" bIns="91425" anchor="t" anchorCtr="0">
             <a:spAutoFit/>
           </a:bodyPr>
           <a:lstStyle/>
-          <a:p/>
+          <a:p>
+            <a:endParaRPr/>
+          </a:p>
         </p:txBody>
       </p:sp>
     </p:spTree>
@@ -678,49 +821,56 @@
 </file>
 
 <file path=ppt/notesSlides/notesSlide5.xml><?xml version="1.0" encoding="utf-8"?>
-<p:notes xmlns:a="http://schemas.openxmlformats.org/drawingml/2006/main" xmlns:r="http://schemas.openxmlformats.org/officeDocument/2006/relationships" xmlns:mc="http://schemas.openxmlformats.org/markup-compatibility/2006" xmlns:mv="urn:schemas-microsoft-com:mac:vml" xmlns:p="http://schemas.openxmlformats.org/presentationml/2006/main" xmlns:c="http://schemas.openxmlformats.org/drawingml/2006/chart" xmlns:dgm="http://schemas.openxmlformats.org/drawingml/2006/diagram" xmlns:o="urn:schemas-microsoft-com:office:office" xmlns:v="urn:schemas-microsoft-com:vml" xmlns:pvml="urn:schemas-microsoft-com:office:powerpoint" xmlns:com="http://schemas.openxmlformats.org/drawingml/2006/compatibility" xmlns:p14="http://schemas.microsoft.com/office/powerpoint/2010/main" showMasterSp="0" showMasterPhAnim="0">
+<p:notes xmlns:a="http://schemas.openxmlformats.org/drawingml/2006/main" xmlns:r="http://schemas.openxmlformats.org/officeDocument/2006/relationships" xmlns:p="http://schemas.openxmlformats.org/presentationml/2006/main" showMasterSp="0" showMasterPhAnim="0">
   <p:cSld>
     <p:spTree>
       <p:nvGrpSpPr>
-        <p:cNvPr name="Shape 51" id="51"/>
+        <p:cNvPr id="1" name="Shape 51"/>
         <p:cNvGrpSpPr/>
         <p:nvPr/>
       </p:nvGrpSpPr>
       <p:grpSpPr>
         <a:xfrm>
-          <a:off y="0" x="0"/>
-          <a:ext cy="0" cx="0"/>
-          <a:chOff y="0" x="0"/>
-          <a:chExt cy="0" cx="0"/>
+          <a:off x="0" y="0"/>
+          <a:ext cx="0" cy="0"/>
+          <a:chOff x="0" y="0"/>
+          <a:chExt cx="0" cy="0"/>
         </a:xfrm>
       </p:grpSpPr>
       <p:sp>
         <p:nvSpPr>
-          <p:cNvPr name="Shape 52" id="52"/>
-          <p:cNvSpPr/>
+          <p:cNvPr id="52" name="Shape 52"/>
+          <p:cNvSpPr>
+            <a:spLocks noGrp="1" noRot="1" noChangeAspect="1"/>
+          </p:cNvSpPr>
           <p:nvPr>
             <p:ph type="sldImg" idx="2"/>
           </p:nvPr>
         </p:nvSpPr>
         <p:spPr>
           <a:xfrm>
-            <a:off y="685800" x="1143225"/>
-            <a:ext cy="3429000" cx="4572299"/>
+            <a:off x="1143225" y="685800"/>
+            <a:ext cx="4572299" cy="3429000"/>
           </a:xfrm>
           <a:custGeom>
+            <a:avLst/>
+            <a:gdLst/>
+            <a:ahLst/>
+            <a:cxnLst/>
+            <a:rect l="0" t="0" r="0" b="0"/>
             <a:pathLst>
-              <a:path extrusionOk="0" h="120000" w="120000">
+              <a:path w="120000" h="120000" extrusionOk="0">
                 <a:moveTo>
-                  <a:pt y="0" x="0"/>
+                  <a:pt x="0" y="0"/>
                 </a:moveTo>
                 <a:lnTo>
-                  <a:pt y="0" x="120000"/>
+                  <a:pt x="120000" y="0"/>
                 </a:lnTo>
                 <a:lnTo>
-                  <a:pt y="120000" x="120000"/>
+                  <a:pt x="120000" y="120000"/>
                 </a:lnTo>
                 <a:lnTo>
-                  <a:pt y="120000" x="0"/>
+                  <a:pt x="0" y="120000"/>
                 </a:lnTo>
                 <a:close/>
               </a:path>
@@ -730,27 +880,31 @@
       </p:sp>
       <p:sp>
         <p:nvSpPr>
-          <p:cNvPr name="Shape 53" id="53"/>
-          <p:cNvSpPr txBox="1"/>
+          <p:cNvPr id="53" name="Shape 53"/>
+          <p:cNvSpPr txBox="1">
+            <a:spLocks noGrp="1"/>
+          </p:cNvSpPr>
           <p:nvPr>
             <p:ph type="body" idx="1"/>
           </p:nvPr>
         </p:nvSpPr>
         <p:spPr>
           <a:xfrm>
-            <a:off y="4343400" x="685800"/>
-            <a:ext cy="4114800" cx="5486399"/>
+            <a:off x="685800" y="4343400"/>
+            <a:ext cx="5486399" cy="4114800"/>
           </a:xfrm>
           <a:prstGeom prst="rect">
             <a:avLst/>
           </a:prstGeom>
         </p:spPr>
         <p:txBody>
-          <a:bodyPr bIns="91425" tIns="91425" lIns="91425" anchor="t" anchorCtr="0" rIns="91425">
+          <a:bodyPr lIns="91425" tIns="91425" rIns="91425" bIns="91425" anchor="t" anchorCtr="0">
             <a:spAutoFit/>
           </a:bodyPr>
           <a:lstStyle/>
-          <a:p/>
+          <a:p>
+            <a:endParaRPr/>
+          </a:p>
         </p:txBody>
       </p:sp>
     </p:spTree>
@@ -762,49 +916,56 @@
 </file>
 
 <file path=ppt/notesSlides/notesSlide6.xml><?xml version="1.0" encoding="utf-8"?>
-<p:notes xmlns:a="http://schemas.openxmlformats.org/drawingml/2006/main" xmlns:r="http://schemas.openxmlformats.org/officeDocument/2006/relationships" xmlns:mc="http://schemas.openxmlformats.org/markup-compatibility/2006" xmlns:mv="urn:schemas-microsoft-com:mac:vml" xmlns:p="http://schemas.openxmlformats.org/presentationml/2006/main" xmlns:c="http://schemas.openxmlformats.org/drawingml/2006/chart" xmlns:dgm="http://schemas.openxmlformats.org/drawingml/2006/diagram" xmlns:o="urn:schemas-microsoft-com:office:office" xmlns:v="urn:schemas-microsoft-com:vml" xmlns:pvml="urn:schemas-microsoft-com:office:powerpoint" xmlns:com="http://schemas.openxmlformats.org/drawingml/2006/compatibility" xmlns:p14="http://schemas.microsoft.com/office/powerpoint/2010/main" showMasterSp="0" showMasterPhAnim="0">
+<p:notes xmlns:a="http://schemas.openxmlformats.org/drawingml/2006/main" xmlns:r="http://schemas.openxmlformats.org/officeDocument/2006/relationships" xmlns:p="http://schemas.openxmlformats.org/presentationml/2006/main" showMasterSp="0" showMasterPhAnim="0">
   <p:cSld>
     <p:spTree>
       <p:nvGrpSpPr>
-        <p:cNvPr name="Shape 57" id="57"/>
+        <p:cNvPr id="1" name="Shape 57"/>
         <p:cNvGrpSpPr/>
         <p:nvPr/>
       </p:nvGrpSpPr>
       <p:grpSpPr>
         <a:xfrm>
-          <a:off y="0" x="0"/>
-          <a:ext cy="0" cx="0"/>
-          <a:chOff y="0" x="0"/>
-          <a:chExt cy="0" cx="0"/>
+          <a:off x="0" y="0"/>
+          <a:ext cx="0" cy="0"/>
+          <a:chOff x="0" y="0"/>
+          <a:chExt cx="0" cy="0"/>
         </a:xfrm>
       </p:grpSpPr>
       <p:sp>
         <p:nvSpPr>
-          <p:cNvPr name="Shape 58" id="58"/>
-          <p:cNvSpPr/>
+          <p:cNvPr id="58" name="Shape 58"/>
+          <p:cNvSpPr>
+            <a:spLocks noGrp="1" noRot="1" noChangeAspect="1"/>
+          </p:cNvSpPr>
           <p:nvPr>
             <p:ph type="sldImg" idx="2"/>
           </p:nvPr>
         </p:nvSpPr>
         <p:spPr>
           <a:xfrm>
-            <a:off y="685800" x="1143225"/>
-            <a:ext cy="3429000" cx="4572299"/>
+            <a:off x="1143225" y="685800"/>
+            <a:ext cx="4572299" cy="3429000"/>
           </a:xfrm>
           <a:custGeom>
+            <a:avLst/>
+            <a:gdLst/>
+            <a:ahLst/>
+            <a:cxnLst/>
+            <a:rect l="0" t="0" r="0" b="0"/>
             <a:pathLst>
-              <a:path extrusionOk="0" h="120000" w="120000">
+              <a:path w="120000" h="120000" extrusionOk="0">
                 <a:moveTo>
-                  <a:pt y="0" x="0"/>
+                  <a:pt x="0" y="0"/>
                 </a:moveTo>
                 <a:lnTo>
-                  <a:pt y="0" x="120000"/>
+                  <a:pt x="120000" y="0"/>
                 </a:lnTo>
                 <a:lnTo>
-                  <a:pt y="120000" x="120000"/>
+                  <a:pt x="120000" y="120000"/>
                 </a:lnTo>
                 <a:lnTo>
-                  <a:pt y="120000" x="0"/>
+                  <a:pt x="0" y="120000"/>
                 </a:lnTo>
                 <a:close/>
               </a:path>
@@ -814,27 +975,31 @@
       </p:sp>
       <p:sp>
         <p:nvSpPr>
-          <p:cNvPr name="Shape 59" id="59"/>
-          <p:cNvSpPr txBox="1"/>
+          <p:cNvPr id="59" name="Shape 59"/>
+          <p:cNvSpPr txBox="1">
+            <a:spLocks noGrp="1"/>
+          </p:cNvSpPr>
           <p:nvPr>
             <p:ph type="body" idx="1"/>
           </p:nvPr>
         </p:nvSpPr>
         <p:spPr>
           <a:xfrm>
-            <a:off y="4343400" x="685800"/>
-            <a:ext cy="4114800" cx="5486399"/>
+            <a:off x="685800" y="4343400"/>
+            <a:ext cx="5486399" cy="4114800"/>
           </a:xfrm>
           <a:prstGeom prst="rect">
             <a:avLst/>
           </a:prstGeom>
         </p:spPr>
         <p:txBody>
-          <a:bodyPr bIns="91425" tIns="91425" lIns="91425" anchor="t" anchorCtr="0" rIns="91425">
+          <a:bodyPr lIns="91425" tIns="91425" rIns="91425" bIns="91425" anchor="t" anchorCtr="0">
             <a:spAutoFit/>
           </a:bodyPr>
           <a:lstStyle/>
-          <a:p/>
+          <a:p>
+            <a:endParaRPr/>
+          </a:p>
         </p:txBody>
       </p:sp>
     </p:spTree>
@@ -846,49 +1011,56 @@
 </file>
 
 <file path=ppt/notesSlides/notesSlide7.xml><?xml version="1.0" encoding="utf-8"?>
-<p:notes xmlns:a="http://schemas.openxmlformats.org/drawingml/2006/main" xmlns:r="http://schemas.openxmlformats.org/officeDocument/2006/relationships" xmlns:mc="http://schemas.openxmlformats.org/markup-compatibility/2006" xmlns:mv="urn:schemas-microsoft-com:mac:vml" xmlns:p="http://schemas.openxmlformats.org/presentationml/2006/main" xmlns:c="http://schemas.openxmlformats.org/drawingml/2006/chart" xmlns:dgm="http://schemas.openxmlformats.org/drawingml/2006/diagram" xmlns:o="urn:schemas-microsoft-com:office:office" xmlns:v="urn:schemas-microsoft-com:vml" xmlns:pvml="urn:schemas-microsoft-com:office:powerpoint" xmlns:com="http://schemas.openxmlformats.org/drawingml/2006/compatibility" xmlns:p14="http://schemas.microsoft.com/office/powerpoint/2010/main" showMasterSp="0" showMasterPhAnim="0">
+<p:notes xmlns:a="http://schemas.openxmlformats.org/drawingml/2006/main" xmlns:r="http://schemas.openxmlformats.org/officeDocument/2006/relationships" xmlns:p="http://schemas.openxmlformats.org/presentationml/2006/main" showMasterSp="0" showMasterPhAnim="0">
   <p:cSld>
     <p:spTree>
       <p:nvGrpSpPr>
-        <p:cNvPr name="Shape 63" id="63"/>
+        <p:cNvPr id="1" name="Shape 63"/>
         <p:cNvGrpSpPr/>
         <p:nvPr/>
       </p:nvGrpSpPr>
       <p:grpSpPr>
         <a:xfrm>
-          <a:off y="0" x="0"/>
-          <a:ext cy="0" cx="0"/>
-          <a:chOff y="0" x="0"/>
-          <a:chExt cy="0" cx="0"/>
+          <a:off x="0" y="0"/>
+          <a:ext cx="0" cy="0"/>
+          <a:chOff x="0" y="0"/>
+          <a:chExt cx="0" cy="0"/>
         </a:xfrm>
       </p:grpSpPr>
       <p:sp>
         <p:nvSpPr>
-          <p:cNvPr name="Shape 64" id="64"/>
-          <p:cNvSpPr/>
+          <p:cNvPr id="64" name="Shape 64"/>
+          <p:cNvSpPr>
+            <a:spLocks noGrp="1" noRot="1" noChangeAspect="1"/>
+          </p:cNvSpPr>
           <p:nvPr>
             <p:ph type="sldImg" idx="2"/>
           </p:nvPr>
         </p:nvSpPr>
         <p:spPr>
           <a:xfrm>
-            <a:off y="685800" x="1143225"/>
-            <a:ext cy="3429000" cx="4572299"/>
+            <a:off x="1143000" y="685800"/>
+            <a:ext cx="4572000" cy="3429000"/>
           </a:xfrm>
           <a:custGeom>
+            <a:avLst/>
+            <a:gdLst/>
+            <a:ahLst/>
+            <a:cxnLst/>
+            <a:rect l="0" t="0" r="0" b="0"/>
             <a:pathLst>
-              <a:path extrusionOk="0" h="120000" w="120000">
+              <a:path w="120000" h="120000" extrusionOk="0">
                 <a:moveTo>
-                  <a:pt y="0" x="0"/>
+                  <a:pt x="0" y="0"/>
                 </a:moveTo>
                 <a:lnTo>
-                  <a:pt y="0" x="120000"/>
+                  <a:pt x="120000" y="0"/>
                 </a:lnTo>
                 <a:lnTo>
-                  <a:pt y="120000" x="120000"/>
+                  <a:pt x="120000" y="120000"/>
                 </a:lnTo>
                 <a:lnTo>
-                  <a:pt y="120000" x="0"/>
+                  <a:pt x="0" y="120000"/>
                 </a:lnTo>
                 <a:close/>
               </a:path>
@@ -898,27 +1070,31 @@
       </p:sp>
       <p:sp>
         <p:nvSpPr>
-          <p:cNvPr name="Shape 65" id="65"/>
-          <p:cNvSpPr txBox="1"/>
+          <p:cNvPr id="65" name="Shape 65"/>
+          <p:cNvSpPr txBox="1">
+            <a:spLocks noGrp="1"/>
+          </p:cNvSpPr>
           <p:nvPr>
             <p:ph type="body" idx="1"/>
           </p:nvPr>
         </p:nvSpPr>
         <p:spPr>
           <a:xfrm>
-            <a:off y="4343400" x="685800"/>
-            <a:ext cy="4114800" cx="5486399"/>
+            <a:off x="685800" y="4343400"/>
+            <a:ext cx="5486399" cy="4114800"/>
           </a:xfrm>
           <a:prstGeom prst="rect">
             <a:avLst/>
           </a:prstGeom>
         </p:spPr>
         <p:txBody>
-          <a:bodyPr bIns="91425" tIns="91425" lIns="91425" anchor="t" anchorCtr="0" rIns="91425">
+          <a:bodyPr lIns="91425" tIns="91425" rIns="91425" bIns="91425" anchor="t" anchorCtr="0">
             <a:spAutoFit/>
           </a:bodyPr>
           <a:lstStyle/>
-          <a:p/>
+          <a:p>
+            <a:endParaRPr/>
+          </a:p>
         </p:txBody>
       </p:sp>
     </p:spTree>
@@ -930,49 +1106,56 @@
 </file>
 
 <file path=ppt/notesSlides/notesSlide8.xml><?xml version="1.0" encoding="utf-8"?>
-<p:notes xmlns:a="http://schemas.openxmlformats.org/drawingml/2006/main" xmlns:r="http://schemas.openxmlformats.org/officeDocument/2006/relationships" xmlns:mc="http://schemas.openxmlformats.org/markup-compatibility/2006" xmlns:mv="urn:schemas-microsoft-com:mac:vml" xmlns:p="http://schemas.openxmlformats.org/presentationml/2006/main" xmlns:c="http://schemas.openxmlformats.org/drawingml/2006/chart" xmlns:dgm="http://schemas.openxmlformats.org/drawingml/2006/diagram" xmlns:o="urn:schemas-microsoft-com:office:office" xmlns:v="urn:schemas-microsoft-com:vml" xmlns:pvml="urn:schemas-microsoft-com:office:powerpoint" xmlns:com="http://schemas.openxmlformats.org/drawingml/2006/compatibility" xmlns:p14="http://schemas.microsoft.com/office/powerpoint/2010/main" showMasterSp="0" showMasterPhAnim="0">
+<p:notes xmlns:a="http://schemas.openxmlformats.org/drawingml/2006/main" xmlns:r="http://schemas.openxmlformats.org/officeDocument/2006/relationships" xmlns:p="http://schemas.openxmlformats.org/presentationml/2006/main" showMasterSp="0" showMasterPhAnim="0">
   <p:cSld>
     <p:spTree>
       <p:nvGrpSpPr>
-        <p:cNvPr name="Shape 69" id="69"/>
+        <p:cNvPr id="1" name="Shape 69"/>
         <p:cNvGrpSpPr/>
         <p:nvPr/>
       </p:nvGrpSpPr>
       <p:grpSpPr>
         <a:xfrm>
-          <a:off y="0" x="0"/>
-          <a:ext cy="0" cx="0"/>
-          <a:chOff y="0" x="0"/>
-          <a:chExt cy="0" cx="0"/>
+          <a:off x="0" y="0"/>
+          <a:ext cx="0" cy="0"/>
+          <a:chOff x="0" y="0"/>
+          <a:chExt cx="0" cy="0"/>
         </a:xfrm>
       </p:grpSpPr>
       <p:sp>
         <p:nvSpPr>
-          <p:cNvPr name="Shape 70" id="70"/>
-          <p:cNvSpPr/>
+          <p:cNvPr id="70" name="Shape 70"/>
+          <p:cNvSpPr>
+            <a:spLocks noGrp="1" noRot="1" noChangeAspect="1"/>
+          </p:cNvSpPr>
           <p:nvPr>
             <p:ph type="sldImg" idx="2"/>
           </p:nvPr>
         </p:nvSpPr>
         <p:spPr>
           <a:xfrm>
-            <a:off y="685800" x="1143225"/>
-            <a:ext cy="3429000" cx="4572299"/>
+            <a:off x="1143225" y="685800"/>
+            <a:ext cx="4572299" cy="3429000"/>
           </a:xfrm>
           <a:custGeom>
+            <a:avLst/>
+            <a:gdLst/>
+            <a:ahLst/>
+            <a:cxnLst/>
+            <a:rect l="0" t="0" r="0" b="0"/>
             <a:pathLst>
-              <a:path extrusionOk="0" h="120000" w="120000">
+              <a:path w="120000" h="120000" extrusionOk="0">
                 <a:moveTo>
-                  <a:pt y="0" x="0"/>
+                  <a:pt x="0" y="0"/>
                 </a:moveTo>
                 <a:lnTo>
-                  <a:pt y="0" x="120000"/>
+                  <a:pt x="120000" y="0"/>
                 </a:lnTo>
                 <a:lnTo>
-                  <a:pt y="120000" x="120000"/>
+                  <a:pt x="120000" y="120000"/>
                 </a:lnTo>
                 <a:lnTo>
-                  <a:pt y="120000" x="0"/>
+                  <a:pt x="0" y="120000"/>
                 </a:lnTo>
                 <a:close/>
               </a:path>
@@ -982,27 +1165,31 @@
       </p:sp>
       <p:sp>
         <p:nvSpPr>
-          <p:cNvPr name="Shape 71" id="71"/>
-          <p:cNvSpPr txBox="1"/>
+          <p:cNvPr id="71" name="Shape 71"/>
+          <p:cNvSpPr txBox="1">
+            <a:spLocks noGrp="1"/>
+          </p:cNvSpPr>
           <p:nvPr>
             <p:ph type="body" idx="1"/>
           </p:nvPr>
         </p:nvSpPr>
         <p:spPr>
           <a:xfrm>
-            <a:off y="4343400" x="685800"/>
-            <a:ext cy="4114800" cx="5486399"/>
+            <a:off x="685800" y="4343400"/>
+            <a:ext cx="5486399" cy="4114800"/>
           </a:xfrm>
           <a:prstGeom prst="rect">
             <a:avLst/>
           </a:prstGeom>
         </p:spPr>
         <p:txBody>
-          <a:bodyPr bIns="91425" tIns="91425" lIns="91425" anchor="t" anchorCtr="0" rIns="91425">
+          <a:bodyPr lIns="91425" tIns="91425" rIns="91425" bIns="91425" anchor="t" anchorCtr="0">
             <a:spAutoFit/>
           </a:bodyPr>
           <a:lstStyle/>
-          <a:p/>
+          <a:p>
+            <a:endParaRPr/>
+          </a:p>
         </p:txBody>
       </p:sp>
     </p:spTree>
@@ -1014,34 +1201,36 @@
 </file>
 
 <file path=ppt/slideLayouts/slideLayout1.xml><?xml version="1.0" encoding="utf-8"?>
-<p:sldLayout xmlns:a="http://schemas.openxmlformats.org/drawingml/2006/main" xmlns:r="http://schemas.openxmlformats.org/officeDocument/2006/relationships" xmlns:mc="http://schemas.openxmlformats.org/markup-compatibility/2006" xmlns:mv="urn:schemas-microsoft-com:mac:vml" xmlns:p="http://schemas.openxmlformats.org/presentationml/2006/main" xmlns:c="http://schemas.openxmlformats.org/drawingml/2006/chart" xmlns:dgm="http://schemas.openxmlformats.org/drawingml/2006/diagram" xmlns:o="urn:schemas-microsoft-com:office:office" xmlns:v="urn:schemas-microsoft-com:vml" xmlns:pvml="urn:schemas-microsoft-com:office:powerpoint" xmlns:com="http://schemas.openxmlformats.org/drawingml/2006/compatibility" xmlns:p14="http://schemas.microsoft.com/office/powerpoint/2010/main" matchingName="title" type="title">
+<p:sldLayout xmlns:a="http://schemas.openxmlformats.org/drawingml/2006/main" xmlns:r="http://schemas.openxmlformats.org/officeDocument/2006/relationships" xmlns:p="http://schemas.openxmlformats.org/presentationml/2006/main" matchingName="title" type="title">
   <p:cSld name="title">
     <p:spTree>
       <p:nvGrpSpPr>
-        <p:cNvPr name="Shape 7" id="7"/>
+        <p:cNvPr id="1" name="Shape 7"/>
         <p:cNvGrpSpPr/>
         <p:nvPr/>
       </p:nvGrpSpPr>
       <p:grpSpPr>
         <a:xfrm>
-          <a:off y="0" x="0"/>
-          <a:ext cy="0" cx="0"/>
-          <a:chOff y="0" x="0"/>
-          <a:chExt cy="0" cx="0"/>
+          <a:off x="0" y="0"/>
+          <a:ext cx="0" cy="0"/>
+          <a:chOff x="0" y="0"/>
+          <a:chExt cx="0" cy="0"/>
         </a:xfrm>
       </p:grpSpPr>
       <p:sp>
         <p:nvSpPr>
-          <p:cNvPr name="Shape 8" id="8"/>
-          <p:cNvSpPr txBox="1"/>
+          <p:cNvPr id="8" name="Shape 8"/>
+          <p:cNvSpPr txBox="1">
+            <a:spLocks noGrp="1"/>
+          </p:cNvSpPr>
           <p:nvPr>
             <p:ph type="ctrTitle"/>
           </p:nvPr>
         </p:nvSpPr>
         <p:spPr>
           <a:xfrm>
-            <a:off y="2111123" x="685800"/>
-            <a:ext cy="1546474" cx="7772400"/>
+            <a:off x="685800" y="2111123"/>
+            <a:ext cx="7772400" cy="1546474"/>
           </a:xfrm>
           <a:prstGeom prst="rect">
             <a:avLst/>
@@ -1052,9 +1241,9 @@
           </a:ln>
         </p:spPr>
         <p:txBody>
-          <a:bodyPr bIns="91425" tIns="91425" lIns="91425" anchor="b" anchorCtr="0" rIns="91425"/>
+          <a:bodyPr lIns="91425" tIns="91425" rIns="91425" bIns="91425" anchor="b" anchorCtr="0"/>
           <a:lstStyle>
-            <a:lvl1pPr indent="304800" algn="ctr" marL="0" rtl="0">
+            <a:lvl1pPr marL="0" indent="304800" algn="ctr" rtl="0">
               <a:spcBef>
                 <a:spcPts val="0"/>
               </a:spcBef>
@@ -1064,7 +1253,7 @@
               <a:buSzPct val="100000"/>
               <a:buFont typeface="Arial"/>
               <a:buNone/>
-              <a:defRPr i="0" baseline="0" strike="noStrike" sz="4800" b="1" cap="none" u="none">
+              <a:defRPr sz="4800" b="1" i="0" u="none" strike="noStrike" cap="none" baseline="0">
                 <a:solidFill>
                   <a:schemeClr val="dk1"/>
                 </a:solidFill>
@@ -1074,7 +1263,7 @@
                 <a:sym typeface="Arial"/>
               </a:defRPr>
             </a:lvl1pPr>
-            <a:lvl2pPr indent="304800" algn="ctr" marL="0" rtl="0">
+            <a:lvl2pPr marL="0" indent="304800" algn="ctr" rtl="0">
               <a:spcBef>
                 <a:spcPts val="0"/>
               </a:spcBef>
@@ -1084,7 +1273,7 @@
               <a:buSzPct val="100000"/>
               <a:buFont typeface="Arial"/>
               <a:buNone/>
-              <a:defRPr i="0" baseline="0" strike="noStrike" sz="4800" b="1" cap="none" u="none">
+              <a:defRPr sz="4800" b="1" i="0" u="none" strike="noStrike" cap="none" baseline="0">
                 <a:solidFill>
                   <a:schemeClr val="dk1"/>
                 </a:solidFill>
@@ -1094,7 +1283,7 @@
                 <a:sym typeface="Arial"/>
               </a:defRPr>
             </a:lvl2pPr>
-            <a:lvl3pPr indent="304800" algn="ctr" marL="0" rtl="0">
+            <a:lvl3pPr marL="0" indent="304800" algn="ctr" rtl="0">
               <a:spcBef>
                 <a:spcPts val="0"/>
               </a:spcBef>
@@ -1104,7 +1293,7 @@
               <a:buSzPct val="100000"/>
               <a:buFont typeface="Arial"/>
               <a:buNone/>
-              <a:defRPr i="0" baseline="0" strike="noStrike" sz="4800" b="1" cap="none" u="none">
+              <a:defRPr sz="4800" b="1" i="0" u="none" strike="noStrike" cap="none" baseline="0">
                 <a:solidFill>
                   <a:schemeClr val="dk1"/>
                 </a:solidFill>
@@ -1114,7 +1303,7 @@
                 <a:sym typeface="Arial"/>
               </a:defRPr>
             </a:lvl3pPr>
-            <a:lvl4pPr indent="304800" algn="ctr" marL="0" rtl="0">
+            <a:lvl4pPr marL="0" indent="304800" algn="ctr" rtl="0">
               <a:spcBef>
                 <a:spcPts val="0"/>
               </a:spcBef>
@@ -1124,7 +1313,7 @@
               <a:buSzPct val="100000"/>
               <a:buFont typeface="Arial"/>
               <a:buNone/>
-              <a:defRPr i="0" baseline="0" strike="noStrike" sz="4800" b="1" cap="none" u="none">
+              <a:defRPr sz="4800" b="1" i="0" u="none" strike="noStrike" cap="none" baseline="0">
                 <a:solidFill>
                   <a:schemeClr val="dk1"/>
                 </a:solidFill>
@@ -1134,7 +1323,7 @@
                 <a:sym typeface="Arial"/>
               </a:defRPr>
             </a:lvl4pPr>
-            <a:lvl5pPr indent="304800" algn="ctr" marL="0" rtl="0">
+            <a:lvl5pPr marL="0" indent="304800" algn="ctr" rtl="0">
               <a:spcBef>
                 <a:spcPts val="0"/>
               </a:spcBef>
@@ -1144,7 +1333,7 @@
               <a:buSzPct val="100000"/>
               <a:buFont typeface="Arial"/>
               <a:buNone/>
-              <a:defRPr i="0" baseline="0" strike="noStrike" sz="4800" b="1" cap="none" u="none">
+              <a:defRPr sz="4800" b="1" i="0" u="none" strike="noStrike" cap="none" baseline="0">
                 <a:solidFill>
                   <a:schemeClr val="dk1"/>
                 </a:solidFill>
@@ -1154,7 +1343,7 @@
                 <a:sym typeface="Arial"/>
               </a:defRPr>
             </a:lvl5pPr>
-            <a:lvl6pPr indent="304800" algn="ctr" marL="0" rtl="0">
+            <a:lvl6pPr marL="0" indent="304800" algn="ctr" rtl="0">
               <a:spcBef>
                 <a:spcPts val="0"/>
               </a:spcBef>
@@ -1164,7 +1353,7 @@
               <a:buSzPct val="100000"/>
               <a:buFont typeface="Arial"/>
               <a:buNone/>
-              <a:defRPr i="0" baseline="0" strike="noStrike" sz="4800" b="1" cap="none" u="none">
+              <a:defRPr sz="4800" b="1" i="0" u="none" strike="noStrike" cap="none" baseline="0">
                 <a:solidFill>
                   <a:schemeClr val="dk1"/>
                 </a:solidFill>
@@ -1174,7 +1363,7 @@
                 <a:sym typeface="Arial"/>
               </a:defRPr>
             </a:lvl6pPr>
-            <a:lvl7pPr indent="304800" algn="ctr" marL="0" rtl="0">
+            <a:lvl7pPr marL="0" indent="304800" algn="ctr" rtl="0">
               <a:spcBef>
                 <a:spcPts val="0"/>
               </a:spcBef>
@@ -1184,7 +1373,7 @@
               <a:buSzPct val="100000"/>
               <a:buFont typeface="Arial"/>
               <a:buNone/>
-              <a:defRPr i="0" baseline="0" strike="noStrike" sz="4800" b="1" cap="none" u="none">
+              <a:defRPr sz="4800" b="1" i="0" u="none" strike="noStrike" cap="none" baseline="0">
                 <a:solidFill>
                   <a:schemeClr val="dk1"/>
                 </a:solidFill>
@@ -1194,7 +1383,7 @@
                 <a:sym typeface="Arial"/>
               </a:defRPr>
             </a:lvl7pPr>
-            <a:lvl8pPr indent="304800" algn="ctr" marL="0" rtl="0">
+            <a:lvl8pPr marL="0" indent="304800" algn="ctr" rtl="0">
               <a:spcBef>
                 <a:spcPts val="0"/>
               </a:spcBef>
@@ -1204,7 +1393,7 @@
               <a:buSzPct val="100000"/>
               <a:buFont typeface="Arial"/>
               <a:buNone/>
-              <a:defRPr i="0" baseline="0" strike="noStrike" sz="4800" b="1" cap="none" u="none">
+              <a:defRPr sz="4800" b="1" i="0" u="none" strike="noStrike" cap="none" baseline="0">
                 <a:solidFill>
                   <a:schemeClr val="dk1"/>
                 </a:solidFill>
@@ -1214,7 +1403,7 @@
                 <a:sym typeface="Arial"/>
               </a:defRPr>
             </a:lvl8pPr>
-            <a:lvl9pPr indent="304800" algn="ctr" marL="0" rtl="0">
+            <a:lvl9pPr marL="0" indent="304800" algn="ctr" rtl="0">
               <a:spcBef>
                 <a:spcPts val="0"/>
               </a:spcBef>
@@ -1224,7 +1413,7 @@
               <a:buSzPct val="100000"/>
               <a:buFont typeface="Arial"/>
               <a:buNone/>
-              <a:defRPr i="0" baseline="0" strike="noStrike" sz="4800" b="1" cap="none" u="none">
+              <a:defRPr sz="4800" b="1" i="0" u="none" strike="noStrike" cap="none" baseline="0">
                 <a:solidFill>
                   <a:schemeClr val="dk1"/>
                 </a:solidFill>
@@ -1235,21 +1424,25 @@
               </a:defRPr>
             </a:lvl9pPr>
           </a:lstStyle>
-          <a:p/>
+          <a:p>
+            <a:endParaRPr/>
+          </a:p>
         </p:txBody>
       </p:sp>
       <p:sp>
         <p:nvSpPr>
-          <p:cNvPr name="Shape 9" id="9"/>
-          <p:cNvSpPr txBox="1"/>
+          <p:cNvPr id="9" name="Shape 9"/>
+          <p:cNvSpPr txBox="1">
+            <a:spLocks noGrp="1"/>
+          </p:cNvSpPr>
           <p:nvPr>
             <p:ph type="subTitle" idx="1"/>
           </p:nvPr>
         </p:nvSpPr>
         <p:spPr>
           <a:xfrm>
-            <a:off y="3786737" x="685800"/>
-            <a:ext cy="1046317" cx="7772400"/>
+            <a:off x="685800" y="3786737"/>
+            <a:ext cx="7772400" cy="1046317"/>
           </a:xfrm>
           <a:prstGeom prst="rect">
             <a:avLst/>
@@ -1260,9 +1453,9 @@
           </a:ln>
         </p:spPr>
         <p:txBody>
-          <a:bodyPr bIns="91425" tIns="91425" lIns="91425" anchor="t" anchorCtr="0" rIns="91425"/>
+          <a:bodyPr lIns="91425" tIns="91425" rIns="91425" bIns="91425" anchor="t" anchorCtr="0"/>
           <a:lstStyle>
-            <a:lvl1pPr indent="190500" algn="ctr" marL="0" rtl="0">
+            <a:lvl1pPr marL="0" indent="190500" algn="ctr" rtl="0">
               <a:lnSpc>
                 <a:spcPct val="100000"/>
               </a:lnSpc>
@@ -1278,7 +1471,7 @@
               <a:buSzPct val="100000"/>
               <a:buFont typeface="Arial"/>
               <a:buNone/>
-              <a:defRPr i="0" baseline="0" strike="noStrike" sz="3000" b="0" cap="none" u="none">
+              <a:defRPr sz="3000" b="0" i="0" u="none" strike="noStrike" cap="none" baseline="0">
                 <a:solidFill>
                   <a:schemeClr val="dk2"/>
                 </a:solidFill>
@@ -1288,7 +1481,7 @@
                 <a:sym typeface="Arial"/>
               </a:defRPr>
             </a:lvl1pPr>
-            <a:lvl2pPr indent="190500" algn="ctr" marL="0" rtl="0">
+            <a:lvl2pPr marL="0" indent="190500" algn="ctr" rtl="0">
               <a:lnSpc>
                 <a:spcPct val="100000"/>
               </a:lnSpc>
@@ -1304,7 +1497,7 @@
               <a:buSzPct val="100000"/>
               <a:buFont typeface="Arial"/>
               <a:buNone/>
-              <a:defRPr i="0" baseline="0" strike="noStrike" sz="3000" b="0" cap="none" u="none">
+              <a:defRPr sz="3000" b="0" i="0" u="none" strike="noStrike" cap="none" baseline="0">
                 <a:solidFill>
                   <a:schemeClr val="dk2"/>
                 </a:solidFill>
@@ -1314,7 +1507,7 @@
                 <a:sym typeface="Arial"/>
               </a:defRPr>
             </a:lvl2pPr>
-            <a:lvl3pPr indent="190500" algn="ctr" marL="0" rtl="0">
+            <a:lvl3pPr marL="0" indent="190500" algn="ctr" rtl="0">
               <a:lnSpc>
                 <a:spcPct val="100000"/>
               </a:lnSpc>
@@ -1330,7 +1523,7 @@
               <a:buSzPct val="100000"/>
               <a:buFont typeface="Arial"/>
               <a:buNone/>
-              <a:defRPr i="0" baseline="0" strike="noStrike" sz="3000" b="0" cap="none" u="none">
+              <a:defRPr sz="3000" b="0" i="0" u="none" strike="noStrike" cap="none" baseline="0">
                 <a:solidFill>
                   <a:schemeClr val="dk2"/>
                 </a:solidFill>
@@ -1340,7 +1533,7 @@
                 <a:sym typeface="Arial"/>
               </a:defRPr>
             </a:lvl3pPr>
-            <a:lvl4pPr indent="190500" algn="ctr" marL="0" rtl="0">
+            <a:lvl4pPr marL="0" indent="190500" algn="ctr" rtl="0">
               <a:lnSpc>
                 <a:spcPct val="100000"/>
               </a:lnSpc>
@@ -1356,7 +1549,7 @@
               <a:buSzPct val="100000"/>
               <a:buFont typeface="Arial"/>
               <a:buNone/>
-              <a:defRPr i="0" baseline="0" strike="noStrike" sz="3000" b="0" cap="none" u="none">
+              <a:defRPr sz="3000" b="0" i="0" u="none" strike="noStrike" cap="none" baseline="0">
                 <a:solidFill>
                   <a:schemeClr val="dk2"/>
                 </a:solidFill>
@@ -1366,7 +1559,7 @@
                 <a:sym typeface="Arial"/>
               </a:defRPr>
             </a:lvl4pPr>
-            <a:lvl5pPr indent="190500" algn="ctr" marL="0" rtl="0">
+            <a:lvl5pPr marL="0" indent="190500" algn="ctr" rtl="0">
               <a:lnSpc>
                 <a:spcPct val="100000"/>
               </a:lnSpc>
@@ -1382,7 +1575,7 @@
               <a:buSzPct val="100000"/>
               <a:buFont typeface="Arial"/>
               <a:buNone/>
-              <a:defRPr i="0" baseline="0" strike="noStrike" sz="3000" b="0" cap="none" u="none">
+              <a:defRPr sz="3000" b="0" i="0" u="none" strike="noStrike" cap="none" baseline="0">
                 <a:solidFill>
                   <a:schemeClr val="dk2"/>
                 </a:solidFill>
@@ -1392,7 +1585,7 @@
                 <a:sym typeface="Arial"/>
               </a:defRPr>
             </a:lvl5pPr>
-            <a:lvl6pPr indent="190500" algn="ctr" marL="0" rtl="0">
+            <a:lvl6pPr marL="0" indent="190500" algn="ctr" rtl="0">
               <a:lnSpc>
                 <a:spcPct val="100000"/>
               </a:lnSpc>
@@ -1408,7 +1601,7 @@
               <a:buSzPct val="100000"/>
               <a:buFont typeface="Arial"/>
               <a:buNone/>
-              <a:defRPr i="0" baseline="0" strike="noStrike" sz="3000" b="0" cap="none" u="none">
+              <a:defRPr sz="3000" b="0" i="0" u="none" strike="noStrike" cap="none" baseline="0">
                 <a:solidFill>
                   <a:schemeClr val="dk2"/>
                 </a:solidFill>
@@ -1418,7 +1611,7 @@
                 <a:sym typeface="Arial"/>
               </a:defRPr>
             </a:lvl6pPr>
-            <a:lvl7pPr indent="190500" algn="ctr" marL="0" rtl="0">
+            <a:lvl7pPr marL="0" indent="190500" algn="ctr" rtl="0">
               <a:lnSpc>
                 <a:spcPct val="100000"/>
               </a:lnSpc>
@@ -1434,7 +1627,7 @@
               <a:buSzPct val="100000"/>
               <a:buFont typeface="Arial"/>
               <a:buNone/>
-              <a:defRPr i="0" baseline="0" strike="noStrike" sz="3000" b="0" cap="none" u="none">
+              <a:defRPr sz="3000" b="0" i="0" u="none" strike="noStrike" cap="none" baseline="0">
                 <a:solidFill>
                   <a:schemeClr val="dk2"/>
                 </a:solidFill>
@@ -1444,7 +1637,7 @@
                 <a:sym typeface="Arial"/>
               </a:defRPr>
             </a:lvl7pPr>
-            <a:lvl8pPr indent="190500" algn="ctr" marL="0" rtl="0">
+            <a:lvl8pPr marL="0" indent="190500" algn="ctr" rtl="0">
               <a:lnSpc>
                 <a:spcPct val="100000"/>
               </a:lnSpc>
@@ -1460,7 +1653,7 @@
               <a:buSzPct val="100000"/>
               <a:buFont typeface="Arial"/>
               <a:buNone/>
-              <a:defRPr i="0" baseline="0" strike="noStrike" sz="3000" b="0" cap="none" u="none">
+              <a:defRPr sz="3000" b="0" i="0" u="none" strike="noStrike" cap="none" baseline="0">
                 <a:solidFill>
                   <a:schemeClr val="dk2"/>
                 </a:solidFill>
@@ -1470,7 +1663,7 @@
                 <a:sym typeface="Arial"/>
               </a:defRPr>
             </a:lvl8pPr>
-            <a:lvl9pPr indent="190500" algn="ctr" marL="0" rtl="0">
+            <a:lvl9pPr marL="0" indent="190500" algn="ctr" rtl="0">
               <a:lnSpc>
                 <a:spcPct val="100000"/>
               </a:lnSpc>
@@ -1486,7 +1679,7 @@
               <a:buSzPct val="100000"/>
               <a:buFont typeface="Arial"/>
               <a:buNone/>
-              <a:defRPr i="0" baseline="0" strike="noStrike" sz="3000" b="0" cap="none" u="none">
+              <a:defRPr sz="3000" b="0" i="0" u="none" strike="noStrike" cap="none" baseline="0">
                 <a:solidFill>
                   <a:schemeClr val="dk2"/>
                 </a:solidFill>
@@ -1497,7 +1690,9 @@
               </a:defRPr>
             </a:lvl9pPr>
           </a:lstStyle>
-          <a:p/>
+          <a:p>
+            <a:endParaRPr/>
+          </a:p>
         </p:txBody>
       </p:sp>
     </p:spTree>
@@ -1509,34 +1704,36 @@
 </file>
 
 <file path=ppt/slideLayouts/slideLayout2.xml><?xml version="1.0" encoding="utf-8"?>
-<p:sldLayout xmlns:a="http://schemas.openxmlformats.org/drawingml/2006/main" xmlns:r="http://schemas.openxmlformats.org/officeDocument/2006/relationships" xmlns:mc="http://schemas.openxmlformats.org/markup-compatibility/2006" xmlns:mv="urn:schemas-microsoft-com:mac:vml" xmlns:p="http://schemas.openxmlformats.org/presentationml/2006/main" xmlns:c="http://schemas.openxmlformats.org/drawingml/2006/chart" xmlns:dgm="http://schemas.openxmlformats.org/drawingml/2006/diagram" xmlns:o="urn:schemas-microsoft-com:office:office" xmlns:v="urn:schemas-microsoft-com:vml" xmlns:pvml="urn:schemas-microsoft-com:office:powerpoint" xmlns:com="http://schemas.openxmlformats.org/drawingml/2006/compatibility" xmlns:p14="http://schemas.microsoft.com/office/powerpoint/2010/main" matchingName="tx" type="tx">
+<p:sldLayout xmlns:a="http://schemas.openxmlformats.org/drawingml/2006/main" xmlns:r="http://schemas.openxmlformats.org/officeDocument/2006/relationships" xmlns:p="http://schemas.openxmlformats.org/presentationml/2006/main" matchingName="tx" type="tx">
   <p:cSld name="tx">
     <p:spTree>
       <p:nvGrpSpPr>
-        <p:cNvPr name="Shape 10" id="10"/>
+        <p:cNvPr id="1" name="Shape 10"/>
         <p:cNvGrpSpPr/>
         <p:nvPr/>
       </p:nvGrpSpPr>
       <p:grpSpPr>
         <a:xfrm>
-          <a:off y="0" x="0"/>
-          <a:ext cy="0" cx="0"/>
-          <a:chOff y="0" x="0"/>
-          <a:chExt cy="0" cx="0"/>
+          <a:off x="0" y="0"/>
+          <a:ext cx="0" cy="0"/>
+          <a:chOff x="0" y="0"/>
+          <a:chExt cx="0" cy="0"/>
         </a:xfrm>
       </p:grpSpPr>
       <p:sp>
         <p:nvSpPr>
-          <p:cNvPr name="Shape 11" id="11"/>
-          <p:cNvSpPr txBox="1"/>
+          <p:cNvPr id="11" name="Shape 11"/>
+          <p:cNvSpPr txBox="1">
+            <a:spLocks noGrp="1"/>
+          </p:cNvSpPr>
           <p:nvPr>
             <p:ph type="title"/>
           </p:nvPr>
         </p:nvSpPr>
         <p:spPr>
           <a:xfrm>
-            <a:off y="274637" x="457200"/>
-            <a:ext cy="1143000" cx="8229600"/>
+            <a:off x="457200" y="274637"/>
+            <a:ext cx="8229600" cy="1143000"/>
           </a:xfrm>
           <a:prstGeom prst="rect">
             <a:avLst/>
@@ -1547,7 +1744,7 @@
           </a:ln>
         </p:spPr>
         <p:txBody>
-          <a:bodyPr bIns="91425" tIns="91425" lIns="91425" anchor="b" anchorCtr="0" rIns="91425"/>
+          <a:bodyPr lIns="91425" tIns="91425" rIns="91425" bIns="91425" anchor="b" anchorCtr="0"/>
           <a:lstStyle>
             <a:lvl1pPr algn="l" rtl="0">
               <a:spcBef>
@@ -1703,21 +1900,25 @@
               </a:defRPr>
             </a:lvl9pPr>
           </a:lstStyle>
-          <a:p/>
+          <a:p>
+            <a:endParaRPr/>
+          </a:p>
         </p:txBody>
       </p:sp>
       <p:sp>
         <p:nvSpPr>
-          <p:cNvPr name="Shape 12" id="12"/>
-          <p:cNvSpPr txBox="1"/>
+          <p:cNvPr id="12" name="Shape 12"/>
+          <p:cNvSpPr txBox="1">
+            <a:spLocks noGrp="1"/>
+          </p:cNvSpPr>
           <p:nvPr>
             <p:ph type="body" idx="1"/>
           </p:nvPr>
         </p:nvSpPr>
         <p:spPr>
           <a:xfrm>
-            <a:off y="1600200" x="457200"/>
-            <a:ext cy="4967574" cx="8229600"/>
+            <a:off x="457200" y="1600200"/>
+            <a:ext cx="8229600" cy="4967574"/>
           </a:xfrm>
           <a:prstGeom prst="rect">
             <a:avLst/>
@@ -1728,18 +1929,18 @@
           </a:ln>
         </p:spPr>
         <p:txBody>
-          <a:bodyPr bIns="91425" tIns="91425" lIns="91425" anchor="t" anchorCtr="0" rIns="91425"/>
+          <a:bodyPr lIns="91425" tIns="91425" rIns="91425" bIns="91425" anchor="t" anchorCtr="0"/>
           <a:lstStyle>
             <a:lvl1pPr rtl="0">
               <a:defRPr/>
             </a:lvl1pPr>
-            <a:lvl2pPr indent="-285750" marL="742950" rtl="0">
+            <a:lvl2pPr marL="742950" indent="-285750" rtl="0">
               <a:defRPr/>
             </a:lvl2pPr>
-            <a:lvl3pPr indent="-228600" marL="1143000" rtl="0">
+            <a:lvl3pPr marL="1143000" indent="-228600" rtl="0">
               <a:defRPr/>
             </a:lvl3pPr>
-            <a:lvl4pPr indent="-228600" marL="1600200" rtl="0">
+            <a:lvl4pPr marL="1600200" indent="-228600" rtl="0">
               <a:defRPr/>
             </a:lvl4pPr>
             <a:lvl5pPr rtl="0">
@@ -1758,7 +1959,9 @@
               <a:defRPr sz="1800"/>
             </a:lvl9pPr>
           </a:lstStyle>
-          <a:p/>
+          <a:p>
+            <a:endParaRPr/>
+          </a:p>
         </p:txBody>
       </p:sp>
     </p:spTree>
@@ -1770,34 +1973,36 @@
 </file>
 
 <file path=ppt/slideLayouts/slideLayout3.xml><?xml version="1.0" encoding="utf-8"?>
-<p:sldLayout xmlns:a="http://schemas.openxmlformats.org/drawingml/2006/main" xmlns:r="http://schemas.openxmlformats.org/officeDocument/2006/relationships" xmlns:mc="http://schemas.openxmlformats.org/markup-compatibility/2006" xmlns:mv="urn:schemas-microsoft-com:mac:vml" xmlns:p="http://schemas.openxmlformats.org/presentationml/2006/main" xmlns:c="http://schemas.openxmlformats.org/drawingml/2006/chart" xmlns:dgm="http://schemas.openxmlformats.org/drawingml/2006/diagram" xmlns:o="urn:schemas-microsoft-com:office:office" xmlns:v="urn:schemas-microsoft-com:vml" xmlns:pvml="urn:schemas-microsoft-com:office:powerpoint" xmlns:com="http://schemas.openxmlformats.org/drawingml/2006/compatibility" xmlns:p14="http://schemas.microsoft.com/office/powerpoint/2010/main" matchingName="twoColTx" type="twoColTx">
+<p:sldLayout xmlns:a="http://schemas.openxmlformats.org/drawingml/2006/main" xmlns:r="http://schemas.openxmlformats.org/officeDocument/2006/relationships" xmlns:p="http://schemas.openxmlformats.org/presentationml/2006/main" matchingName="twoColTx" type="twoColTx">
   <p:cSld name="twoColTx">
     <p:spTree>
       <p:nvGrpSpPr>
-        <p:cNvPr name="Shape 13" id="13"/>
+        <p:cNvPr id="1" name="Shape 13"/>
         <p:cNvGrpSpPr/>
         <p:nvPr/>
       </p:nvGrpSpPr>
       <p:grpSpPr>
         <a:xfrm>
-          <a:off y="0" x="0"/>
-          <a:ext cy="0" cx="0"/>
-          <a:chOff y="0" x="0"/>
-          <a:chExt cy="0" cx="0"/>
+          <a:off x="0" y="0"/>
+          <a:ext cx="0" cy="0"/>
+          <a:chOff x="0" y="0"/>
+          <a:chExt cx="0" cy="0"/>
         </a:xfrm>
       </p:grpSpPr>
       <p:sp>
         <p:nvSpPr>
-          <p:cNvPr name="Shape 14" id="14"/>
-          <p:cNvSpPr txBox="1"/>
+          <p:cNvPr id="14" name="Shape 14"/>
+          <p:cNvSpPr txBox="1">
+            <a:spLocks noGrp="1"/>
+          </p:cNvSpPr>
           <p:nvPr>
             <p:ph type="title"/>
           </p:nvPr>
         </p:nvSpPr>
         <p:spPr>
           <a:xfrm>
-            <a:off y="274637" x="457200"/>
-            <a:ext cy="1143000" cx="8229600"/>
+            <a:off x="457200" y="274637"/>
+            <a:ext cx="8229600" cy="1143000"/>
           </a:xfrm>
           <a:prstGeom prst="rect">
             <a:avLst/>
@@ -1808,7 +2013,7 @@
           </a:ln>
         </p:spPr>
         <p:txBody>
-          <a:bodyPr bIns="91425" tIns="91425" lIns="91425" anchor="b" anchorCtr="0" rIns="91425"/>
+          <a:bodyPr lIns="91425" tIns="91425" rIns="91425" bIns="91425" anchor="b" anchorCtr="0"/>
           <a:lstStyle>
             <a:lvl1pPr algn="l" rtl="0">
               <a:spcBef>
@@ -1964,21 +2169,25 @@
               </a:defRPr>
             </a:lvl9pPr>
           </a:lstStyle>
-          <a:p/>
+          <a:p>
+            <a:endParaRPr/>
+          </a:p>
         </p:txBody>
       </p:sp>
       <p:sp>
         <p:nvSpPr>
-          <p:cNvPr name="Shape 15" id="15"/>
-          <p:cNvSpPr txBox="1"/>
+          <p:cNvPr id="15" name="Shape 15"/>
+          <p:cNvSpPr txBox="1">
+            <a:spLocks noGrp="1"/>
+          </p:cNvSpPr>
           <p:nvPr>
             <p:ph type="body" idx="1"/>
           </p:nvPr>
         </p:nvSpPr>
         <p:spPr>
           <a:xfrm>
-            <a:off y="1600200" x="457200"/>
-            <a:ext cy="4967574" cx="3994525"/>
+            <a:off x="457200" y="1600200"/>
+            <a:ext cx="3994525" cy="4967574"/>
           </a:xfrm>
           <a:prstGeom prst="rect">
             <a:avLst/>
@@ -1989,7 +2198,7 @@
           </a:ln>
         </p:spPr>
         <p:txBody>
-          <a:bodyPr bIns="91425" tIns="91425" lIns="91425" anchor="t" anchorCtr="0" rIns="91425"/>
+          <a:bodyPr lIns="91425" tIns="91425" rIns="91425" bIns="91425" anchor="t" anchorCtr="0"/>
           <a:lstStyle>
             <a:lvl1pPr rtl="0">
               <a:defRPr/>
@@ -2019,21 +2228,25 @@
               <a:defRPr sz="1800"/>
             </a:lvl9pPr>
           </a:lstStyle>
-          <a:p/>
+          <a:p>
+            <a:endParaRPr/>
+          </a:p>
         </p:txBody>
       </p:sp>
       <p:sp>
         <p:nvSpPr>
-          <p:cNvPr name="Shape 16" id="16"/>
-          <p:cNvSpPr txBox="1"/>
+          <p:cNvPr id="16" name="Shape 16"/>
+          <p:cNvSpPr txBox="1">
+            <a:spLocks noGrp="1"/>
+          </p:cNvSpPr>
           <p:nvPr>
             <p:ph type="body" idx="2"/>
           </p:nvPr>
         </p:nvSpPr>
         <p:spPr>
           <a:xfrm>
-            <a:off y="1600200" x="4692273"/>
-            <a:ext cy="4967574" cx="3994525"/>
+            <a:off x="4692273" y="1600200"/>
+            <a:ext cx="3994525" cy="4967574"/>
           </a:xfrm>
           <a:prstGeom prst="rect">
             <a:avLst/>
@@ -2044,7 +2257,7 @@
           </a:ln>
         </p:spPr>
         <p:txBody>
-          <a:bodyPr bIns="91425" tIns="91425" lIns="91425" anchor="t" anchorCtr="0" rIns="91425"/>
+          <a:bodyPr lIns="91425" tIns="91425" rIns="91425" bIns="91425" anchor="t" anchorCtr="0"/>
           <a:lstStyle>
             <a:lvl1pPr rtl="0">
               <a:defRPr/>
@@ -2074,7 +2287,9 @@
               <a:defRPr sz="1800"/>
             </a:lvl9pPr>
           </a:lstStyle>
-          <a:p/>
+          <a:p>
+            <a:endParaRPr/>
+          </a:p>
         </p:txBody>
       </p:sp>
     </p:spTree>
@@ -2086,34 +2301,36 @@
 </file>
 
 <file path=ppt/slideLayouts/slideLayout4.xml><?xml version="1.0" encoding="utf-8"?>
-<p:sldLayout xmlns:a="http://schemas.openxmlformats.org/drawingml/2006/main" xmlns:r="http://schemas.openxmlformats.org/officeDocument/2006/relationships" xmlns:mc="http://schemas.openxmlformats.org/markup-compatibility/2006" xmlns:mv="urn:schemas-microsoft-com:mac:vml" xmlns:p="http://schemas.openxmlformats.org/presentationml/2006/main" xmlns:c="http://schemas.openxmlformats.org/drawingml/2006/chart" xmlns:dgm="http://schemas.openxmlformats.org/drawingml/2006/diagram" xmlns:o="urn:schemas-microsoft-com:office:office" xmlns:v="urn:schemas-microsoft-com:vml" xmlns:pvml="urn:schemas-microsoft-com:office:powerpoint" xmlns:com="http://schemas.openxmlformats.org/drawingml/2006/compatibility" xmlns:p14="http://schemas.microsoft.com/office/powerpoint/2010/main" matchingName="titleOnly" type="titleOnly">
+<p:sldLayout xmlns:a="http://schemas.openxmlformats.org/drawingml/2006/main" xmlns:r="http://schemas.openxmlformats.org/officeDocument/2006/relationships" xmlns:p="http://schemas.openxmlformats.org/presentationml/2006/main" matchingName="titleOnly" type="titleOnly">
   <p:cSld name="titleOnly">
     <p:spTree>
       <p:nvGrpSpPr>
-        <p:cNvPr name="Shape 17" id="17"/>
+        <p:cNvPr id="1" name="Shape 17"/>
         <p:cNvGrpSpPr/>
         <p:nvPr/>
       </p:nvGrpSpPr>
       <p:grpSpPr>
         <a:xfrm>
-          <a:off y="0" x="0"/>
-          <a:ext cy="0" cx="0"/>
-          <a:chOff y="0" x="0"/>
-          <a:chExt cy="0" cx="0"/>
+          <a:off x="0" y="0"/>
+          <a:ext cx="0" cy="0"/>
+          <a:chOff x="0" y="0"/>
+          <a:chExt cx="0" cy="0"/>
         </a:xfrm>
       </p:grpSpPr>
       <p:sp>
         <p:nvSpPr>
-          <p:cNvPr name="Shape 18" id="18"/>
-          <p:cNvSpPr txBox="1"/>
+          <p:cNvPr id="18" name="Shape 18"/>
+          <p:cNvSpPr txBox="1">
+            <a:spLocks noGrp="1"/>
+          </p:cNvSpPr>
           <p:nvPr>
             <p:ph type="title"/>
           </p:nvPr>
         </p:nvSpPr>
         <p:spPr>
           <a:xfrm>
-            <a:off y="274637" x="457200"/>
-            <a:ext cy="1143000" cx="8229600"/>
+            <a:off x="457200" y="274637"/>
+            <a:ext cx="8229600" cy="1143000"/>
           </a:xfrm>
           <a:prstGeom prst="rect">
             <a:avLst/>
@@ -2124,7 +2341,7 @@
           </a:ln>
         </p:spPr>
         <p:txBody>
-          <a:bodyPr bIns="91425" tIns="91425" lIns="91425" anchor="b" anchorCtr="0" rIns="91425"/>
+          <a:bodyPr lIns="91425" tIns="91425" rIns="91425" bIns="91425" anchor="b" anchorCtr="0"/>
           <a:lstStyle>
             <a:lvl1pPr algn="l" rtl="0">
               <a:spcBef>
@@ -2280,7 +2497,9 @@
               </a:defRPr>
             </a:lvl9pPr>
           </a:lstStyle>
-          <a:p/>
+          <a:p>
+            <a:endParaRPr/>
+          </a:p>
         </p:txBody>
       </p:sp>
     </p:spTree>
@@ -2292,34 +2511,36 @@
 </file>
 
 <file path=ppt/slideLayouts/slideLayout5.xml><?xml version="1.0" encoding="utf-8"?>
-<p:sldLayout xmlns:a="http://schemas.openxmlformats.org/drawingml/2006/main" xmlns:r="http://schemas.openxmlformats.org/officeDocument/2006/relationships" xmlns:mc="http://schemas.openxmlformats.org/markup-compatibility/2006" xmlns:mv="urn:schemas-microsoft-com:mac:vml" xmlns:p="http://schemas.openxmlformats.org/presentationml/2006/main" xmlns:c="http://schemas.openxmlformats.org/drawingml/2006/chart" xmlns:dgm="http://schemas.openxmlformats.org/drawingml/2006/diagram" xmlns:o="urn:schemas-microsoft-com:office:office" xmlns:v="urn:schemas-microsoft-com:vml" xmlns:pvml="urn:schemas-microsoft-com:office:powerpoint" xmlns:com="http://schemas.openxmlformats.org/drawingml/2006/compatibility" xmlns:p14="http://schemas.microsoft.com/office/powerpoint/2010/main" matchingName="CAPTION_ONLY">
+<p:sldLayout xmlns:a="http://schemas.openxmlformats.org/drawingml/2006/main" xmlns:r="http://schemas.openxmlformats.org/officeDocument/2006/relationships" xmlns:p="http://schemas.openxmlformats.org/presentationml/2006/main" matchingName="CAPTION_ONLY">
   <p:cSld name="CAPTION_ONLY">
     <p:spTree>
       <p:nvGrpSpPr>
-        <p:cNvPr name="Shape 19" id="19"/>
+        <p:cNvPr id="1" name="Shape 19"/>
         <p:cNvGrpSpPr/>
         <p:nvPr/>
       </p:nvGrpSpPr>
       <p:grpSpPr>
         <a:xfrm>
-          <a:off y="0" x="0"/>
-          <a:ext cy="0" cx="0"/>
-          <a:chOff y="0" x="0"/>
-          <a:chExt cy="0" cx="0"/>
+          <a:off x="0" y="0"/>
+          <a:ext cx="0" cy="0"/>
+          <a:chOff x="0" y="0"/>
+          <a:chExt cx="0" cy="0"/>
         </a:xfrm>
       </p:grpSpPr>
       <p:sp>
         <p:nvSpPr>
-          <p:cNvPr name="Shape 20" id="20"/>
-          <p:cNvSpPr txBox="1"/>
+          <p:cNvPr id="20" name="Shape 20"/>
+          <p:cNvSpPr txBox="1">
+            <a:spLocks noGrp="1"/>
+          </p:cNvSpPr>
           <p:nvPr>
             <p:ph type="body" idx="1"/>
           </p:nvPr>
         </p:nvSpPr>
         <p:spPr>
           <a:xfrm>
-            <a:off y="5875078" x="457200"/>
-            <a:ext cy="692693" cx="8229600"/>
+            <a:off x="457200" y="5875078"/>
+            <a:ext cx="8229600" cy="692693"/>
           </a:xfrm>
           <a:prstGeom prst="rect">
             <a:avLst/>
@@ -2330,9 +2551,9 @@
           </a:ln>
         </p:spPr>
         <p:txBody>
-          <a:bodyPr bIns="91425" tIns="91425" lIns="91425" anchor="t" anchorCtr="0" rIns="91425"/>
+          <a:bodyPr lIns="91425" tIns="91425" rIns="91425" bIns="91425" anchor="t" anchorCtr="0"/>
           <a:lstStyle>
-            <a:lvl1pPr indent="-285750" algn="ctr" marL="285750" rtl="0">
+            <a:lvl1pPr marL="285750" indent="-285750" algn="ctr" rtl="0">
               <a:lnSpc>
                 <a:spcPct val="100000"/>
               </a:lnSpc>
@@ -2354,7 +2575,7 @@
                 </a:solidFill>
               </a:defRPr>
             </a:lvl1pPr>
-            <a:lvl2pPr indent="-285750" algn="ctr" marL="285750" rtl="0">
+            <a:lvl2pPr marL="285750" indent="-285750" algn="ctr" rtl="0">
               <a:lnSpc>
                 <a:spcPct val="100000"/>
               </a:lnSpc>
@@ -2376,7 +2597,7 @@
                 </a:solidFill>
               </a:defRPr>
             </a:lvl2pPr>
-            <a:lvl3pPr indent="-285750" algn="ctr" marL="285750" rtl="0">
+            <a:lvl3pPr marL="285750" indent="-285750" algn="ctr" rtl="0">
               <a:lnSpc>
                 <a:spcPct val="100000"/>
               </a:lnSpc>
@@ -2398,7 +2619,7 @@
                 </a:solidFill>
               </a:defRPr>
             </a:lvl3pPr>
-            <a:lvl4pPr indent="-285750" algn="ctr" marL="285750" rtl="0">
+            <a:lvl4pPr marL="285750" indent="-285750" algn="ctr" rtl="0">
               <a:lnSpc>
                 <a:spcPct val="100000"/>
               </a:lnSpc>
@@ -2420,7 +2641,7 @@
                 </a:solidFill>
               </a:defRPr>
             </a:lvl4pPr>
-            <a:lvl5pPr indent="-285750" algn="ctr" marL="285750" rtl="0">
+            <a:lvl5pPr marL="285750" indent="-285750" algn="ctr" rtl="0">
               <a:lnSpc>
                 <a:spcPct val="100000"/>
               </a:lnSpc>
@@ -2442,7 +2663,7 @@
                 </a:solidFill>
               </a:defRPr>
             </a:lvl5pPr>
-            <a:lvl6pPr indent="-285750" algn="ctr" marL="285750" rtl="0">
+            <a:lvl6pPr marL="285750" indent="-285750" algn="ctr" rtl="0">
               <a:lnSpc>
                 <a:spcPct val="100000"/>
               </a:lnSpc>
@@ -2464,7 +2685,7 @@
                 </a:solidFill>
               </a:defRPr>
             </a:lvl6pPr>
-            <a:lvl7pPr indent="-285750" algn="ctr" marL="285750" rtl="0">
+            <a:lvl7pPr marL="285750" indent="-285750" algn="ctr" rtl="0">
               <a:lnSpc>
                 <a:spcPct val="100000"/>
               </a:lnSpc>
@@ -2486,7 +2707,7 @@
                 </a:solidFill>
               </a:defRPr>
             </a:lvl7pPr>
-            <a:lvl8pPr indent="-285750" algn="ctr" marL="285750" rtl="0">
+            <a:lvl8pPr marL="285750" indent="-285750" algn="ctr" rtl="0">
               <a:lnSpc>
                 <a:spcPct val="100000"/>
               </a:lnSpc>
@@ -2508,7 +2729,7 @@
                 </a:solidFill>
               </a:defRPr>
             </a:lvl8pPr>
-            <a:lvl9pPr indent="-285750" algn="ctr" marL="285750" rtl="0">
+            <a:lvl9pPr marL="285750" indent="-285750" algn="ctr" rtl="0">
               <a:lnSpc>
                 <a:spcPct val="100000"/>
               </a:lnSpc>
@@ -2531,7 +2752,9 @@
               </a:defRPr>
             </a:lvl9pPr>
           </a:lstStyle>
-          <a:p/>
+          <a:p>
+            <a:endParaRPr/>
+          </a:p>
         </p:txBody>
       </p:sp>
     </p:spTree>
@@ -2543,20 +2766,20 @@
 </file>
 
 <file path=ppt/slideLayouts/slideLayout6.xml><?xml version="1.0" encoding="utf-8"?>
-<p:sldLayout xmlns:a="http://schemas.openxmlformats.org/drawingml/2006/main" xmlns:r="http://schemas.openxmlformats.org/officeDocument/2006/relationships" xmlns:mc="http://schemas.openxmlformats.org/markup-compatibility/2006" xmlns:mv="urn:schemas-microsoft-com:mac:vml" xmlns:p="http://schemas.openxmlformats.org/presentationml/2006/main" xmlns:c="http://schemas.openxmlformats.org/drawingml/2006/chart" xmlns:dgm="http://schemas.openxmlformats.org/drawingml/2006/diagram" xmlns:o="urn:schemas-microsoft-com:office:office" xmlns:v="urn:schemas-microsoft-com:vml" xmlns:pvml="urn:schemas-microsoft-com:office:powerpoint" xmlns:com="http://schemas.openxmlformats.org/drawingml/2006/compatibility" xmlns:p14="http://schemas.microsoft.com/office/powerpoint/2010/main" matchingName="blank" type="blank">
+<p:sldLayout xmlns:a="http://schemas.openxmlformats.org/drawingml/2006/main" xmlns:r="http://schemas.openxmlformats.org/officeDocument/2006/relationships" xmlns:p="http://schemas.openxmlformats.org/presentationml/2006/main" matchingName="blank" type="blank">
   <p:cSld name="blank">
     <p:spTree>
       <p:nvGrpSpPr>
-        <p:cNvPr name="Shape 21" id="21"/>
+        <p:cNvPr id="1" name="Shape 21"/>
         <p:cNvGrpSpPr/>
         <p:nvPr/>
       </p:nvGrpSpPr>
       <p:grpSpPr>
         <a:xfrm>
-          <a:off y="0" x="0"/>
-          <a:ext cy="0" cx="0"/>
-          <a:chOff y="0" x="0"/>
-          <a:chExt cy="0" cx="0"/>
+          <a:off x="0" y="0"/>
+          <a:ext cx="0" cy="0"/>
+          <a:chOff x="0" y="0"/>
+          <a:chExt cx="0" cy="0"/>
         </a:xfrm>
       </p:grpSpPr>
     </p:spTree>
@@ -2568,41 +2791,44 @@
 </file>
 
 <file path=ppt/slideMasters/slideMaster1.xml><?xml version="1.0" encoding="utf-8"?>
-<p:sldMaster xmlns:a="http://schemas.openxmlformats.org/drawingml/2006/main" xmlns:r="http://schemas.openxmlformats.org/officeDocument/2006/relationships" xmlns:mc="http://schemas.openxmlformats.org/markup-compatibility/2006" xmlns:mv="urn:schemas-microsoft-com:mac:vml" xmlns:p="http://schemas.openxmlformats.org/presentationml/2006/main" xmlns:c="http://schemas.openxmlformats.org/drawingml/2006/chart" xmlns:dgm="http://schemas.openxmlformats.org/drawingml/2006/diagram" xmlns:o="urn:schemas-microsoft-com:office:office" xmlns:v="urn:schemas-microsoft-com:vml" xmlns:pvml="urn:schemas-microsoft-com:office:powerpoint" xmlns:com="http://schemas.openxmlformats.org/drawingml/2006/compatibility" xmlns:p14="http://schemas.microsoft.com/office/powerpoint/2010/main">
+<p:sldMaster xmlns:a="http://schemas.openxmlformats.org/drawingml/2006/main" xmlns:r="http://schemas.openxmlformats.org/officeDocument/2006/relationships" xmlns:p="http://schemas.openxmlformats.org/presentationml/2006/main">
   <p:cSld>
     <p:bg>
       <p:bgPr>
         <a:solidFill>
           <a:schemeClr val="lt1"/>
         </a:solidFill>
+        <a:effectLst/>
       </p:bgPr>
     </p:bg>
     <p:spTree>
       <p:nvGrpSpPr>
-        <p:cNvPr name="Shape 4" id="4"/>
+        <p:cNvPr id="1" name="Shape 4"/>
         <p:cNvGrpSpPr/>
         <p:nvPr/>
       </p:nvGrpSpPr>
       <p:grpSpPr>
         <a:xfrm>
-          <a:off y="0" x="0"/>
-          <a:ext cy="0" cx="0"/>
-          <a:chOff y="0" x="0"/>
-          <a:chExt cy="0" cx="0"/>
+          <a:off x="0" y="0"/>
+          <a:ext cx="0" cy="0"/>
+          <a:chOff x="0" y="0"/>
+          <a:chExt cx="0" cy="0"/>
         </a:xfrm>
       </p:grpSpPr>
       <p:sp>
         <p:nvSpPr>
-          <p:cNvPr name="Shape 5" id="5"/>
-          <p:cNvSpPr txBox="1"/>
+          <p:cNvPr id="5" name="Shape 5"/>
+          <p:cNvSpPr txBox="1">
+            <a:spLocks noGrp="1"/>
+          </p:cNvSpPr>
           <p:nvPr>
             <p:ph type="title"/>
           </p:nvPr>
         </p:nvSpPr>
         <p:spPr>
           <a:xfrm>
-            <a:off y="274637" x="457200"/>
-            <a:ext cy="1143000" cx="8229600"/>
+            <a:off x="457200" y="274637"/>
+            <a:ext cx="8229600" cy="1143000"/>
           </a:xfrm>
           <a:prstGeom prst="rect">
             <a:avLst/>
@@ -2613,9 +2839,9 @@
           </a:ln>
         </p:spPr>
         <p:txBody>
-          <a:bodyPr bIns="91425" tIns="91425" lIns="91425" anchor="b" anchorCtr="0" rIns="91425"/>
+          <a:bodyPr lIns="91425" tIns="91425" rIns="91425" bIns="91425" anchor="b" anchorCtr="0"/>
           <a:lstStyle>
-            <a:lvl1pPr indent="228600" algn="l" marL="0" rtl="0">
+            <a:lvl1pPr marL="0" indent="228600" algn="l" rtl="0">
               <a:spcBef>
                 <a:spcPts val="0"/>
               </a:spcBef>
@@ -2625,7 +2851,7 @@
               <a:buSzPct val="100000"/>
               <a:buFont typeface="Arial"/>
               <a:buNone/>
-              <a:defRPr i="0" baseline="0" strike="noStrike" sz="3600" b="1" cap="none" u="none">
+              <a:defRPr sz="3600" b="1" i="0" u="none" strike="noStrike" cap="none" baseline="0">
                 <a:solidFill>
                   <a:schemeClr val="dk1"/>
                 </a:solidFill>
@@ -2635,7 +2861,7 @@
                 <a:sym typeface="Arial"/>
               </a:defRPr>
             </a:lvl1pPr>
-            <a:lvl2pPr indent="228600" algn="l" marL="0" rtl="0">
+            <a:lvl2pPr marL="0" indent="228600" algn="l" rtl="0">
               <a:spcBef>
                 <a:spcPts val="0"/>
               </a:spcBef>
@@ -2645,7 +2871,7 @@
               <a:buSzPct val="100000"/>
               <a:buFont typeface="Arial"/>
               <a:buNone/>
-              <a:defRPr i="0" baseline="0" strike="noStrike" sz="3600" b="1" cap="none" u="none">
+              <a:defRPr sz="3600" b="1" i="0" u="none" strike="noStrike" cap="none" baseline="0">
                 <a:solidFill>
                   <a:schemeClr val="dk1"/>
                 </a:solidFill>
@@ -2655,7 +2881,7 @@
                 <a:sym typeface="Arial"/>
               </a:defRPr>
             </a:lvl2pPr>
-            <a:lvl3pPr indent="228600" algn="l" marL="0" rtl="0">
+            <a:lvl3pPr marL="0" indent="228600" algn="l" rtl="0">
               <a:spcBef>
                 <a:spcPts val="0"/>
               </a:spcBef>
@@ -2665,7 +2891,7 @@
               <a:buSzPct val="100000"/>
               <a:buFont typeface="Arial"/>
               <a:buNone/>
-              <a:defRPr i="0" baseline="0" strike="noStrike" sz="3600" b="1" cap="none" u="none">
+              <a:defRPr sz="3600" b="1" i="0" u="none" strike="noStrike" cap="none" baseline="0">
                 <a:solidFill>
                   <a:schemeClr val="dk1"/>
                 </a:solidFill>
@@ -2675,7 +2901,7 @@
                 <a:sym typeface="Arial"/>
               </a:defRPr>
             </a:lvl3pPr>
-            <a:lvl4pPr indent="228600" algn="l" marL="0" rtl="0">
+            <a:lvl4pPr marL="0" indent="228600" algn="l" rtl="0">
               <a:spcBef>
                 <a:spcPts val="0"/>
               </a:spcBef>
@@ -2685,7 +2911,7 @@
               <a:buSzPct val="100000"/>
               <a:buFont typeface="Arial"/>
               <a:buNone/>
-              <a:defRPr i="0" baseline="0" strike="noStrike" sz="3600" b="1" cap="none" u="none">
+              <a:defRPr sz="3600" b="1" i="0" u="none" strike="noStrike" cap="none" baseline="0">
                 <a:solidFill>
                   <a:schemeClr val="dk1"/>
                 </a:solidFill>
@@ -2695,7 +2921,7 @@
                 <a:sym typeface="Arial"/>
               </a:defRPr>
             </a:lvl4pPr>
-            <a:lvl5pPr indent="228600" algn="l" marL="0" rtl="0">
+            <a:lvl5pPr marL="0" indent="228600" algn="l" rtl="0">
               <a:spcBef>
                 <a:spcPts val="0"/>
               </a:spcBef>
@@ -2705,7 +2931,7 @@
               <a:buSzPct val="100000"/>
               <a:buFont typeface="Arial"/>
               <a:buNone/>
-              <a:defRPr i="0" baseline="0" strike="noStrike" sz="3600" b="1" cap="none" u="none">
+              <a:defRPr sz="3600" b="1" i="0" u="none" strike="noStrike" cap="none" baseline="0">
                 <a:solidFill>
                   <a:schemeClr val="dk1"/>
                 </a:solidFill>
@@ -2715,7 +2941,7 @@
                 <a:sym typeface="Arial"/>
               </a:defRPr>
             </a:lvl5pPr>
-            <a:lvl6pPr indent="228600" algn="l" marL="0" rtl="0">
+            <a:lvl6pPr marL="0" indent="228600" algn="l" rtl="0">
               <a:spcBef>
                 <a:spcPts val="0"/>
               </a:spcBef>
@@ -2725,7 +2951,7 @@
               <a:buSzPct val="100000"/>
               <a:buFont typeface="Arial"/>
               <a:buNone/>
-              <a:defRPr i="0" baseline="0" strike="noStrike" sz="3600" b="1" cap="none" u="none">
+              <a:defRPr sz="3600" b="1" i="0" u="none" strike="noStrike" cap="none" baseline="0">
                 <a:solidFill>
                   <a:schemeClr val="dk1"/>
                 </a:solidFill>
@@ -2735,7 +2961,7 @@
                 <a:sym typeface="Arial"/>
               </a:defRPr>
             </a:lvl6pPr>
-            <a:lvl7pPr indent="228600" algn="l" marL="0" rtl="0">
+            <a:lvl7pPr marL="0" indent="228600" algn="l" rtl="0">
               <a:spcBef>
                 <a:spcPts val="0"/>
               </a:spcBef>
@@ -2745,7 +2971,7 @@
               <a:buSzPct val="100000"/>
               <a:buFont typeface="Arial"/>
               <a:buNone/>
-              <a:defRPr i="0" baseline="0" strike="noStrike" sz="3600" b="1" cap="none" u="none">
+              <a:defRPr sz="3600" b="1" i="0" u="none" strike="noStrike" cap="none" baseline="0">
                 <a:solidFill>
                   <a:schemeClr val="dk1"/>
                 </a:solidFill>
@@ -2755,7 +2981,7 @@
                 <a:sym typeface="Arial"/>
               </a:defRPr>
             </a:lvl7pPr>
-            <a:lvl8pPr indent="228600" algn="l" marL="0" rtl="0">
+            <a:lvl8pPr marL="0" indent="228600" algn="l" rtl="0">
               <a:spcBef>
                 <a:spcPts val="0"/>
               </a:spcBef>
@@ -2765,7 +2991,7 @@
               <a:buSzPct val="100000"/>
               <a:buFont typeface="Arial"/>
               <a:buNone/>
-              <a:defRPr i="0" baseline="0" strike="noStrike" sz="3600" b="1" cap="none" u="none">
+              <a:defRPr sz="3600" b="1" i="0" u="none" strike="noStrike" cap="none" baseline="0">
                 <a:solidFill>
                   <a:schemeClr val="dk1"/>
                 </a:solidFill>
@@ -2775,7 +3001,7 @@
                 <a:sym typeface="Arial"/>
               </a:defRPr>
             </a:lvl8pPr>
-            <a:lvl9pPr indent="228600" algn="l" marL="0" rtl="0">
+            <a:lvl9pPr marL="0" indent="228600" algn="l" rtl="0">
               <a:spcBef>
                 <a:spcPts val="0"/>
               </a:spcBef>
@@ -2785,7 +3011,7 @@
               <a:buSzPct val="100000"/>
               <a:buFont typeface="Arial"/>
               <a:buNone/>
-              <a:defRPr i="0" baseline="0" strike="noStrike" sz="3600" b="1" cap="none" u="none">
+              <a:defRPr sz="3600" b="1" i="0" u="none" strike="noStrike" cap="none" baseline="0">
                 <a:solidFill>
                   <a:schemeClr val="dk1"/>
                 </a:solidFill>
@@ -2796,21 +3022,25 @@
               </a:defRPr>
             </a:lvl9pPr>
           </a:lstStyle>
-          <a:p/>
+          <a:p>
+            <a:endParaRPr/>
+          </a:p>
         </p:txBody>
       </p:sp>
       <p:sp>
         <p:nvSpPr>
-          <p:cNvPr name="Shape 6" id="6"/>
-          <p:cNvSpPr txBox="1"/>
+          <p:cNvPr id="6" name="Shape 6"/>
+          <p:cNvSpPr txBox="1">
+            <a:spLocks noGrp="1"/>
+          </p:cNvSpPr>
           <p:nvPr>
             <p:ph type="body" idx="1"/>
           </p:nvPr>
         </p:nvSpPr>
         <p:spPr>
           <a:xfrm>
-            <a:off y="1600200" x="457200"/>
-            <a:ext cy="4967574" cx="8229600"/>
+            <a:off x="457200" y="1600200"/>
+            <a:ext cx="8229600" cy="4967574"/>
           </a:xfrm>
           <a:prstGeom prst="rect">
             <a:avLst/>
@@ -2821,9 +3051,9 @@
           </a:ln>
         </p:spPr>
         <p:txBody>
-          <a:bodyPr bIns="91425" tIns="91425" lIns="91425" anchor="t" anchorCtr="0" rIns="91425"/>
+          <a:bodyPr lIns="91425" tIns="91425" rIns="91425" bIns="91425" anchor="t" anchorCtr="0"/>
           <a:lstStyle>
-            <a:lvl1pPr indent="-342900" algn="l" marL="342900" rtl="0">
+            <a:lvl1pPr marL="342900" indent="-342900" algn="l" rtl="0">
               <a:spcBef>
                 <a:spcPts val="600"/>
               </a:spcBef>
@@ -2833,7 +3063,7 @@
               <a:buSzPct val="166666"/>
               <a:buFont typeface="Arial"/>
               <a:buChar char="•"/>
-              <a:defRPr i="0" baseline="0" strike="noStrike" sz="3000" b="0" cap="none" u="none">
+              <a:defRPr sz="3000" b="0" i="0" u="none" strike="noStrike" cap="none" baseline="0">
                 <a:solidFill>
                   <a:schemeClr val="dk1"/>
                 </a:solidFill>
@@ -2843,7 +3073,7 @@
                 <a:sym typeface="Arial"/>
               </a:defRPr>
             </a:lvl1pPr>
-            <a:lvl2pPr indent="-285750" algn="l" marL="742950" rtl="0">
+            <a:lvl2pPr marL="742950" indent="-285750" algn="l" rtl="0">
               <a:spcBef>
                 <a:spcPts val="480"/>
               </a:spcBef>
@@ -2853,7 +3083,7 @@
               <a:buSzPct val="100000"/>
               <a:buFont typeface="Courier New"/>
               <a:buChar char="o"/>
-              <a:defRPr i="0" baseline="0" strike="noStrike" sz="2400" b="0" cap="none" u="none">
+              <a:defRPr sz="2400" b="0" i="0" u="none" strike="noStrike" cap="none" baseline="0">
                 <a:solidFill>
                   <a:schemeClr val="dk1"/>
                 </a:solidFill>
@@ -2863,7 +3093,7 @@
                 <a:sym typeface="Arial"/>
               </a:defRPr>
             </a:lvl2pPr>
-            <a:lvl3pPr indent="-228600" algn="l" marL="1143000" rtl="0">
+            <a:lvl3pPr marL="1143000" indent="-228600" algn="l" rtl="0">
               <a:spcBef>
                 <a:spcPts val="480"/>
               </a:spcBef>
@@ -2873,7 +3103,7 @@
               <a:buSzPct val="100000"/>
               <a:buFont typeface="Wingdings"/>
               <a:buChar char="§"/>
-              <a:defRPr i="0" baseline="0" strike="noStrike" sz="2400" b="0" cap="none" u="none">
+              <a:defRPr sz="2400" b="0" i="0" u="none" strike="noStrike" cap="none" baseline="0">
                 <a:solidFill>
                   <a:schemeClr val="dk1"/>
                 </a:solidFill>
@@ -2883,7 +3113,7 @@
                 <a:sym typeface="Arial"/>
               </a:defRPr>
             </a:lvl3pPr>
-            <a:lvl4pPr indent="-228600" algn="l" marL="1600200" rtl="0">
+            <a:lvl4pPr marL="1600200" indent="-228600" algn="l" rtl="0">
               <a:spcBef>
                 <a:spcPts val="360"/>
               </a:spcBef>
@@ -2893,7 +3123,7 @@
               <a:buSzPct val="166666"/>
               <a:buFont typeface="Arial"/>
               <a:buChar char="•"/>
-              <a:defRPr i="0" baseline="0" strike="noStrike" sz="1800" b="0" cap="none" u="none">
+              <a:defRPr sz="1800" b="0" i="0" u="none" strike="noStrike" cap="none" baseline="0">
                 <a:solidFill>
                   <a:schemeClr val="dk1"/>
                 </a:solidFill>
@@ -2903,7 +3133,7 @@
                 <a:sym typeface="Arial"/>
               </a:defRPr>
             </a:lvl4pPr>
-            <a:lvl5pPr indent="-228600" algn="l" marL="2057400" rtl="0">
+            <a:lvl5pPr marL="2057400" indent="-228600" algn="l" rtl="0">
               <a:spcBef>
                 <a:spcPts val="360"/>
               </a:spcBef>
@@ -2913,7 +3143,7 @@
               <a:buSzPct val="100000"/>
               <a:buFont typeface="Courier New"/>
               <a:buChar char="o"/>
-              <a:defRPr i="0" baseline="0" strike="noStrike" sz="1800" b="0" cap="none" u="none">
+              <a:defRPr sz="1800" b="0" i="0" u="none" strike="noStrike" cap="none" baseline="0">
                 <a:solidFill>
                   <a:schemeClr val="dk1"/>
                 </a:solidFill>
@@ -2923,7 +3153,7 @@
                 <a:sym typeface="Arial"/>
               </a:defRPr>
             </a:lvl5pPr>
-            <a:lvl6pPr indent="-228600" algn="l" marL="2514600" rtl="0">
+            <a:lvl6pPr marL="2514600" indent="-228600" algn="l" rtl="0">
               <a:spcBef>
                 <a:spcPts val="360"/>
               </a:spcBef>
@@ -2933,7 +3163,7 @@
               <a:buSzPct val="100000"/>
               <a:buFont typeface="Wingdings"/>
               <a:buChar char="§"/>
-              <a:defRPr i="0" baseline="0" strike="noStrike" sz="1800" b="0" cap="none" u="none">
+              <a:defRPr sz="1800" b="0" i="0" u="none" strike="noStrike" cap="none" baseline="0">
                 <a:solidFill>
                   <a:schemeClr val="dk1"/>
                 </a:solidFill>
@@ -2943,7 +3173,7 @@
                 <a:sym typeface="Arial"/>
               </a:defRPr>
             </a:lvl6pPr>
-            <a:lvl7pPr indent="-228600" algn="l" marL="2971800" rtl="0">
+            <a:lvl7pPr marL="2971800" indent="-228600" algn="l" rtl="0">
               <a:spcBef>
                 <a:spcPts val="360"/>
               </a:spcBef>
@@ -2953,7 +3183,7 @@
               <a:buSzPct val="166666"/>
               <a:buFont typeface="Arial"/>
               <a:buChar char="•"/>
-              <a:defRPr i="0" baseline="0" strike="noStrike" sz="1800" b="0" cap="none" u="none">
+              <a:defRPr sz="1800" b="0" i="0" u="none" strike="noStrike" cap="none" baseline="0">
                 <a:solidFill>
                   <a:schemeClr val="dk1"/>
                 </a:solidFill>
@@ -2963,7 +3193,7 @@
                 <a:sym typeface="Arial"/>
               </a:defRPr>
             </a:lvl7pPr>
-            <a:lvl8pPr indent="-228600" algn="l" marL="3429000" rtl="0">
+            <a:lvl8pPr marL="3429000" indent="-228600" algn="l" rtl="0">
               <a:spcBef>
                 <a:spcPts val="360"/>
               </a:spcBef>
@@ -2973,7 +3203,7 @@
               <a:buSzPct val="100000"/>
               <a:buFont typeface="Courier New"/>
               <a:buChar char="o"/>
-              <a:defRPr i="0" baseline="0" strike="noStrike" sz="1800" b="0" cap="none" u="none">
+              <a:defRPr sz="1800" b="0" i="0" u="none" strike="noStrike" cap="none" baseline="0">
                 <a:solidFill>
                   <a:schemeClr val="dk1"/>
                 </a:solidFill>
@@ -2983,7 +3213,7 @@
                 <a:sym typeface="Arial"/>
               </a:defRPr>
             </a:lvl8pPr>
-            <a:lvl9pPr indent="-228600" algn="l" marL="3886200" rtl="0">
+            <a:lvl9pPr marL="3886200" indent="-228600" algn="l" rtl="0">
               <a:spcBef>
                 <a:spcPts val="360"/>
               </a:spcBef>
@@ -2993,7 +3223,7 @@
               <a:buSzPct val="100000"/>
               <a:buFont typeface="Wingdings"/>
               <a:buChar char="§"/>
-              <a:defRPr i="0" baseline="0" strike="noStrike" sz="1800" b="0" cap="none" u="none">
+              <a:defRPr sz="1800" b="0" i="0" u="none" strike="noStrike" cap="none" baseline="0">
                 <a:solidFill>
                   <a:schemeClr val="dk1"/>
                 </a:solidFill>
@@ -3004,12 +3234,14 @@
               </a:defRPr>
             </a:lvl9pPr>
           </a:lstStyle>
-          <a:p/>
+          <a:p>
+            <a:endParaRPr/>
+          </a:p>
         </p:txBody>
       </p:sp>
     </p:spTree>
   </p:cSld>
-  <p:clrMap accent6="accent6" tx2="lt2" bg2="dk2" accent5="accent5" tx1="dk1" bg1="lt1" accent4="accent4" accent3="accent3" accent2="accent2" accent1="accent1" folHlink="folHlink" hlink="hlink"/>
+  <p:clrMap bg1="lt1" tx1="dk1" bg2="dk2" tx2="lt2" accent1="accent1" accent2="accent2" accent3="accent3" accent4="accent4" accent5="accent5" accent6="accent6" hlink="hlink" folHlink="folHlink"/>
   <p:sldLayoutIdLst>
     <p:sldLayoutId id="2147483648" r:id="rId1"/>
     <p:sldLayoutId id="2147483649" r:id="rId2"/>
@@ -3042,7 +3274,7 @@
           <a:spcPts val="0"/>
         </a:spcAft>
         <a:buNone/>
-        <a:defRPr i="0" baseline="0" strike="noStrike" sz="1400" b="0" cap="none" u="none">
+        <a:defRPr sz="1400" b="0" i="0" u="none" strike="noStrike" cap="none" baseline="0">
           <a:solidFill>
             <a:srgbClr val="000000"/>
           </a:solidFill>
@@ -3050,7 +3282,6 @@
           <a:ea typeface="Arial"/>
           <a:cs typeface="Arial"/>
           <a:sym typeface="Arial"/>
-          <a:rtl val="0"/>
         </a:defRPr>
       </a:lvl1pPr>
       <a:lvl2pPr marR="0" algn="l" rtl="0">
@@ -3064,7 +3295,7 @@
           <a:spcPts val="0"/>
         </a:spcAft>
         <a:buNone/>
-        <a:defRPr i="0" baseline="0" strike="noStrike" sz="1400" b="0" cap="none" u="none">
+        <a:defRPr sz="1400" b="0" i="0" u="none" strike="noStrike" cap="none" baseline="0">
           <a:solidFill>
             <a:srgbClr val="000000"/>
           </a:solidFill>
@@ -3072,7 +3303,6 @@
           <a:ea typeface="Arial"/>
           <a:cs typeface="Arial"/>
           <a:sym typeface="Arial"/>
-          <a:rtl val="0"/>
         </a:defRPr>
       </a:lvl2pPr>
     </p:titleStyle>
@@ -3099,7 +3329,7 @@
           <a:spcPts val="0"/>
         </a:spcAft>
         <a:buNone/>
-        <a:defRPr i="0" baseline="0" strike="noStrike" sz="1400" b="0" cap="none" u="none">
+        <a:defRPr sz="1400" b="0" i="0" u="none" strike="noStrike" cap="none" baseline="0">
           <a:solidFill>
             <a:srgbClr val="000000"/>
           </a:solidFill>
@@ -3107,7 +3337,6 @@
           <a:ea typeface="Arial"/>
           <a:cs typeface="Arial"/>
           <a:sym typeface="Arial"/>
-          <a:rtl val="0"/>
         </a:defRPr>
       </a:lvl1pPr>
       <a:lvl2pPr marR="0" algn="l" rtl="0">
@@ -3121,7 +3350,7 @@
           <a:spcPts val="0"/>
         </a:spcAft>
         <a:buNone/>
-        <a:defRPr i="0" baseline="0" strike="noStrike" sz="1400" b="0" cap="none" u="none">
+        <a:defRPr sz="1400" b="0" i="0" u="none" strike="noStrike" cap="none" baseline="0">
           <a:solidFill>
             <a:srgbClr val="000000"/>
           </a:solidFill>
@@ -3129,7 +3358,6 @@
           <a:ea typeface="Arial"/>
           <a:cs typeface="Arial"/>
           <a:sym typeface="Arial"/>
-          <a:rtl val="0"/>
         </a:defRPr>
       </a:lvl2pPr>
       <a:lvl3pPr marR="0" algn="l" rtl="0">
@@ -3143,7 +3371,7 @@
           <a:spcPts val="0"/>
         </a:spcAft>
         <a:buNone/>
-        <a:defRPr i="0" baseline="0" strike="noStrike" sz="1400" b="0" cap="none" u="none">
+        <a:defRPr sz="1400" b="0" i="0" u="none" strike="noStrike" cap="none" baseline="0">
           <a:solidFill>
             <a:srgbClr val="000000"/>
           </a:solidFill>
@@ -3151,7 +3379,6 @@
           <a:ea typeface="Arial"/>
           <a:cs typeface="Arial"/>
           <a:sym typeface="Arial"/>
-          <a:rtl val="0"/>
         </a:defRPr>
       </a:lvl3pPr>
       <a:lvl4pPr marR="0" algn="l" rtl="0">
@@ -3165,7 +3392,7 @@
           <a:spcPts val="0"/>
         </a:spcAft>
         <a:buNone/>
-        <a:defRPr i="0" baseline="0" strike="noStrike" sz="1400" b="0" cap="none" u="none">
+        <a:defRPr sz="1400" b="0" i="0" u="none" strike="noStrike" cap="none" baseline="0">
           <a:solidFill>
             <a:srgbClr val="000000"/>
           </a:solidFill>
@@ -3173,7 +3400,6 @@
           <a:ea typeface="Arial"/>
           <a:cs typeface="Arial"/>
           <a:sym typeface="Arial"/>
-          <a:rtl val="0"/>
         </a:defRPr>
       </a:lvl4pPr>
       <a:lvl5pPr marR="0" algn="l" rtl="0">
@@ -3187,7 +3413,7 @@
           <a:spcPts val="0"/>
         </a:spcAft>
         <a:buNone/>
-        <a:defRPr i="0" baseline="0" strike="noStrike" sz="1400" b="0" cap="none" u="none">
+        <a:defRPr sz="1400" b="0" i="0" u="none" strike="noStrike" cap="none" baseline="0">
           <a:solidFill>
             <a:srgbClr val="000000"/>
           </a:solidFill>
@@ -3195,7 +3421,6 @@
           <a:ea typeface="Arial"/>
           <a:cs typeface="Arial"/>
           <a:sym typeface="Arial"/>
-          <a:rtl val="0"/>
         </a:defRPr>
       </a:lvl5pPr>
       <a:lvl6pPr marR="0" algn="l" rtl="0">
@@ -3209,7 +3434,7 @@
           <a:spcPts val="0"/>
         </a:spcAft>
         <a:buNone/>
-        <a:defRPr i="0" baseline="0" strike="noStrike" sz="1400" b="0" cap="none" u="none">
+        <a:defRPr sz="1400" b="0" i="0" u="none" strike="noStrike" cap="none" baseline="0">
           <a:solidFill>
             <a:srgbClr val="000000"/>
           </a:solidFill>
@@ -3217,7 +3442,6 @@
           <a:ea typeface="Arial"/>
           <a:cs typeface="Arial"/>
           <a:sym typeface="Arial"/>
-          <a:rtl val="0"/>
         </a:defRPr>
       </a:lvl6pPr>
       <a:lvl7pPr marR="0" algn="l" rtl="0">
@@ -3231,7 +3455,7 @@
           <a:spcPts val="0"/>
         </a:spcAft>
         <a:buNone/>
-        <a:defRPr i="0" baseline="0" strike="noStrike" sz="1400" b="0" cap="none" u="none">
+        <a:defRPr sz="1400" b="0" i="0" u="none" strike="noStrike" cap="none" baseline="0">
           <a:solidFill>
             <a:srgbClr val="000000"/>
           </a:solidFill>
@@ -3239,7 +3463,6 @@
           <a:ea typeface="Arial"/>
           <a:cs typeface="Arial"/>
           <a:sym typeface="Arial"/>
-          <a:rtl val="0"/>
         </a:defRPr>
       </a:lvl7pPr>
       <a:lvl8pPr marR="0" algn="l" rtl="0">
@@ -3253,7 +3476,7 @@
           <a:spcPts val="0"/>
         </a:spcAft>
         <a:buNone/>
-        <a:defRPr i="0" baseline="0" strike="noStrike" sz="1400" b="0" cap="none" u="none">
+        <a:defRPr sz="1400" b="0" i="0" u="none" strike="noStrike" cap="none" baseline="0">
           <a:solidFill>
             <a:srgbClr val="000000"/>
           </a:solidFill>
@@ -3261,7 +3484,6 @@
           <a:ea typeface="Arial"/>
           <a:cs typeface="Arial"/>
           <a:sym typeface="Arial"/>
-          <a:rtl val="0"/>
         </a:defRPr>
       </a:lvl8pPr>
       <a:lvl9pPr marR="0" algn="l" rtl="0">
@@ -3275,7 +3497,7 @@
           <a:spcPts val="0"/>
         </a:spcAft>
         <a:buNone/>
-        <a:defRPr i="0" baseline="0" strike="noStrike" sz="1400" b="0" cap="none" u="none">
+        <a:defRPr sz="1400" b="0" i="0" u="none" strike="noStrike" cap="none" baseline="0">
           <a:solidFill>
             <a:srgbClr val="000000"/>
           </a:solidFill>
@@ -3283,7 +3505,6 @@
           <a:ea typeface="Arial"/>
           <a:cs typeface="Arial"/>
           <a:sym typeface="Arial"/>
-          <a:rtl val="0"/>
         </a:defRPr>
       </a:lvl9pPr>
     </p:bodyStyle>
@@ -3310,7 +3531,7 @@
           <a:spcPts val="0"/>
         </a:spcAft>
         <a:buNone/>
-        <a:defRPr i="0" baseline="0" strike="noStrike" sz="1400" b="0" cap="none" u="none">
+        <a:defRPr sz="1400" b="0" i="0" u="none" strike="noStrike" cap="none" baseline="0">
           <a:solidFill>
             <a:srgbClr val="000000"/>
           </a:solidFill>
@@ -3318,7 +3539,6 @@
           <a:ea typeface="Arial"/>
           <a:cs typeface="Arial"/>
           <a:sym typeface="Arial"/>
-          <a:rtl val="0"/>
         </a:defRPr>
       </a:lvl1pPr>
       <a:lvl2pPr marR="0" algn="l" rtl="0">
@@ -3332,7 +3552,7 @@
           <a:spcPts val="0"/>
         </a:spcAft>
         <a:buNone/>
-        <a:defRPr i="0" baseline="0" strike="noStrike" sz="1400" b="0" cap="none" u="none">
+        <a:defRPr sz="1400" b="0" i="0" u="none" strike="noStrike" cap="none" baseline="0">
           <a:solidFill>
             <a:srgbClr val="000000"/>
           </a:solidFill>
@@ -3340,7 +3560,6 @@
           <a:ea typeface="Arial"/>
           <a:cs typeface="Arial"/>
           <a:sym typeface="Arial"/>
-          <a:rtl val="0"/>
         </a:defRPr>
       </a:lvl2pPr>
       <a:lvl3pPr marR="0" algn="l" rtl="0">
@@ -3354,7 +3573,7 @@
           <a:spcPts val="0"/>
         </a:spcAft>
         <a:buNone/>
-        <a:defRPr i="0" baseline="0" strike="noStrike" sz="1400" b="0" cap="none" u="none">
+        <a:defRPr sz="1400" b="0" i="0" u="none" strike="noStrike" cap="none" baseline="0">
           <a:solidFill>
             <a:srgbClr val="000000"/>
           </a:solidFill>
@@ -3362,7 +3581,6 @@
           <a:ea typeface="Arial"/>
           <a:cs typeface="Arial"/>
           <a:sym typeface="Arial"/>
-          <a:rtl val="0"/>
         </a:defRPr>
       </a:lvl3pPr>
       <a:lvl4pPr marR="0" algn="l" rtl="0">
@@ -3376,7 +3594,7 @@
           <a:spcPts val="0"/>
         </a:spcAft>
         <a:buNone/>
-        <a:defRPr i="0" baseline="0" strike="noStrike" sz="1400" b="0" cap="none" u="none">
+        <a:defRPr sz="1400" b="0" i="0" u="none" strike="noStrike" cap="none" baseline="0">
           <a:solidFill>
             <a:srgbClr val="000000"/>
           </a:solidFill>
@@ -3384,7 +3602,6 @@
           <a:ea typeface="Arial"/>
           <a:cs typeface="Arial"/>
           <a:sym typeface="Arial"/>
-          <a:rtl val="0"/>
         </a:defRPr>
       </a:lvl4pPr>
       <a:lvl5pPr marR="0" algn="l" rtl="0">
@@ -3398,7 +3615,7 @@
           <a:spcPts val="0"/>
         </a:spcAft>
         <a:buNone/>
-        <a:defRPr i="0" baseline="0" strike="noStrike" sz="1400" b="0" cap="none" u="none">
+        <a:defRPr sz="1400" b="0" i="0" u="none" strike="noStrike" cap="none" baseline="0">
           <a:solidFill>
             <a:srgbClr val="000000"/>
           </a:solidFill>
@@ -3406,7 +3623,6 @@
           <a:ea typeface="Arial"/>
           <a:cs typeface="Arial"/>
           <a:sym typeface="Arial"/>
-          <a:rtl val="0"/>
         </a:defRPr>
       </a:lvl5pPr>
       <a:lvl6pPr marR="0" algn="l" rtl="0">
@@ -3420,7 +3636,7 @@
           <a:spcPts val="0"/>
         </a:spcAft>
         <a:buNone/>
-        <a:defRPr i="0" baseline="0" strike="noStrike" sz="1400" b="0" cap="none" u="none">
+        <a:defRPr sz="1400" b="0" i="0" u="none" strike="noStrike" cap="none" baseline="0">
           <a:solidFill>
             <a:srgbClr val="000000"/>
           </a:solidFill>
@@ -3428,7 +3644,6 @@
           <a:ea typeface="Arial"/>
           <a:cs typeface="Arial"/>
           <a:sym typeface="Arial"/>
-          <a:rtl val="0"/>
         </a:defRPr>
       </a:lvl6pPr>
       <a:lvl7pPr marR="0" algn="l" rtl="0">
@@ -3442,7 +3657,7 @@
           <a:spcPts val="0"/>
         </a:spcAft>
         <a:buNone/>
-        <a:defRPr i="0" baseline="0" strike="noStrike" sz="1400" b="0" cap="none" u="none">
+        <a:defRPr sz="1400" b="0" i="0" u="none" strike="noStrike" cap="none" baseline="0">
           <a:solidFill>
             <a:srgbClr val="000000"/>
           </a:solidFill>
@@ -3450,7 +3665,6 @@
           <a:ea typeface="Arial"/>
           <a:cs typeface="Arial"/>
           <a:sym typeface="Arial"/>
-          <a:rtl val="0"/>
         </a:defRPr>
       </a:lvl7pPr>
       <a:lvl8pPr marR="0" algn="l" rtl="0">
@@ -3464,7 +3678,7 @@
           <a:spcPts val="0"/>
         </a:spcAft>
         <a:buNone/>
-        <a:defRPr i="0" baseline="0" strike="noStrike" sz="1400" b="0" cap="none" u="none">
+        <a:defRPr sz="1400" b="0" i="0" u="none" strike="noStrike" cap="none" baseline="0">
           <a:solidFill>
             <a:srgbClr val="000000"/>
           </a:solidFill>
@@ -3472,7 +3686,6 @@
           <a:ea typeface="Arial"/>
           <a:cs typeface="Arial"/>
           <a:sym typeface="Arial"/>
-          <a:rtl val="0"/>
         </a:defRPr>
       </a:lvl8pPr>
       <a:lvl9pPr marR="0" algn="l" rtl="0">
@@ -3486,7 +3699,7 @@
           <a:spcPts val="0"/>
         </a:spcAft>
         <a:buNone/>
-        <a:defRPr i="0" baseline="0" strike="noStrike" sz="1400" b="0" cap="none" u="none">
+        <a:defRPr sz="1400" b="0" i="0" u="none" strike="noStrike" cap="none" baseline="0">
           <a:solidFill>
             <a:srgbClr val="000000"/>
           </a:solidFill>
@@ -3494,7 +3707,6 @@
           <a:ea typeface="Arial"/>
           <a:cs typeface="Arial"/>
           <a:sym typeface="Arial"/>
-          <a:rtl val="0"/>
         </a:defRPr>
       </a:lvl9pPr>
     </p:otherStyle>
@@ -3503,41 +3715,43 @@
 </file>
 
 <file path=ppt/slides/slide1.xml><?xml version="1.0" encoding="utf-8"?>
-<p:sld xmlns:a="http://schemas.openxmlformats.org/drawingml/2006/main" xmlns:r="http://schemas.openxmlformats.org/officeDocument/2006/relationships" xmlns:mc="http://schemas.openxmlformats.org/markup-compatibility/2006" xmlns:mv="urn:schemas-microsoft-com:mac:vml" xmlns:p="http://schemas.openxmlformats.org/presentationml/2006/main" xmlns:c="http://schemas.openxmlformats.org/drawingml/2006/chart" xmlns:dgm="http://schemas.openxmlformats.org/drawingml/2006/diagram" xmlns:o="urn:schemas-microsoft-com:office:office" xmlns:v="urn:schemas-microsoft-com:vml" xmlns:pvml="urn:schemas-microsoft-com:office:powerpoint" xmlns:com="http://schemas.openxmlformats.org/drawingml/2006/compatibility" xmlns:p14="http://schemas.microsoft.com/office/powerpoint/2010/main">
+<p:sld xmlns:a="http://schemas.openxmlformats.org/drawingml/2006/main" xmlns:r="http://schemas.openxmlformats.org/officeDocument/2006/relationships" xmlns:p="http://schemas.openxmlformats.org/presentationml/2006/main">
   <p:cSld>
     <p:spTree>
       <p:nvGrpSpPr>
-        <p:cNvPr name="Shape 22" id="22"/>
+        <p:cNvPr id="1" name="Shape 22"/>
         <p:cNvGrpSpPr/>
         <p:nvPr/>
       </p:nvGrpSpPr>
       <p:grpSpPr>
         <a:xfrm>
-          <a:off y="0" x="0"/>
-          <a:ext cy="0" cx="0"/>
-          <a:chOff y="0" x="0"/>
-          <a:chExt cy="0" cx="0"/>
+          <a:off x="0" y="0"/>
+          <a:ext cx="0" cy="0"/>
+          <a:chOff x="0" y="0"/>
+          <a:chExt cx="0" cy="0"/>
         </a:xfrm>
       </p:grpSpPr>
       <p:sp>
         <p:nvSpPr>
-          <p:cNvPr name="Shape 23" id="23"/>
-          <p:cNvSpPr txBox="1"/>
+          <p:cNvPr id="23" name="Shape 23"/>
+          <p:cNvSpPr txBox="1">
+            <a:spLocks noGrp="1"/>
+          </p:cNvSpPr>
           <p:nvPr>
             <p:ph type="ctrTitle"/>
           </p:nvPr>
         </p:nvSpPr>
         <p:spPr>
           <a:xfrm>
-            <a:off y="2111123" x="685800"/>
-            <a:ext cy="1546474" cx="7772400"/>
+            <a:off x="685800" y="2111123"/>
+            <a:ext cx="7772400" cy="1546474"/>
           </a:xfrm>
           <a:prstGeom prst="rect">
             <a:avLst/>
           </a:prstGeom>
         </p:spPr>
         <p:txBody>
-          <a:bodyPr bIns="91425" tIns="91425" lIns="91425" anchor="b" anchorCtr="0" rIns="91425">
+          <a:bodyPr lIns="91425" tIns="91425" rIns="91425" bIns="91425" anchor="b" anchorCtr="0">
             <a:spAutoFit/>
           </a:bodyPr>
           <a:lstStyle/>
@@ -3554,23 +3768,25 @@
       </p:sp>
       <p:sp>
         <p:nvSpPr>
-          <p:cNvPr name="Shape 24" id="24"/>
-          <p:cNvSpPr txBox="1"/>
+          <p:cNvPr id="24" name="Shape 24"/>
+          <p:cNvSpPr txBox="1">
+            <a:spLocks noGrp="1"/>
+          </p:cNvSpPr>
           <p:nvPr>
             <p:ph type="subTitle" idx="1"/>
           </p:nvPr>
         </p:nvSpPr>
         <p:spPr>
           <a:xfrm>
-            <a:off y="3786737" x="685800"/>
-            <a:ext cy="1046317" cx="7772400"/>
+            <a:off x="685800" y="3786737"/>
+            <a:ext cx="7772400" cy="1046317"/>
           </a:xfrm>
           <a:prstGeom prst="rect">
             <a:avLst/>
           </a:prstGeom>
         </p:spPr>
         <p:txBody>
-          <a:bodyPr bIns="91425" tIns="91425" lIns="91425" anchor="t" anchorCtr="0" rIns="91425">
+          <a:bodyPr lIns="91425" tIns="91425" rIns="91425" bIns="91425" anchor="t" anchorCtr="0">
             <a:spAutoFit/>
           </a:bodyPr>
           <a:lstStyle/>
@@ -3604,41 +3820,43 @@
 </file>
 
 <file path=ppt/slides/slide2.xml><?xml version="1.0" encoding="utf-8"?>
-<p:sld xmlns:a="http://schemas.openxmlformats.org/drawingml/2006/main" xmlns:r="http://schemas.openxmlformats.org/officeDocument/2006/relationships" xmlns:mc="http://schemas.openxmlformats.org/markup-compatibility/2006" xmlns:mv="urn:schemas-microsoft-com:mac:vml" xmlns:p="http://schemas.openxmlformats.org/presentationml/2006/main" xmlns:c="http://schemas.openxmlformats.org/drawingml/2006/chart" xmlns:dgm="http://schemas.openxmlformats.org/drawingml/2006/diagram" xmlns:o="urn:schemas-microsoft-com:office:office" xmlns:v="urn:schemas-microsoft-com:vml" xmlns:pvml="urn:schemas-microsoft-com:office:powerpoint" xmlns:com="http://schemas.openxmlformats.org/drawingml/2006/compatibility" xmlns:p14="http://schemas.microsoft.com/office/powerpoint/2010/main">
+<p:sld xmlns:a="http://schemas.openxmlformats.org/drawingml/2006/main" xmlns:r="http://schemas.openxmlformats.org/officeDocument/2006/relationships" xmlns:p="http://schemas.openxmlformats.org/presentationml/2006/main">
   <p:cSld>
     <p:spTree>
       <p:nvGrpSpPr>
-        <p:cNvPr name="Shape 28" id="28"/>
+        <p:cNvPr id="1" name="Shape 28"/>
         <p:cNvGrpSpPr/>
         <p:nvPr/>
       </p:nvGrpSpPr>
       <p:grpSpPr>
         <a:xfrm>
-          <a:off y="0" x="0"/>
-          <a:ext cy="0" cx="0"/>
-          <a:chOff y="0" x="0"/>
-          <a:chExt cy="0" cx="0"/>
+          <a:off x="0" y="0"/>
+          <a:ext cx="0" cy="0"/>
+          <a:chOff x="0" y="0"/>
+          <a:chExt cx="0" cy="0"/>
         </a:xfrm>
       </p:grpSpPr>
       <p:sp>
         <p:nvSpPr>
-          <p:cNvPr name="Shape 29" id="29"/>
-          <p:cNvSpPr txBox="1"/>
+          <p:cNvPr id="29" name="Shape 29"/>
+          <p:cNvSpPr txBox="1">
+            <a:spLocks noGrp="1"/>
+          </p:cNvSpPr>
           <p:nvPr>
             <p:ph type="title"/>
           </p:nvPr>
         </p:nvSpPr>
         <p:spPr>
           <a:xfrm>
-            <a:off y="274637" x="457200"/>
-            <a:ext cy="671700" cx="8229600"/>
+            <a:off x="457200" y="274637"/>
+            <a:ext cx="8229600" cy="671700"/>
           </a:xfrm>
           <a:prstGeom prst="rect">
             <a:avLst/>
           </a:prstGeom>
         </p:spPr>
         <p:txBody>
-          <a:bodyPr bIns="91425" tIns="91425" lIns="91425" anchor="b" anchorCtr="0" rIns="91425">
+          <a:bodyPr lIns="91425" tIns="91425" rIns="91425" bIns="91425" anchor="b" anchorCtr="0">
             <a:spAutoFit/>
           </a:bodyPr>
           <a:lstStyle/>
@@ -3647,7 +3865,7 @@
               <a:buNone/>
             </a:pPr>
             <a:r>
-              <a:rPr lang="en"/>
+              <a:rPr lang="en" dirty="0"/>
               <a:t>Our Problem</a:t>
             </a:r>
           </a:p>
@@ -3655,83 +3873,79 @@
       </p:sp>
       <p:sp>
         <p:nvSpPr>
-          <p:cNvPr name="Shape 30" id="30"/>
-          <p:cNvSpPr txBox="1"/>
+          <p:cNvPr id="30" name="Shape 30"/>
+          <p:cNvSpPr txBox="1">
+            <a:spLocks noGrp="1"/>
+          </p:cNvSpPr>
           <p:nvPr>
             <p:ph type="body" idx="1"/>
           </p:nvPr>
         </p:nvSpPr>
         <p:spPr>
           <a:xfrm>
-            <a:off y="1600200" x="457200"/>
-            <a:ext cy="4967700" cx="8229600"/>
+            <a:off x="457200" y="1371600"/>
+            <a:ext cx="8229600" cy="4967700"/>
           </a:xfrm>
           <a:prstGeom prst="rect">
             <a:avLst/>
           </a:prstGeom>
         </p:spPr>
         <p:txBody>
-          <a:bodyPr bIns="91425" tIns="91425" lIns="91425" anchor="t" anchorCtr="0" rIns="91425">
+          <a:bodyPr lIns="91425" tIns="91425" rIns="91425" bIns="91425" anchor="t" anchorCtr="0">
             <a:spAutoFit/>
           </a:bodyPr>
           <a:lstStyle/>
           <a:p>
-            <a:pPr rtl="0" lvl="0">
+            <a:pPr lvl="0" rtl="0">
               <a:buNone/>
             </a:pPr>
             <a:r>
-              <a:rPr lang="en"/>
+              <a:rPr lang="en" dirty="0"/>
               <a:t>- Determine the result of a chess endgame position.</a:t>
             </a:r>
           </a:p>
           <a:p>
-            <a:r>
-              <a:t/>
-            </a:r>
-          </a:p>
-          <a:p>
-            <a:pPr rtl="0" lvl="0">
+            <a:endParaRPr dirty="0"/>
+          </a:p>
+          <a:p>
+            <a:pPr lvl="0" rtl="0">
               <a:buNone/>
             </a:pPr>
             <a:r>
-              <a:rPr lang="en"/>
+              <a:rPr lang="en" dirty="0"/>
               <a:t>- Usually formulated as a search problem.</a:t>
             </a:r>
           </a:p>
           <a:p>
-            <a:pPr rtl="0" lvl="0">
+            <a:pPr lvl="0" rtl="0">
               <a:buNone/>
             </a:pPr>
             <a:r>
-              <a:rPr lang="en"/>
+              <a:rPr lang="en" dirty="0"/>
               <a:t>	- Slow because tree grows exponentially.</a:t>
             </a:r>
           </a:p>
           <a:p>
-            <a:r>
-              <a:t/>
-            </a:r>
-          </a:p>
-          <a:p>
-            <a:pPr rtl="0" lvl="0">
+            <a:endParaRPr dirty="0"/>
+          </a:p>
+          <a:p>
+            <a:pPr lvl="0" rtl="0">
               <a:buNone/>
             </a:pPr>
             <a:r>
-              <a:rPr lang="en"/>
+              <a:rPr lang="en" dirty="0"/>
               <a:t>- We wanted to use a classification approach.</a:t>
             </a:r>
           </a:p>
           <a:p>
-            <a:r>
-              <a:t/>
-            </a:r>
+            <a:endParaRPr dirty="0"/>
           </a:p>
           <a:p>
             <a:pPr>
               <a:buNone/>
             </a:pPr>
             <a:r>
-              <a:rPr lang="en"/>
+              <a:rPr lang="en" dirty="0"/>
               <a:t>- Found a UCI King-Rook vs. King dataset.</a:t>
             </a:r>
           </a:p>
@@ -3749,32 +3963,32 @@
 </file>
 
 <file path=ppt/slides/slide3.xml><?xml version="1.0" encoding="utf-8"?>
-<p:sld xmlns:a="http://schemas.openxmlformats.org/drawingml/2006/main" xmlns:r="http://schemas.openxmlformats.org/officeDocument/2006/relationships" xmlns:mc="http://schemas.openxmlformats.org/markup-compatibility/2006" xmlns:mv="urn:schemas-microsoft-com:mac:vml" xmlns:p="http://schemas.openxmlformats.org/presentationml/2006/main" xmlns:c="http://schemas.openxmlformats.org/drawingml/2006/chart" xmlns:dgm="http://schemas.openxmlformats.org/drawingml/2006/diagram" xmlns:o="urn:schemas-microsoft-com:office:office" xmlns:v="urn:schemas-microsoft-com:vml" xmlns:pvml="urn:schemas-microsoft-com:office:powerpoint" xmlns:com="http://schemas.openxmlformats.org/drawingml/2006/compatibility" xmlns:p14="http://schemas.microsoft.com/office/powerpoint/2010/main">
+<p:sld xmlns:a="http://schemas.openxmlformats.org/drawingml/2006/main" xmlns:r="http://schemas.openxmlformats.org/officeDocument/2006/relationships" xmlns:p="http://schemas.openxmlformats.org/presentationml/2006/main">
   <p:cSld>
     <p:spTree>
       <p:nvGrpSpPr>
-        <p:cNvPr name="Shape 34" id="34"/>
+        <p:cNvPr id="1" name="Shape 34"/>
         <p:cNvGrpSpPr/>
         <p:nvPr/>
       </p:nvGrpSpPr>
       <p:grpSpPr>
         <a:xfrm>
-          <a:off y="0" x="0"/>
-          <a:ext cy="0" cx="0"/>
-          <a:chOff y="0" x="0"/>
-          <a:chExt cy="0" cx="0"/>
+          <a:off x="0" y="0"/>
+          <a:ext cx="0" cy="0"/>
+          <a:chOff x="0" y="0"/>
+          <a:chExt cx="0" cy="0"/>
         </a:xfrm>
       </p:grpSpPr>
       <p:sp>
         <p:nvSpPr>
-          <p:cNvPr name="Shape 35" id="35"/>
+          <p:cNvPr id="35" name="Shape 35"/>
           <p:cNvSpPr/>
           <p:nvPr/>
         </p:nvSpPr>
         <p:spPr>
           <a:xfrm>
-            <a:off y="215613" x="1130500"/>
-            <a:ext cy="2974973" cx="2974973"/>
+            <a:off x="1130500" y="215613"/>
+            <a:ext cx="2974973" cy="2974973"/>
           </a:xfrm>
           <a:prstGeom prst="rect">
             <a:avLst/>
@@ -3792,14 +4006,14 @@
       </p:sp>
       <p:sp>
         <p:nvSpPr>
-          <p:cNvPr name="Shape 36" id="36"/>
+          <p:cNvPr id="36" name="Shape 36"/>
           <p:cNvSpPr/>
           <p:nvPr/>
         </p:nvSpPr>
         <p:spPr>
           <a:xfrm>
-            <a:off y="215613" x="4901642"/>
-            <a:ext cy="3005380" cx="3005380"/>
+            <a:off x="4901642" y="215613"/>
+            <a:ext cx="3005380" cy="3005380"/>
           </a:xfrm>
           <a:prstGeom prst="rect">
             <a:avLst/>
@@ -3817,14 +4031,14 @@
       </p:sp>
       <p:sp>
         <p:nvSpPr>
-          <p:cNvPr name="Shape 37" id="37"/>
+          <p:cNvPr id="37" name="Shape 37"/>
           <p:cNvSpPr/>
           <p:nvPr/>
         </p:nvSpPr>
         <p:spPr>
           <a:xfrm>
-            <a:off y="3652530" x="1122899"/>
-            <a:ext cy="2989861" cx="2990165"/>
+            <a:off x="1122899" y="3652530"/>
+            <a:ext cx="2990165" cy="2989861"/>
           </a:xfrm>
           <a:prstGeom prst="rect">
             <a:avLst/>
@@ -3842,14 +4056,14 @@
       </p:sp>
       <p:sp>
         <p:nvSpPr>
-          <p:cNvPr name="Shape 38" id="38"/>
+          <p:cNvPr id="38" name="Shape 38"/>
           <p:cNvSpPr/>
           <p:nvPr/>
         </p:nvSpPr>
         <p:spPr>
           <a:xfrm>
-            <a:off y="3659978" x="4916850"/>
-            <a:ext cy="2974964" cx="2974964"/>
+            <a:off x="4916850" y="3659978"/>
+            <a:ext cx="2974964" cy="2974964"/>
           </a:xfrm>
           <a:prstGeom prst="rect">
             <a:avLst/>
@@ -3877,46 +4091,48 @@
 </file>
 
 <file path=ppt/slides/slide4.xml><?xml version="1.0" encoding="utf-8"?>
-<p:sld xmlns:a="http://schemas.openxmlformats.org/drawingml/2006/main" xmlns:r="http://schemas.openxmlformats.org/officeDocument/2006/relationships" xmlns:mc="http://schemas.openxmlformats.org/markup-compatibility/2006" xmlns:mv="urn:schemas-microsoft-com:mac:vml" xmlns:p="http://schemas.openxmlformats.org/presentationml/2006/main" xmlns:c="http://schemas.openxmlformats.org/drawingml/2006/chart" xmlns:dgm="http://schemas.openxmlformats.org/drawingml/2006/diagram" xmlns:o="urn:schemas-microsoft-com:office:office" xmlns:v="urn:schemas-microsoft-com:vml" xmlns:pvml="urn:schemas-microsoft-com:office:powerpoint" xmlns:com="http://schemas.openxmlformats.org/drawingml/2006/compatibility" xmlns:p14="http://schemas.microsoft.com/office/powerpoint/2010/main">
+<p:sld xmlns:a="http://schemas.openxmlformats.org/drawingml/2006/main" xmlns:r="http://schemas.openxmlformats.org/officeDocument/2006/relationships" xmlns:p="http://schemas.openxmlformats.org/presentationml/2006/main">
   <p:cSld>
     <p:spTree>
       <p:nvGrpSpPr>
-        <p:cNvPr name="Shape 42" id="42"/>
+        <p:cNvPr id="1" name="Shape 42"/>
         <p:cNvGrpSpPr/>
         <p:nvPr/>
       </p:nvGrpSpPr>
       <p:grpSpPr>
         <a:xfrm>
-          <a:off y="0" x="0"/>
-          <a:ext cy="0" cx="0"/>
-          <a:chOff y="0" x="0"/>
-          <a:chExt cy="0" cx="0"/>
+          <a:off x="0" y="0"/>
+          <a:ext cx="0" cy="0"/>
+          <a:chOff x="0" y="0"/>
+          <a:chExt cx="0" cy="0"/>
         </a:xfrm>
       </p:grpSpPr>
       <p:sp>
         <p:nvSpPr>
-          <p:cNvPr name="Shape 43" id="43"/>
-          <p:cNvSpPr txBox="1"/>
+          <p:cNvPr id="43" name="Shape 43"/>
+          <p:cNvSpPr txBox="1">
+            <a:spLocks noGrp="1"/>
+          </p:cNvSpPr>
           <p:nvPr>
             <p:ph type="title"/>
           </p:nvPr>
         </p:nvSpPr>
         <p:spPr>
           <a:xfrm>
-            <a:off y="274637" x="457200"/>
-            <a:ext cy="732600" cx="8229600"/>
+            <a:off x="457200" y="274637"/>
+            <a:ext cx="8229600" cy="732600"/>
           </a:xfrm>
           <a:prstGeom prst="rect">
             <a:avLst/>
           </a:prstGeom>
         </p:spPr>
         <p:txBody>
-          <a:bodyPr bIns="91425" tIns="91425" lIns="91425" anchor="b" anchorCtr="0" rIns="91425">
+          <a:bodyPr lIns="91425" tIns="91425" rIns="91425" bIns="91425" anchor="b" anchorCtr="0">
             <a:spAutoFit/>
           </a:bodyPr>
           <a:lstStyle/>
           <a:p>
-            <a:pPr indent="0" marR="0" algn="l" marL="0" rtl="0" lvl="0">
+            <a:pPr marL="0" marR="0" lvl="0" indent="0" algn="l" rtl="0">
               <a:lnSpc>
                 <a:spcPct val="115000"/>
               </a:lnSpc>
@@ -3937,114 +4153,121 @@
       </p:sp>
       <p:sp>
         <p:nvSpPr>
-          <p:cNvPr name="Shape 44" id="44"/>
-          <p:cNvSpPr txBox="1"/>
+          <p:cNvPr id="44" name="Shape 44"/>
+          <p:cNvSpPr txBox="1">
+            <a:spLocks noGrp="1"/>
+          </p:cNvSpPr>
           <p:nvPr>
             <p:ph type="body" idx="1"/>
           </p:nvPr>
         </p:nvSpPr>
         <p:spPr>
           <a:xfrm>
-            <a:off y="1600200" x="457200"/>
-            <a:ext cy="4967700" cx="8229600"/>
+            <a:off x="457200" y="1371600"/>
+            <a:ext cx="8229600" cy="5201394"/>
           </a:xfrm>
           <a:prstGeom prst="rect">
             <a:avLst/>
           </a:prstGeom>
         </p:spPr>
         <p:txBody>
-          <a:bodyPr bIns="91425" tIns="91425" lIns="91425" anchor="t" anchorCtr="0" rIns="91425">
+          <a:bodyPr lIns="91425" tIns="91425" rIns="91425" bIns="91425" anchor="t" anchorCtr="0">
             <a:spAutoFit/>
           </a:bodyPr>
           <a:lstStyle/>
           <a:p>
-            <a:pPr rtl="0" lvl="0">
+            <a:pPr lvl="0" rtl="0">
               <a:buNone/>
             </a:pPr>
             <a:r>
-              <a:rPr lang="en" sz="2400"/>
+              <a:rPr lang="en" sz="2400" dirty="0" smtClean="0"/>
               <a:t>- Decision tree</a:t>
             </a:r>
           </a:p>
           <a:p>
-            <a:pPr indent="457200" rtl="0" lvl="0">
+            <a:pPr lvl="0" rtl="0">
               <a:buNone/>
             </a:pPr>
             <a:r>
-              <a:rPr lang="en" sz="2400"/>
-              <a:t>- Fast.</a:t>
+              <a:rPr lang="en" sz="2400" dirty="0" smtClean="0"/>
+              <a:t>	- Fast.</a:t>
             </a:r>
           </a:p>
           <a:p>
-            <a:pPr indent="457200" rtl="0" lvl="0">
+            <a:pPr lvl="0" rtl="0">
               <a:buNone/>
             </a:pPr>
             <a:r>
-              <a:rPr lang="en" sz="2400"/>
-              <a:t>- Used successfully on a similar dataset.</a:t>
+              <a:rPr lang="en" sz="2400" dirty="0" smtClean="0"/>
+              <a:t>	- </a:t>
             </a:r>
-          </a:p>
-          <a:p>
             <a:r>
-              <a:t/>
+              <a:rPr lang="en" sz="2400" dirty="0"/>
+              <a:t>Used successfully on a similar dataset.</a:t>
             </a:r>
           </a:p>
           <a:p>
-            <a:pPr rtl="0" lvl="0">
+            <a:endParaRPr dirty="0"/>
+          </a:p>
+          <a:p>
+            <a:pPr lvl="0" rtl="0">
               <a:buNone/>
             </a:pPr>
             <a:r>
-              <a:rPr lang="en" sz="2400"/>
+              <a:rPr lang="en" sz="2400" dirty="0"/>
               <a:t>- SVM</a:t>
             </a:r>
           </a:p>
           <a:p>
-            <a:pPr rtl="0" lvl="0">
+            <a:pPr lvl="0" rtl="0">
               <a:buNone/>
             </a:pPr>
             <a:r>
-              <a:rPr lang="en" sz="2400"/>
+              <a:rPr lang="en" sz="2400" dirty="0"/>
               <a:t>	- Strong general-purpose algorithm.</a:t>
             </a:r>
           </a:p>
           <a:p>
-            <a:r>
-              <a:t/>
-            </a:r>
-          </a:p>
-          <a:p>
-            <a:pPr rtl="0" lvl="0">
+            <a:endParaRPr dirty="0"/>
+          </a:p>
+          <a:p>
+            <a:pPr lvl="0" rtl="0">
               <a:buNone/>
             </a:pPr>
             <a:r>
-              <a:rPr lang="en" sz="2400"/>
-              <a:t>- Redefined error</a:t>
+              <a:rPr lang="en" sz="2400" dirty="0"/>
+              <a:t>- Redefined </a:t>
             </a:r>
-          </a:p>
-          <a:p>
-            <a:pPr rtl="0" lvl="0">
+            <a:r>
+              <a:rPr lang="en" sz="2400" dirty="0" smtClean="0"/>
+              <a:t>Error</a:t>
+            </a:r>
+            <a:endParaRPr lang="en" sz="2400" dirty="0"/>
+          </a:p>
+          <a:p>
+            <a:pPr lvl="0" rtl="0">
               <a:buNone/>
             </a:pPr>
             <a:r>
-              <a:rPr lang="en" sz="2400"/>
+              <a:rPr lang="en" sz="2400" dirty="0"/>
               <a:t>	- Difficult to distinguish between nearing classes.</a:t>
             </a:r>
           </a:p>
           <a:p>
-            <a:pPr rtl="0" lvl="0">
+            <a:pPr lvl="0" rtl="0">
               <a:buNone/>
             </a:pPr>
             <a:r>
-              <a:rPr lang="en" sz="2400"/>
+              <a:rPr lang="en" sz="2400" dirty="0"/>
               <a:t>	- Normal loss metric non-informative.</a:t>
             </a:r>
           </a:p>
           <a:p>
-            <a:pPr rtl="0" lvl="0">
+            <a:pPr lvl="0" rtl="0">
               <a:buNone/>
             </a:pPr>
             <a:r>
-              <a:rPr lang="en" sz="2400"/>
+              <a:rPr lang="en" sz="2400" dirty="0"/>
               <a:t>	- Use distance to correct class label.</a:t>
             </a:r>
           </a:p>
@@ -4062,41 +4285,43 @@
 </file>
 
 <file path=ppt/slides/slide5.xml><?xml version="1.0" encoding="utf-8"?>
-<p:sld xmlns:a="http://schemas.openxmlformats.org/drawingml/2006/main" xmlns:r="http://schemas.openxmlformats.org/officeDocument/2006/relationships" xmlns:mc="http://schemas.openxmlformats.org/markup-compatibility/2006" xmlns:mv="urn:schemas-microsoft-com:mac:vml" xmlns:p="http://schemas.openxmlformats.org/presentationml/2006/main" xmlns:c="http://schemas.openxmlformats.org/drawingml/2006/chart" xmlns:dgm="http://schemas.openxmlformats.org/drawingml/2006/diagram" xmlns:o="urn:schemas-microsoft-com:office:office" xmlns:v="urn:schemas-microsoft-com:vml" xmlns:pvml="urn:schemas-microsoft-com:office:powerpoint" xmlns:com="http://schemas.openxmlformats.org/drawingml/2006/compatibility" xmlns:p14="http://schemas.microsoft.com/office/powerpoint/2010/main">
+<p:sld xmlns:a="http://schemas.openxmlformats.org/drawingml/2006/main" xmlns:r="http://schemas.openxmlformats.org/officeDocument/2006/relationships" xmlns:p="http://schemas.openxmlformats.org/presentationml/2006/main">
   <p:cSld>
     <p:spTree>
       <p:nvGrpSpPr>
-        <p:cNvPr name="Shape 48" id="48"/>
+        <p:cNvPr id="1" name="Shape 48"/>
         <p:cNvGrpSpPr/>
         <p:nvPr/>
       </p:nvGrpSpPr>
       <p:grpSpPr>
         <a:xfrm>
-          <a:off y="0" x="0"/>
-          <a:ext cy="0" cx="0"/>
-          <a:chOff y="0" x="0"/>
-          <a:chExt cy="0" cx="0"/>
+          <a:off x="0" y="0"/>
+          <a:ext cx="0" cy="0"/>
+          <a:chOff x="0" y="0"/>
+          <a:chExt cx="0" cy="0"/>
         </a:xfrm>
       </p:grpSpPr>
       <p:sp>
         <p:nvSpPr>
-          <p:cNvPr name="Shape 49" id="49"/>
-          <p:cNvSpPr txBox="1"/>
+          <p:cNvPr id="49" name="Shape 49"/>
+          <p:cNvSpPr txBox="1">
+            <a:spLocks noGrp="1"/>
+          </p:cNvSpPr>
           <p:nvPr>
             <p:ph type="title"/>
           </p:nvPr>
         </p:nvSpPr>
         <p:spPr>
           <a:xfrm>
-            <a:off y="274637" x="457200"/>
-            <a:ext cy="762899" cx="8229600"/>
+            <a:off x="457200" y="274637"/>
+            <a:ext cx="8229600" cy="762899"/>
           </a:xfrm>
           <a:prstGeom prst="rect">
             <a:avLst/>
           </a:prstGeom>
         </p:spPr>
         <p:txBody>
-          <a:bodyPr bIns="91425" tIns="91425" lIns="91425" anchor="b" anchorCtr="0" rIns="91425">
+          <a:bodyPr lIns="91425" tIns="91425" rIns="91425" bIns="91425" anchor="b" anchorCtr="0">
             <a:spAutoFit/>
           </a:bodyPr>
           <a:lstStyle/>
@@ -4113,28 +4338,30 @@
       </p:sp>
       <p:sp>
         <p:nvSpPr>
-          <p:cNvPr name="Shape 50" id="50"/>
-          <p:cNvSpPr txBox="1"/>
+          <p:cNvPr id="50" name="Shape 50"/>
+          <p:cNvSpPr txBox="1">
+            <a:spLocks noGrp="1"/>
+          </p:cNvSpPr>
           <p:nvPr>
             <p:ph type="body" idx="1"/>
           </p:nvPr>
         </p:nvSpPr>
         <p:spPr>
           <a:xfrm>
-            <a:off y="1600200" x="457200"/>
-            <a:ext cy="4967700" cx="8229600"/>
+            <a:off x="457200" y="1600200"/>
+            <a:ext cx="8229600" cy="4967700"/>
           </a:xfrm>
           <a:prstGeom prst="rect">
             <a:avLst/>
           </a:prstGeom>
         </p:spPr>
         <p:txBody>
-          <a:bodyPr bIns="91425" tIns="91425" lIns="91425" anchor="t" anchorCtr="0" rIns="91425">
+          <a:bodyPr lIns="91425" tIns="91425" rIns="91425" bIns="91425" anchor="t" anchorCtr="0">
             <a:spAutoFit/>
           </a:bodyPr>
           <a:lstStyle/>
           <a:p>
-            <a:pPr rtl="0" lvl="0">
+            <a:pPr lvl="0" rtl="0">
               <a:buNone/>
             </a:pPr>
             <a:r>
@@ -4143,12 +4370,10 @@
             </a:r>
           </a:p>
           <a:p>
-            <a:r>
-              <a:t/>
-            </a:r>
-          </a:p>
-          <a:p>
-            <a:pPr rtl="0" lvl="0">
+            <a:endParaRPr/>
+          </a:p>
+          <a:p>
+            <a:pPr lvl="0" rtl="0">
               <a:buNone/>
             </a:pPr>
             <a:r>
@@ -4157,7 +4382,7 @@
             </a:r>
           </a:p>
           <a:p>
-            <a:pPr rtl="0" lvl="0">
+            <a:pPr lvl="0" rtl="0">
               <a:buNone/>
             </a:pPr>
             <a:r>
@@ -4166,7 +4391,7 @@
             </a:r>
           </a:p>
           <a:p>
-            <a:pPr rtl="0" lvl="0">
+            <a:pPr lvl="0" rtl="0">
               <a:buNone/>
             </a:pPr>
             <a:r>
@@ -4175,7 +4400,7 @@
             </a:r>
           </a:p>
           <a:p>
-            <a:pPr rtl="0" lvl="0">
+            <a:pPr lvl="0" rtl="0">
               <a:buNone/>
             </a:pPr>
             <a:r>
@@ -4184,7 +4409,7 @@
             </a:r>
           </a:p>
           <a:p>
-            <a:pPr rtl="0" lvl="0">
+            <a:pPr lvl="0" rtl="0">
               <a:buNone/>
             </a:pPr>
             <a:r>
@@ -4215,41 +4440,43 @@
 </file>
 
 <file path=ppt/slides/slide6.xml><?xml version="1.0" encoding="utf-8"?>
-<p:sld xmlns:a="http://schemas.openxmlformats.org/drawingml/2006/main" xmlns:r="http://schemas.openxmlformats.org/officeDocument/2006/relationships" xmlns:mc="http://schemas.openxmlformats.org/markup-compatibility/2006" xmlns:mv="urn:schemas-microsoft-com:mac:vml" xmlns:p="http://schemas.openxmlformats.org/presentationml/2006/main" xmlns:c="http://schemas.openxmlformats.org/drawingml/2006/chart" xmlns:dgm="http://schemas.openxmlformats.org/drawingml/2006/diagram" xmlns:o="urn:schemas-microsoft-com:office:office" xmlns:v="urn:schemas-microsoft-com:vml" xmlns:pvml="urn:schemas-microsoft-com:office:powerpoint" xmlns:com="http://schemas.openxmlformats.org/drawingml/2006/compatibility" xmlns:p14="http://schemas.microsoft.com/office/powerpoint/2010/main">
+<p:sld xmlns:a="http://schemas.openxmlformats.org/drawingml/2006/main" xmlns:r="http://schemas.openxmlformats.org/officeDocument/2006/relationships" xmlns:p="http://schemas.openxmlformats.org/presentationml/2006/main">
   <p:cSld>
     <p:spTree>
       <p:nvGrpSpPr>
-        <p:cNvPr name="Shape 54" id="54"/>
+        <p:cNvPr id="1" name="Shape 54"/>
         <p:cNvGrpSpPr/>
         <p:nvPr/>
       </p:nvGrpSpPr>
       <p:grpSpPr>
         <a:xfrm>
-          <a:off y="0" x="0"/>
-          <a:ext cy="0" cx="0"/>
-          <a:chOff y="0" x="0"/>
-          <a:chExt cy="0" cx="0"/>
+          <a:off x="0" y="0"/>
+          <a:ext cx="0" cy="0"/>
+          <a:chOff x="0" y="0"/>
+          <a:chExt cx="0" cy="0"/>
         </a:xfrm>
       </p:grpSpPr>
       <p:sp>
         <p:nvSpPr>
-          <p:cNvPr name="Shape 55" id="55"/>
-          <p:cNvSpPr txBox="1"/>
+          <p:cNvPr id="55" name="Shape 55"/>
+          <p:cNvSpPr txBox="1">
+            <a:spLocks noGrp="1"/>
+          </p:cNvSpPr>
           <p:nvPr>
             <p:ph type="title"/>
           </p:nvPr>
         </p:nvSpPr>
         <p:spPr>
           <a:xfrm>
-            <a:off y="274637" x="457200"/>
-            <a:ext cy="793200" cx="8229600"/>
+            <a:off x="457200" y="274637"/>
+            <a:ext cx="8229600" cy="793200"/>
           </a:xfrm>
           <a:prstGeom prst="rect">
             <a:avLst/>
           </a:prstGeom>
         </p:spPr>
         <p:txBody>
-          <a:bodyPr bIns="91425" tIns="91425" lIns="91425" anchor="b" anchorCtr="0" rIns="91425">
+          <a:bodyPr lIns="91425" tIns="91425" rIns="91425" bIns="91425" anchor="b" anchorCtr="0">
             <a:spAutoFit/>
           </a:bodyPr>
           <a:lstStyle/>
@@ -4266,83 +4493,79 @@
       </p:sp>
       <p:sp>
         <p:nvSpPr>
-          <p:cNvPr name="Shape 56" id="56"/>
-          <p:cNvSpPr txBox="1"/>
+          <p:cNvPr id="56" name="Shape 56"/>
+          <p:cNvSpPr txBox="1">
+            <a:spLocks noGrp="1"/>
+          </p:cNvSpPr>
           <p:nvPr>
             <p:ph type="body" idx="1"/>
           </p:nvPr>
         </p:nvSpPr>
         <p:spPr>
           <a:xfrm>
-            <a:off y="1600200" x="457200"/>
-            <a:ext cy="4967700" cx="8229600"/>
+            <a:off x="457200" y="1600200"/>
+            <a:ext cx="8229600" cy="4967700"/>
           </a:xfrm>
           <a:prstGeom prst="rect">
             <a:avLst/>
           </a:prstGeom>
         </p:spPr>
         <p:txBody>
-          <a:bodyPr bIns="91425" tIns="91425" lIns="91425" anchor="t" anchorCtr="0" rIns="91425">
+          <a:bodyPr lIns="91425" tIns="91425" rIns="91425" bIns="91425" anchor="t" anchorCtr="0">
             <a:spAutoFit/>
           </a:bodyPr>
           <a:lstStyle/>
           <a:p>
-            <a:pPr rtl="0" lvl="0">
+            <a:pPr lvl="0" rtl="0">
               <a:buNone/>
             </a:pPr>
             <a:r>
-              <a:rPr lang="en" sz="2700"/>
+              <a:rPr lang="en" sz="2700" dirty="0"/>
               <a:t>- Very fast.</a:t>
             </a:r>
           </a:p>
           <a:p>
-            <a:r>
-              <a:t/>
-            </a:r>
-          </a:p>
-          <a:p>
-            <a:pPr rtl="0" lvl="0">
+            <a:endParaRPr dirty="0"/>
+          </a:p>
+          <a:p>
+            <a:pPr lvl="0" rtl="0">
               <a:buNone/>
             </a:pPr>
             <a:r>
-              <a:rPr lang="en" sz="2700"/>
+              <a:rPr lang="en" sz="2700" dirty="0"/>
               <a:t>- Split using maximum information gain at each node.</a:t>
             </a:r>
           </a:p>
           <a:p>
-            <a:r>
-              <a:t/>
-            </a:r>
-          </a:p>
-          <a:p>
-            <a:pPr rtl="0" lvl="0">
+            <a:endParaRPr dirty="0"/>
+          </a:p>
+          <a:p>
+            <a:pPr lvl="0" rtl="0">
               <a:buNone/>
             </a:pPr>
             <a:r>
-              <a:rPr lang="en" sz="2700"/>
+              <a:rPr lang="en" sz="2700" dirty="0"/>
               <a:t>- Original parameterization massively overfits data.</a:t>
             </a:r>
           </a:p>
           <a:p>
-            <a:r>
-              <a:t/>
-            </a:r>
-          </a:p>
-          <a:p>
-            <a:pPr rtl="0" lvl="0">
+            <a:endParaRPr dirty="0"/>
+          </a:p>
+          <a:p>
+            <a:pPr lvl="0" rtl="0">
               <a:buNone/>
             </a:pPr>
             <a:r>
-              <a:rPr lang="en" sz="2700"/>
+              <a:rPr lang="en" sz="2700" dirty="0"/>
               <a:t>- Reparameterization performs well using validation.</a:t>
             </a:r>
           </a:p>
           <a:p>
-            <a:pPr indent="457200" rtl="0" lvl="0">
+            <a:pPr lvl="0" indent="457200" rtl="0">
               <a:buNone/>
             </a:pPr>
             <a:r>
-              <a:rPr lang="en" sz="2700"/>
+              <a:rPr lang="en" sz="2700" dirty="0"/>
               <a:t>- Mean error: 1.07</a:t>
             </a:r>
           </a:p>
@@ -4351,7 +4574,7 @@
               <a:buNone/>
             </a:pPr>
             <a:r>
-              <a:rPr lang="en" sz="2700"/>
+              <a:rPr lang="en" sz="2700" dirty="0"/>
               <a:t>- Std: 1.45</a:t>
             </a:r>
           </a:p>
@@ -4369,41 +4592,43 @@
 </file>
 
 <file path=ppt/slides/slide7.xml><?xml version="1.0" encoding="utf-8"?>
-<p:sld xmlns:a="http://schemas.openxmlformats.org/drawingml/2006/main" xmlns:r="http://schemas.openxmlformats.org/officeDocument/2006/relationships" xmlns:mc="http://schemas.openxmlformats.org/markup-compatibility/2006" xmlns:mv="urn:schemas-microsoft-com:mac:vml" xmlns:p="http://schemas.openxmlformats.org/presentationml/2006/main" xmlns:c="http://schemas.openxmlformats.org/drawingml/2006/chart" xmlns:dgm="http://schemas.openxmlformats.org/drawingml/2006/diagram" xmlns:o="urn:schemas-microsoft-com:office:office" xmlns:v="urn:schemas-microsoft-com:vml" xmlns:pvml="urn:schemas-microsoft-com:office:powerpoint" xmlns:com="http://schemas.openxmlformats.org/drawingml/2006/compatibility" xmlns:p14="http://schemas.microsoft.com/office/powerpoint/2010/main">
+<p:sld xmlns:a="http://schemas.openxmlformats.org/drawingml/2006/main" xmlns:r="http://schemas.openxmlformats.org/officeDocument/2006/relationships" xmlns:p="http://schemas.openxmlformats.org/presentationml/2006/main">
   <p:cSld>
     <p:spTree>
       <p:nvGrpSpPr>
-        <p:cNvPr name="Shape 60" id="60"/>
+        <p:cNvPr id="1" name="Shape 60"/>
         <p:cNvGrpSpPr/>
         <p:nvPr/>
       </p:nvGrpSpPr>
       <p:grpSpPr>
         <a:xfrm>
-          <a:off y="0" x="0"/>
-          <a:ext cy="0" cx="0"/>
-          <a:chOff y="0" x="0"/>
-          <a:chExt cy="0" cx="0"/>
+          <a:off x="0" y="0"/>
+          <a:ext cx="0" cy="0"/>
+          <a:chOff x="0" y="0"/>
+          <a:chExt cx="0" cy="0"/>
         </a:xfrm>
       </p:grpSpPr>
       <p:sp>
         <p:nvSpPr>
-          <p:cNvPr name="Shape 61" id="61"/>
-          <p:cNvSpPr txBox="1"/>
+          <p:cNvPr id="61" name="Shape 61"/>
+          <p:cNvSpPr txBox="1">
+            <a:spLocks noGrp="1"/>
+          </p:cNvSpPr>
           <p:nvPr>
             <p:ph type="title"/>
           </p:nvPr>
         </p:nvSpPr>
         <p:spPr>
           <a:xfrm>
-            <a:off y="274637" x="457200"/>
-            <a:ext cy="671700" cx="8229600"/>
+            <a:off x="457200" y="274637"/>
+            <a:ext cx="8229600" cy="671700"/>
           </a:xfrm>
           <a:prstGeom prst="rect">
             <a:avLst/>
           </a:prstGeom>
         </p:spPr>
         <p:txBody>
-          <a:bodyPr bIns="91425" tIns="91425" lIns="91425" anchor="b" anchorCtr="0" rIns="91425">
+          <a:bodyPr lIns="91425" tIns="91425" rIns="91425" bIns="91425" anchor="b" anchorCtr="0">
             <a:spAutoFit/>
           </a:bodyPr>
           <a:lstStyle/>
@@ -4420,27 +4645,1292 @@
       </p:sp>
       <p:sp>
         <p:nvSpPr>
-          <p:cNvPr name="Shape 62" id="62"/>
-          <p:cNvSpPr txBox="1"/>
+          <p:cNvPr id="4" name="Content Placeholder 2"/>
+          <p:cNvSpPr txBox="1">
+            <a:spLocks/>
+          </p:cNvSpPr>
+          <p:nvPr/>
+        </p:nvSpPr>
+        <p:spPr>
+          <a:xfrm>
+            <a:off x="228600" y="914400"/>
+            <a:ext cx="8229600" cy="3581399"/>
+          </a:xfrm>
+          <a:prstGeom prst="rect">
+            <a:avLst/>
+          </a:prstGeom>
+          <a:noFill/>
+          <a:ln>
+            <a:noFill/>
+          </a:ln>
+        </p:spPr>
+        <p:txBody>
+          <a:bodyPr lIns="91425" tIns="91425" rIns="91425" bIns="91425" anchor="t" anchorCtr="0"/>
+          <a:lstStyle/>
+          <a:p>
+            <a:pPr marL="342900" marR="0" lvl="0" indent="-342900" algn="l" defTabSz="914400" rtl="0" eaLnBrk="1" fontAlgn="auto" latinLnBrk="0" hangingPunct="1">
+              <a:lnSpc>
+                <a:spcPct val="100000"/>
+              </a:lnSpc>
+              <a:spcBef>
+                <a:spcPts val="600"/>
+              </a:spcBef>
+              <a:spcAft>
+                <a:spcPts val="0"/>
+              </a:spcAft>
+              <a:buClr>
+                <a:schemeClr val="dk1"/>
+              </a:buClr>
+              <a:buSzPct val="166666"/>
+              <a:buFont typeface="Arial"/>
+              <a:buChar char="•"/>
+              <a:tabLst/>
+              <a:defRPr/>
+            </a:pPr>
+            <a:r>
+              <a:rPr kumimoji="0" lang="en-US" sz="2000" b="1" i="0" u="none" strike="noStrike" kern="0" cap="none" spc="0" normalizeH="0" baseline="0" noProof="0" dirty="0" err="1" smtClean="0">
+                <a:ln>
+                  <a:noFill/>
+                </a:ln>
+                <a:solidFill>
+                  <a:schemeClr val="dk1"/>
+                </a:solidFill>
+                <a:effectLst/>
+                <a:uLnTx/>
+                <a:uFillTx/>
+                <a:latin typeface="Arial"/>
+                <a:ea typeface="Arial"/>
+                <a:cs typeface="Arial"/>
+                <a:sym typeface="Arial"/>
+              </a:rPr>
+              <a:t>Pegasos</a:t>
+            </a:r>
+            <a:endParaRPr kumimoji="0" lang="en-US" sz="2000" b="1" i="0" u="none" strike="noStrike" kern="0" cap="none" spc="0" normalizeH="0" baseline="0" noProof="0" dirty="0" smtClean="0">
+              <a:ln>
+                <a:noFill/>
+              </a:ln>
+              <a:solidFill>
+                <a:schemeClr val="dk1"/>
+              </a:solidFill>
+              <a:effectLst/>
+              <a:uLnTx/>
+              <a:uFillTx/>
+              <a:latin typeface="Arial"/>
+              <a:ea typeface="Arial"/>
+              <a:cs typeface="Arial"/>
+              <a:sym typeface="Arial"/>
+            </a:endParaRPr>
+          </a:p>
+          <a:p>
+            <a:pPr marL="742950" marR="0" lvl="1" indent="-285750" algn="l" defTabSz="914400" rtl="0" eaLnBrk="1" fontAlgn="auto" latinLnBrk="0" hangingPunct="1">
+              <a:lnSpc>
+                <a:spcPct val="100000"/>
+              </a:lnSpc>
+              <a:spcBef>
+                <a:spcPts val="480"/>
+              </a:spcBef>
+              <a:spcAft>
+                <a:spcPts val="0"/>
+              </a:spcAft>
+              <a:buClr>
+                <a:schemeClr val="dk1"/>
+              </a:buClr>
+              <a:buSzPct val="100000"/>
+              <a:buFont typeface="Courier New"/>
+              <a:buChar char="o"/>
+              <a:tabLst/>
+              <a:defRPr/>
+            </a:pPr>
+            <a:r>
+              <a:rPr kumimoji="0" lang="en-US" sz="2000" b="0" i="1" u="none" strike="noStrike" kern="0" cap="none" spc="0" normalizeH="0" baseline="0" noProof="0" dirty="0" smtClean="0">
+                <a:ln>
+                  <a:noFill/>
+                </a:ln>
+                <a:solidFill>
+                  <a:schemeClr val="dk1"/>
+                </a:solidFill>
+                <a:effectLst/>
+                <a:uLnTx/>
+                <a:uFillTx/>
+                <a:latin typeface="Arial"/>
+                <a:ea typeface="Arial"/>
+                <a:cs typeface="Arial"/>
+                <a:sym typeface="Arial"/>
+              </a:rPr>
+              <a:t>FAST, </a:t>
+            </a:r>
+            <a:r>
+              <a:rPr kumimoji="0" lang="en-US" sz="2000" b="0" i="0" u="none" strike="noStrike" kern="0" cap="none" spc="0" normalizeH="0" baseline="0" noProof="0" dirty="0" smtClean="0">
+                <a:ln>
+                  <a:noFill/>
+                </a:ln>
+                <a:solidFill>
+                  <a:schemeClr val="dk1"/>
+                </a:solidFill>
+                <a:effectLst/>
+                <a:uLnTx/>
+                <a:uFillTx/>
+                <a:latin typeface="Arial"/>
+                <a:ea typeface="Arial"/>
+                <a:cs typeface="Arial"/>
+                <a:sym typeface="Arial"/>
+              </a:rPr>
+              <a:t>iterated sub-gradient projections.</a:t>
+            </a:r>
+          </a:p>
+          <a:p>
+            <a:pPr marL="742950" marR="0" lvl="1" indent="-285750" algn="l" defTabSz="914400" rtl="0" eaLnBrk="1" fontAlgn="auto" latinLnBrk="0" hangingPunct="1">
+              <a:lnSpc>
+                <a:spcPct val="100000"/>
+              </a:lnSpc>
+              <a:spcBef>
+                <a:spcPts val="480"/>
+              </a:spcBef>
+              <a:spcAft>
+                <a:spcPts val="0"/>
+              </a:spcAft>
+              <a:buClr>
+                <a:schemeClr val="dk1"/>
+              </a:buClr>
+              <a:buSzPct val="100000"/>
+              <a:buFont typeface="Courier New"/>
+              <a:buNone/>
+              <a:tabLst/>
+              <a:defRPr/>
+            </a:pPr>
+            <a:endParaRPr kumimoji="0" lang="en-US" sz="2000" b="0" i="0" u="none" strike="noStrike" kern="0" cap="none" spc="0" normalizeH="0" baseline="0" noProof="0" dirty="0" smtClean="0">
+              <a:ln>
+                <a:noFill/>
+              </a:ln>
+              <a:solidFill>
+                <a:schemeClr val="dk1"/>
+              </a:solidFill>
+              <a:effectLst/>
+              <a:uLnTx/>
+              <a:uFillTx/>
+              <a:latin typeface="Arial"/>
+              <a:ea typeface="Arial"/>
+              <a:cs typeface="Arial"/>
+              <a:sym typeface="Arial"/>
+            </a:endParaRPr>
+          </a:p>
+          <a:p>
+            <a:pPr marL="742950" marR="0" lvl="1" indent="-285750" algn="l" defTabSz="914400" rtl="0" eaLnBrk="1" fontAlgn="auto" latinLnBrk="0" hangingPunct="1">
+              <a:lnSpc>
+                <a:spcPct val="100000"/>
+              </a:lnSpc>
+              <a:spcBef>
+                <a:spcPts val="480"/>
+              </a:spcBef>
+              <a:spcAft>
+                <a:spcPts val="0"/>
+              </a:spcAft>
+              <a:buClr>
+                <a:schemeClr val="dk1"/>
+              </a:buClr>
+              <a:buSzPct val="100000"/>
+              <a:buFont typeface="Courier New"/>
+              <a:buChar char="o"/>
+              <a:tabLst/>
+              <a:defRPr/>
+            </a:pPr>
+            <a:r>
+              <a:rPr kumimoji="0" lang="en-US" sz="2000" b="0" i="0" u="none" strike="noStrike" kern="0" cap="none" spc="0" normalizeH="0" baseline="0" noProof="0" dirty="0" smtClean="0">
+                <a:ln>
+                  <a:noFill/>
+                </a:ln>
+                <a:solidFill>
+                  <a:schemeClr val="dk1"/>
+                </a:solidFill>
+                <a:effectLst/>
+                <a:uLnTx/>
+                <a:uFillTx/>
+                <a:latin typeface="Arial"/>
+                <a:ea typeface="Arial"/>
+                <a:cs typeface="Arial"/>
+                <a:sym typeface="Arial"/>
+              </a:rPr>
+              <a:t>Requires </a:t>
+            </a:r>
+            <a:r>
+              <a:rPr kumimoji="0" lang="en-US" sz="2000" b="0" i="1" u="none" strike="noStrike" kern="0" cap="none" spc="0" normalizeH="0" baseline="0" noProof="0" dirty="0" smtClean="0">
+                <a:ln>
+                  <a:noFill/>
+                </a:ln>
+                <a:solidFill>
+                  <a:schemeClr val="dk1"/>
+                </a:solidFill>
+                <a:effectLst/>
+                <a:uLnTx/>
+                <a:uFillTx/>
+                <a:latin typeface="Arial"/>
+                <a:ea typeface="Arial"/>
+                <a:cs typeface="Arial"/>
+                <a:sym typeface="Arial"/>
+              </a:rPr>
+              <a:t>one-v-one </a:t>
+            </a:r>
+            <a:r>
+              <a:rPr kumimoji="0" lang="en-US" sz="2000" b="0" i="0" u="none" strike="noStrike" kern="0" cap="none" spc="0" normalizeH="0" baseline="0" noProof="0" dirty="0" smtClean="0">
+                <a:ln>
+                  <a:noFill/>
+                </a:ln>
+                <a:solidFill>
+                  <a:schemeClr val="dk1"/>
+                </a:solidFill>
+                <a:effectLst/>
+                <a:uLnTx/>
+                <a:uFillTx/>
+                <a:latin typeface="Arial"/>
+                <a:ea typeface="Arial"/>
+                <a:cs typeface="Arial"/>
+                <a:sym typeface="Arial"/>
+              </a:rPr>
+              <a:t>Multi-Class method.</a:t>
+            </a:r>
+          </a:p>
+          <a:p>
+            <a:pPr marL="742950" marR="0" lvl="1" indent="-285750" algn="l" defTabSz="914400" rtl="0" eaLnBrk="1" fontAlgn="auto" latinLnBrk="0" hangingPunct="1">
+              <a:lnSpc>
+                <a:spcPct val="100000"/>
+              </a:lnSpc>
+              <a:spcBef>
+                <a:spcPts val="480"/>
+              </a:spcBef>
+              <a:spcAft>
+                <a:spcPts val="0"/>
+              </a:spcAft>
+              <a:buClr>
+                <a:schemeClr val="dk1"/>
+              </a:buClr>
+              <a:buSzPct val="100000"/>
+              <a:buFont typeface="Courier New"/>
+              <a:buChar char="o"/>
+              <a:tabLst/>
+              <a:defRPr/>
+            </a:pPr>
+            <a:r>
+              <a:rPr kumimoji="0" lang="en-US" sz="2000" b="0" i="0" u="none" strike="noStrike" kern="0" cap="none" spc="0" normalizeH="0" baseline="0" noProof="0" dirty="0" smtClean="0">
+                <a:ln>
+                  <a:noFill/>
+                </a:ln>
+                <a:solidFill>
+                  <a:schemeClr val="dk1"/>
+                </a:solidFill>
+                <a:effectLst/>
+                <a:uLnTx/>
+                <a:uFillTx/>
+                <a:latin typeface="Arial"/>
+                <a:ea typeface="Arial"/>
+                <a:cs typeface="Arial"/>
+                <a:sym typeface="Arial"/>
+              </a:rPr>
+              <a:t>Non-linear Kernels are difficult to implement.</a:t>
+            </a:r>
+          </a:p>
+          <a:p>
+            <a:pPr marL="342900" marR="0" lvl="0" indent="-342900" algn="l" defTabSz="914400" rtl="0" eaLnBrk="1" fontAlgn="auto" latinLnBrk="0" hangingPunct="1">
+              <a:lnSpc>
+                <a:spcPct val="100000"/>
+              </a:lnSpc>
+              <a:spcBef>
+                <a:spcPts val="600"/>
+              </a:spcBef>
+              <a:spcAft>
+                <a:spcPts val="0"/>
+              </a:spcAft>
+              <a:buClr>
+                <a:schemeClr val="dk1"/>
+              </a:buClr>
+              <a:buSzPct val="166666"/>
+              <a:buFont typeface="Arial"/>
+              <a:buChar char="•"/>
+              <a:tabLst/>
+              <a:defRPr/>
+            </a:pPr>
+            <a:r>
+              <a:rPr kumimoji="0" lang="en-US" sz="2000" b="1" i="0" u="none" strike="noStrike" kern="0" cap="none" spc="0" normalizeH="0" baseline="0" noProof="0" dirty="0" smtClean="0">
+                <a:ln>
+                  <a:noFill/>
+                </a:ln>
+                <a:solidFill>
+                  <a:schemeClr val="dk1"/>
+                </a:solidFill>
+                <a:effectLst/>
+                <a:uLnTx/>
+                <a:uFillTx/>
+                <a:latin typeface="Arial"/>
+                <a:ea typeface="Arial"/>
+                <a:cs typeface="Arial"/>
+                <a:sym typeface="Arial"/>
+              </a:rPr>
+              <a:t>LIBSVM</a:t>
+            </a:r>
+          </a:p>
+          <a:p>
+            <a:pPr marL="742950" marR="0" lvl="1" indent="-285750" algn="l" defTabSz="914400" rtl="0" eaLnBrk="1" fontAlgn="auto" latinLnBrk="0" hangingPunct="1">
+              <a:lnSpc>
+                <a:spcPct val="100000"/>
+              </a:lnSpc>
+              <a:spcBef>
+                <a:spcPts val="480"/>
+              </a:spcBef>
+              <a:spcAft>
+                <a:spcPts val="0"/>
+              </a:spcAft>
+              <a:buClr>
+                <a:schemeClr val="dk1"/>
+              </a:buClr>
+              <a:buSzPct val="100000"/>
+              <a:buFont typeface="Courier New"/>
+              <a:buChar char="o"/>
+              <a:tabLst/>
+              <a:defRPr/>
+            </a:pPr>
+            <a:r>
+              <a:rPr kumimoji="0" lang="en-US" sz="2000" b="0" i="0" u="none" strike="noStrike" kern="0" cap="none" spc="0" normalizeH="0" baseline="0" noProof="0" dirty="0" smtClean="0">
+                <a:ln>
+                  <a:noFill/>
+                </a:ln>
+                <a:solidFill>
+                  <a:schemeClr val="dk1"/>
+                </a:solidFill>
+                <a:effectLst/>
+                <a:uLnTx/>
+                <a:uFillTx/>
+                <a:latin typeface="Arial"/>
+                <a:ea typeface="Arial"/>
+                <a:cs typeface="Arial"/>
+                <a:sym typeface="Arial"/>
+              </a:rPr>
+              <a:t>Off-the-Shelf SVM package</a:t>
+            </a:r>
+          </a:p>
+          <a:p>
+            <a:pPr marL="742950" marR="0" lvl="1" indent="-285750" algn="l" defTabSz="914400" rtl="0" eaLnBrk="1" fontAlgn="auto" latinLnBrk="0" hangingPunct="1">
+              <a:lnSpc>
+                <a:spcPct val="100000"/>
+              </a:lnSpc>
+              <a:spcBef>
+                <a:spcPts val="480"/>
+              </a:spcBef>
+              <a:spcAft>
+                <a:spcPts val="0"/>
+              </a:spcAft>
+              <a:buClr>
+                <a:schemeClr val="dk1"/>
+              </a:buClr>
+              <a:buSzPct val="100000"/>
+              <a:buFont typeface="Courier New"/>
+              <a:buChar char="o"/>
+              <a:tabLst/>
+              <a:defRPr/>
+            </a:pPr>
+            <a:r>
+              <a:rPr kumimoji="0" lang="en-US" sz="2000" b="0" i="0" u="none" strike="noStrike" kern="0" cap="none" spc="0" normalizeH="0" baseline="0" noProof="0" dirty="0" smtClean="0">
+                <a:ln>
+                  <a:noFill/>
+                </a:ln>
+                <a:solidFill>
+                  <a:schemeClr val="dk1"/>
+                </a:solidFill>
+                <a:effectLst/>
+                <a:uLnTx/>
+                <a:uFillTx/>
+                <a:latin typeface="Arial"/>
+                <a:ea typeface="Arial"/>
+                <a:cs typeface="Arial"/>
+                <a:sym typeface="Arial"/>
+              </a:rPr>
+              <a:t>Supports Kernels and Multi-Class</a:t>
+            </a:r>
+            <a:endParaRPr kumimoji="0" lang="en-US" sz="2000" b="0" i="0" u="none" strike="noStrike" kern="0" cap="none" spc="0" normalizeH="0" baseline="0" noProof="0" dirty="0">
+              <a:ln>
+                <a:noFill/>
+              </a:ln>
+              <a:solidFill>
+                <a:schemeClr val="dk1"/>
+              </a:solidFill>
+              <a:effectLst/>
+              <a:uLnTx/>
+              <a:uFillTx/>
+              <a:latin typeface="Arial"/>
+              <a:ea typeface="Arial"/>
+              <a:cs typeface="Arial"/>
+              <a:sym typeface="Arial"/>
+            </a:endParaRPr>
+          </a:p>
+        </p:txBody>
+      </p:sp>
+      <p:pic>
+        <p:nvPicPr>
+          <p:cNvPr id="5" name="Picture 4" descr="addin_tmp.png"/>
+          <p:cNvPicPr>
+            <a:picLocks noChangeAspect="1"/>
+          </p:cNvPicPr>
+          <p:nvPr>
+            <p:custDataLst>
+              <p:tags r:id="rId1"/>
+            </p:custDataLst>
+          </p:nvPr>
+        </p:nvPicPr>
+        <p:blipFill>
+          <a:blip r:embed="rId4" cstate="print"/>
+          <a:stretch>
+            <a:fillRect/>
+          </a:stretch>
+        </p:blipFill>
+        <p:spPr>
+          <a:xfrm>
+            <a:off x="1066800" y="1752600"/>
+            <a:ext cx="3733800" cy="302908"/>
+          </a:xfrm>
+          <a:prstGeom prst="rect">
+            <a:avLst/>
+          </a:prstGeom>
+        </p:spPr>
+      </p:pic>
+      <p:graphicFrame>
+        <p:nvGraphicFramePr>
+          <p:cNvPr id="6" name="Table 5"/>
+          <p:cNvGraphicFramePr>
+            <a:graphicFrameLocks noGrp="1"/>
+          </p:cNvGraphicFramePr>
+          <p:nvPr/>
+        </p:nvGraphicFramePr>
+        <p:xfrm>
+          <a:off x="762000" y="4267200"/>
+          <a:ext cx="7620000" cy="2438400"/>
+        </p:xfrm>
+        <a:graphic>
+          <a:graphicData uri="http://schemas.openxmlformats.org/drawingml/2006/table">
+            <a:tbl>
+              <a:tblPr firstRow="1" bandRow="1">
+                <a:tableStyleId>{5940675A-B579-460E-94D1-54222C63F5DA}</a:tableStyleId>
+              </a:tblPr>
+              <a:tblGrid>
+                <a:gridCol w="2540000"/>
+                <a:gridCol w="1199444"/>
+                <a:gridCol w="1411112"/>
+                <a:gridCol w="2469444"/>
+              </a:tblGrid>
+              <a:tr h="248920">
+                <a:tc>
+                  <a:txBody>
+                    <a:bodyPr/>
+                    <a:lstStyle/>
+                    <a:p>
+                      <a:pPr algn="ctr"/>
+                      <a:r>
+                        <a:rPr lang="en-US" b="1" dirty="0" smtClean="0"/>
+                        <a:t>Method</a:t>
+                      </a:r>
+                      <a:endParaRPr lang="en-US" b="1" dirty="0"/>
+                    </a:p>
+                  </a:txBody>
+                  <a:tcPr/>
+                </a:tc>
+                <a:tc>
+                  <a:txBody>
+                    <a:bodyPr/>
+                    <a:lstStyle/>
+                    <a:p>
+                      <a:pPr algn="ctr"/>
+                      <a:r>
+                        <a:rPr lang="en-US" b="1" dirty="0" smtClean="0">
+                          <a:latin typeface="Calibri"/>
+                          <a:cs typeface="Calibri"/>
+                        </a:rPr>
+                        <a:t>μ error</a:t>
+                      </a:r>
+                      <a:endParaRPr lang="en-US" b="1" dirty="0"/>
+                    </a:p>
+                  </a:txBody>
+                  <a:tcPr/>
+                </a:tc>
+                <a:tc>
+                  <a:txBody>
+                    <a:bodyPr/>
+                    <a:lstStyle/>
+                    <a:p>
+                      <a:pPr algn="ctr"/>
+                      <a:r>
+                        <a:rPr lang="el-GR" b="1" dirty="0" smtClean="0"/>
+                        <a:t>σ</a:t>
+                      </a:r>
+                      <a:r>
+                        <a:rPr lang="en-US" b="1" dirty="0" smtClean="0"/>
+                        <a:t> error</a:t>
+                      </a:r>
+                      <a:endParaRPr lang="en-US" b="1" dirty="0"/>
+                    </a:p>
+                  </a:txBody>
+                  <a:tcPr/>
+                </a:tc>
+                <a:tc>
+                  <a:txBody>
+                    <a:bodyPr/>
+                    <a:lstStyle/>
+                    <a:p>
+                      <a:pPr algn="ctr"/>
+                      <a:r>
+                        <a:rPr lang="en-US" b="1" dirty="0" smtClean="0"/>
+                        <a:t>Testing Accuracy (</a:t>
+                      </a:r>
+                      <a:r>
+                        <a:rPr lang="el-GR" b="1" dirty="0" smtClean="0"/>
+                        <a:t>ε</a:t>
+                      </a:r>
+                      <a:r>
+                        <a:rPr lang="en-US" b="1" dirty="0" smtClean="0"/>
+                        <a:t> = 1)</a:t>
+                      </a:r>
+                      <a:endParaRPr lang="en-US" b="1" dirty="0"/>
+                    </a:p>
+                  </a:txBody>
+                  <a:tcPr/>
+                </a:tc>
+              </a:tr>
+              <a:tr h="248920">
+                <a:tc>
+                  <a:txBody>
+                    <a:bodyPr/>
+                    <a:lstStyle/>
+                    <a:p>
+                      <a:r>
+                        <a:rPr lang="en-US" dirty="0" err="1" smtClean="0"/>
+                        <a:t>Pegasos</a:t>
+                      </a:r>
+                      <a:r>
+                        <a:rPr lang="en-US" dirty="0" smtClean="0"/>
+                        <a:t>:</a:t>
+                      </a:r>
+                      <a:r>
+                        <a:rPr lang="en-US" baseline="0" dirty="0" smtClean="0"/>
+                        <a:t> Linear, One-v-One</a:t>
+                      </a:r>
+                      <a:endParaRPr lang="en-US" dirty="0"/>
+                    </a:p>
+                  </a:txBody>
+                  <a:tcPr>
+                    <a:solidFill>
+                      <a:schemeClr val="accent1"/>
+                    </a:solidFill>
+                  </a:tcPr>
+                </a:tc>
+                <a:tc>
+                  <a:txBody>
+                    <a:bodyPr/>
+                    <a:lstStyle/>
+                    <a:p>
+                      <a:pPr algn="ctr"/>
+                      <a:r>
+                        <a:rPr lang="en-US" dirty="0" smtClean="0"/>
+                        <a:t>1.78</a:t>
+                      </a:r>
+                      <a:endParaRPr lang="en-US" dirty="0"/>
+                    </a:p>
+                  </a:txBody>
+                  <a:tcPr>
+                    <a:solidFill>
+                      <a:schemeClr val="accent1"/>
+                    </a:solidFill>
+                  </a:tcPr>
+                </a:tc>
+                <a:tc>
+                  <a:txBody>
+                    <a:bodyPr/>
+                    <a:lstStyle/>
+                    <a:p>
+                      <a:pPr algn="ctr"/>
+                      <a:r>
+                        <a:rPr lang="en-US" dirty="0" smtClean="0"/>
+                        <a:t>1.59</a:t>
+                      </a:r>
+                      <a:endParaRPr lang="en-US" dirty="0"/>
+                    </a:p>
+                  </a:txBody>
+                  <a:tcPr>
+                    <a:solidFill>
+                      <a:schemeClr val="accent1"/>
+                    </a:solidFill>
+                  </a:tcPr>
+                </a:tc>
+                <a:tc>
+                  <a:txBody>
+                    <a:bodyPr/>
+                    <a:lstStyle/>
+                    <a:p>
+                      <a:pPr algn="ctr"/>
+                      <a:r>
+                        <a:rPr lang="en-US" dirty="0" smtClean="0"/>
+                        <a:t>51.25%</a:t>
+                      </a:r>
+                      <a:endParaRPr lang="en-US" dirty="0"/>
+                    </a:p>
+                  </a:txBody>
+                  <a:tcPr>
+                    <a:solidFill>
+                      <a:schemeClr val="accent1"/>
+                    </a:solidFill>
+                  </a:tcPr>
+                </a:tc>
+              </a:tr>
+              <a:tr h="248920">
+                <a:tc>
+                  <a:txBody>
+                    <a:bodyPr/>
+                    <a:lstStyle/>
+                    <a:p>
+                      <a:r>
+                        <a:rPr lang="en-US" dirty="0" smtClean="0"/>
+                        <a:t>LIBSVM: Linear</a:t>
+                      </a:r>
+                      <a:endParaRPr lang="en-US" dirty="0"/>
+                    </a:p>
+                  </a:txBody>
+                  <a:tcPr/>
+                </a:tc>
+                <a:tc>
+                  <a:txBody>
+                    <a:bodyPr/>
+                    <a:lstStyle/>
+                    <a:p>
+                      <a:pPr algn="ctr"/>
+                      <a:r>
+                        <a:rPr lang="en-US" dirty="0" smtClean="0"/>
+                        <a:t>1.29</a:t>
+                      </a:r>
+                      <a:endParaRPr lang="en-US" dirty="0"/>
+                    </a:p>
+                  </a:txBody>
+                  <a:tcPr/>
+                </a:tc>
+                <a:tc>
+                  <a:txBody>
+                    <a:bodyPr/>
+                    <a:lstStyle/>
+                    <a:p>
+                      <a:pPr algn="ctr"/>
+                      <a:r>
+                        <a:rPr lang="en-US" dirty="0" smtClean="0"/>
+                        <a:t>1.42</a:t>
+                      </a:r>
+                      <a:endParaRPr lang="en-US" dirty="0"/>
+                    </a:p>
+                  </a:txBody>
+                  <a:tcPr/>
+                </a:tc>
+                <a:tc>
+                  <a:txBody>
+                    <a:bodyPr/>
+                    <a:lstStyle/>
+                    <a:p>
+                      <a:pPr algn="ctr"/>
+                      <a:r>
+                        <a:rPr lang="en-US" dirty="0" smtClean="0"/>
+                        <a:t>68.28%</a:t>
+                      </a:r>
+                      <a:endParaRPr lang="en-US" dirty="0"/>
+                    </a:p>
+                  </a:txBody>
+                  <a:tcPr/>
+                </a:tc>
+              </a:tr>
+              <a:tr h="248920">
+                <a:tc>
+                  <a:txBody>
+                    <a:bodyPr/>
+                    <a:lstStyle/>
+                    <a:p>
+                      <a:pPr marL="0" marR="0" indent="0" algn="l" defTabSz="914400" rtl="0" eaLnBrk="1" fontAlgn="auto" latinLnBrk="0" hangingPunct="1">
+                        <a:lnSpc>
+                          <a:spcPct val="100000"/>
+                        </a:lnSpc>
+                        <a:spcBef>
+                          <a:spcPts val="0"/>
+                        </a:spcBef>
+                        <a:spcAft>
+                          <a:spcPts val="0"/>
+                        </a:spcAft>
+                        <a:buClrTx/>
+                        <a:buSzTx/>
+                        <a:buFontTx/>
+                        <a:buNone/>
+                        <a:tabLst/>
+                        <a:defRPr/>
+                      </a:pPr>
+                      <a:r>
+                        <a:rPr lang="en-US" dirty="0" smtClean="0"/>
+                        <a:t>LIBSVM: Polynomial d-2</a:t>
+                      </a:r>
+                    </a:p>
+                  </a:txBody>
+                  <a:tcPr/>
+                </a:tc>
+                <a:tc>
+                  <a:txBody>
+                    <a:bodyPr/>
+                    <a:lstStyle/>
+                    <a:p>
+                      <a:pPr algn="ctr"/>
+                      <a:r>
+                        <a:rPr lang="en-US" dirty="0" smtClean="0"/>
+                        <a:t>1.75</a:t>
+                      </a:r>
+                      <a:endParaRPr lang="en-US" dirty="0"/>
+                    </a:p>
+                  </a:txBody>
+                  <a:tcPr/>
+                </a:tc>
+                <a:tc>
+                  <a:txBody>
+                    <a:bodyPr/>
+                    <a:lstStyle/>
+                    <a:p>
+                      <a:pPr algn="ctr"/>
+                      <a:r>
+                        <a:rPr lang="en-US" dirty="0" smtClean="0"/>
+                        <a:t>1.93</a:t>
+                      </a:r>
+                      <a:endParaRPr lang="en-US" dirty="0"/>
+                    </a:p>
+                  </a:txBody>
+                  <a:tcPr/>
+                </a:tc>
+                <a:tc>
+                  <a:txBody>
+                    <a:bodyPr/>
+                    <a:lstStyle/>
+                    <a:p>
+                      <a:pPr algn="ctr"/>
+                      <a:r>
+                        <a:rPr lang="en-US" dirty="0" smtClean="0"/>
+                        <a:t>59.90%</a:t>
+                      </a:r>
+                      <a:endParaRPr lang="en-US" dirty="0"/>
+                    </a:p>
+                  </a:txBody>
+                  <a:tcPr/>
+                </a:tc>
+              </a:tr>
+              <a:tr h="248920">
+                <a:tc>
+                  <a:txBody>
+                    <a:bodyPr/>
+                    <a:lstStyle/>
+                    <a:p>
+                      <a:pPr marL="0" marR="0" indent="0" algn="l" defTabSz="914400" rtl="0" eaLnBrk="1" fontAlgn="auto" latinLnBrk="0" hangingPunct="1">
+                        <a:lnSpc>
+                          <a:spcPct val="100000"/>
+                        </a:lnSpc>
+                        <a:spcBef>
+                          <a:spcPts val="0"/>
+                        </a:spcBef>
+                        <a:spcAft>
+                          <a:spcPts val="0"/>
+                        </a:spcAft>
+                        <a:buClrTx/>
+                        <a:buSzTx/>
+                        <a:buFontTx/>
+                        <a:buNone/>
+                        <a:tabLst/>
+                        <a:defRPr/>
+                      </a:pPr>
+                      <a:r>
+                        <a:rPr lang="en-US" dirty="0" smtClean="0"/>
+                        <a:t>LIBSVM: Polynomial d-3</a:t>
+                      </a:r>
+                    </a:p>
+                  </a:txBody>
+                  <a:tcPr/>
+                </a:tc>
+                <a:tc>
+                  <a:txBody>
+                    <a:bodyPr/>
+                    <a:lstStyle/>
+                    <a:p>
+                      <a:pPr algn="ctr"/>
+                      <a:r>
+                        <a:rPr lang="en-US" dirty="0" smtClean="0"/>
+                        <a:t>1.32</a:t>
+                      </a:r>
+                      <a:endParaRPr lang="en-US" dirty="0"/>
+                    </a:p>
+                  </a:txBody>
+                  <a:tcPr/>
+                </a:tc>
+                <a:tc>
+                  <a:txBody>
+                    <a:bodyPr/>
+                    <a:lstStyle/>
+                    <a:p>
+                      <a:pPr algn="ctr"/>
+                      <a:r>
+                        <a:rPr lang="en-US" dirty="0" smtClean="0"/>
+                        <a:t>1.42</a:t>
+                      </a:r>
+                      <a:endParaRPr lang="en-US" dirty="0"/>
+                    </a:p>
+                  </a:txBody>
+                  <a:tcPr/>
+                </a:tc>
+                <a:tc>
+                  <a:txBody>
+                    <a:bodyPr/>
+                    <a:lstStyle/>
+                    <a:p>
+                      <a:pPr algn="ctr"/>
+                      <a:r>
+                        <a:rPr lang="en-US" dirty="0" smtClean="0"/>
+                        <a:t>66.70%</a:t>
+                      </a:r>
+                      <a:endParaRPr lang="en-US" dirty="0"/>
+                    </a:p>
+                  </a:txBody>
+                  <a:tcPr/>
+                </a:tc>
+              </a:tr>
+              <a:tr h="248920">
+                <a:tc>
+                  <a:txBody>
+                    <a:bodyPr/>
+                    <a:lstStyle/>
+                    <a:p>
+                      <a:pPr marL="0" marR="0" indent="0" algn="l" defTabSz="914400" rtl="0" eaLnBrk="1" fontAlgn="auto" latinLnBrk="0" hangingPunct="1">
+                        <a:lnSpc>
+                          <a:spcPct val="100000"/>
+                        </a:lnSpc>
+                        <a:spcBef>
+                          <a:spcPts val="0"/>
+                        </a:spcBef>
+                        <a:spcAft>
+                          <a:spcPts val="0"/>
+                        </a:spcAft>
+                        <a:buClrTx/>
+                        <a:buSzTx/>
+                        <a:buFontTx/>
+                        <a:buNone/>
+                        <a:tabLst/>
+                        <a:defRPr/>
+                      </a:pPr>
+                      <a:r>
+                        <a:rPr lang="en-US" dirty="0" smtClean="0"/>
+                        <a:t>LIBSVM: Polynomial d-4</a:t>
+                      </a:r>
+                    </a:p>
+                  </a:txBody>
+                  <a:tcPr/>
+                </a:tc>
+                <a:tc>
+                  <a:txBody>
+                    <a:bodyPr/>
+                    <a:lstStyle/>
+                    <a:p>
+                      <a:pPr algn="ctr"/>
+                      <a:r>
+                        <a:rPr lang="en-US" dirty="0" smtClean="0"/>
+                        <a:t>1.60</a:t>
+                      </a:r>
+                      <a:endParaRPr lang="en-US" dirty="0"/>
+                    </a:p>
+                  </a:txBody>
+                  <a:tcPr/>
+                </a:tc>
+                <a:tc>
+                  <a:txBody>
+                    <a:bodyPr/>
+                    <a:lstStyle/>
+                    <a:p>
+                      <a:pPr algn="ctr"/>
+                      <a:r>
+                        <a:rPr lang="en-US" dirty="0" smtClean="0"/>
+                        <a:t>1.71</a:t>
+                      </a:r>
+                      <a:endParaRPr lang="en-US" dirty="0"/>
+                    </a:p>
+                  </a:txBody>
+                  <a:tcPr/>
+                </a:tc>
+                <a:tc>
+                  <a:txBody>
+                    <a:bodyPr/>
+                    <a:lstStyle/>
+                    <a:p>
+                      <a:pPr algn="ctr"/>
+                      <a:r>
+                        <a:rPr lang="en-US" dirty="0" smtClean="0"/>
+                        <a:t>61.82%</a:t>
+                      </a:r>
+                      <a:endParaRPr lang="en-US" dirty="0"/>
+                    </a:p>
+                  </a:txBody>
+                  <a:tcPr/>
+                </a:tc>
+              </a:tr>
+              <a:tr h="248920">
+                <a:tc>
+                  <a:txBody>
+                    <a:bodyPr/>
+                    <a:lstStyle/>
+                    <a:p>
+                      <a:pPr marL="0" marR="0" indent="0" algn="l" defTabSz="914400" rtl="0" eaLnBrk="1" fontAlgn="auto" latinLnBrk="0" hangingPunct="1">
+                        <a:lnSpc>
+                          <a:spcPct val="100000"/>
+                        </a:lnSpc>
+                        <a:spcBef>
+                          <a:spcPts val="0"/>
+                        </a:spcBef>
+                        <a:spcAft>
+                          <a:spcPts val="0"/>
+                        </a:spcAft>
+                        <a:buClrTx/>
+                        <a:buSzTx/>
+                        <a:buFontTx/>
+                        <a:buNone/>
+                        <a:tabLst/>
+                        <a:defRPr/>
+                      </a:pPr>
+                      <a:r>
+                        <a:rPr lang="en-US" dirty="0" smtClean="0"/>
+                        <a:t>LIBSVM: RBF (Gaussian)</a:t>
+                      </a:r>
+                    </a:p>
+                  </a:txBody>
+                  <a:tcPr/>
+                </a:tc>
+                <a:tc>
+                  <a:txBody>
+                    <a:bodyPr/>
+                    <a:lstStyle/>
+                    <a:p>
+                      <a:pPr algn="ctr"/>
+                      <a:r>
+                        <a:rPr lang="en-US" dirty="0" smtClean="0"/>
+                        <a:t>1.20</a:t>
+                      </a:r>
+                      <a:endParaRPr lang="en-US" dirty="0"/>
+                    </a:p>
+                  </a:txBody>
+                  <a:tcPr/>
+                </a:tc>
+                <a:tc>
+                  <a:txBody>
+                    <a:bodyPr/>
+                    <a:lstStyle/>
+                    <a:p>
+                      <a:pPr algn="ctr"/>
+                      <a:r>
+                        <a:rPr lang="en-US" dirty="0" smtClean="0"/>
+                        <a:t>1.37</a:t>
+                      </a:r>
+                      <a:endParaRPr lang="en-US" dirty="0"/>
+                    </a:p>
+                  </a:txBody>
+                  <a:tcPr/>
+                </a:tc>
+                <a:tc>
+                  <a:txBody>
+                    <a:bodyPr/>
+                    <a:lstStyle/>
+                    <a:p>
+                      <a:pPr algn="ctr"/>
+                      <a:r>
+                        <a:rPr lang="en-US" dirty="0" smtClean="0"/>
+                        <a:t>70.10%</a:t>
+                      </a:r>
+                      <a:endParaRPr lang="en-US" dirty="0"/>
+                    </a:p>
+                  </a:txBody>
+                  <a:tcPr/>
+                </a:tc>
+              </a:tr>
+              <a:tr h="248920">
+                <a:tc>
+                  <a:txBody>
+                    <a:bodyPr/>
+                    <a:lstStyle/>
+                    <a:p>
+                      <a:pPr marL="0" marR="0" indent="0" algn="l" defTabSz="914400" rtl="0" eaLnBrk="1" fontAlgn="auto" latinLnBrk="0" hangingPunct="1">
+                        <a:lnSpc>
+                          <a:spcPct val="100000"/>
+                        </a:lnSpc>
+                        <a:spcBef>
+                          <a:spcPts val="0"/>
+                        </a:spcBef>
+                        <a:spcAft>
+                          <a:spcPts val="0"/>
+                        </a:spcAft>
+                        <a:buClrTx/>
+                        <a:buSzTx/>
+                        <a:buFontTx/>
+                        <a:buNone/>
+                        <a:tabLst/>
+                        <a:defRPr/>
+                      </a:pPr>
+                      <a:r>
+                        <a:rPr lang="en-US" dirty="0" smtClean="0"/>
+                        <a:t>LIBSVM: Sigmoid</a:t>
+                      </a:r>
+                    </a:p>
+                  </a:txBody>
+                  <a:tcPr/>
+                </a:tc>
+                <a:tc>
+                  <a:txBody>
+                    <a:bodyPr/>
+                    <a:lstStyle/>
+                    <a:p>
+                      <a:pPr algn="ctr"/>
+                      <a:r>
+                        <a:rPr lang="en-US" dirty="0" smtClean="0"/>
+                        <a:t>1.94</a:t>
+                      </a:r>
+                      <a:endParaRPr lang="en-US" dirty="0"/>
+                    </a:p>
+                  </a:txBody>
+                  <a:tcPr/>
+                </a:tc>
+                <a:tc>
+                  <a:txBody>
+                    <a:bodyPr/>
+                    <a:lstStyle/>
+                    <a:p>
+                      <a:pPr algn="ctr"/>
+                      <a:r>
+                        <a:rPr lang="en-US" dirty="0" smtClean="0"/>
+                        <a:t>1.85</a:t>
+                      </a:r>
+                      <a:endParaRPr lang="en-US" dirty="0"/>
+                    </a:p>
+                  </a:txBody>
+                  <a:tcPr/>
+                </a:tc>
+                <a:tc>
+                  <a:txBody>
+                    <a:bodyPr/>
+                    <a:lstStyle/>
+                    <a:p>
+                      <a:pPr algn="ctr"/>
+                      <a:r>
+                        <a:rPr lang="en-US" dirty="0" smtClean="0"/>
+                        <a:t>52.50%</a:t>
+                      </a:r>
+                      <a:endParaRPr lang="en-US" dirty="0"/>
+                    </a:p>
+                  </a:txBody>
+                  <a:tcPr/>
+                </a:tc>
+              </a:tr>
+            </a:tbl>
+          </a:graphicData>
+        </a:graphic>
+      </p:graphicFrame>
+      <p:pic>
+        <p:nvPicPr>
+          <p:cNvPr id="7" name="Picture 6" descr="2D_FeatureSpace.jpg"/>
+          <p:cNvPicPr>
+            <a:picLocks noChangeAspect="1"/>
+          </p:cNvPicPr>
+          <p:nvPr/>
+        </p:nvPicPr>
+        <p:blipFill>
+          <a:blip r:embed="rId5" cstate="print"/>
+          <a:stretch>
+            <a:fillRect/>
+          </a:stretch>
+        </p:blipFill>
+        <p:spPr>
+          <a:xfrm>
+            <a:off x="5856651" y="1066800"/>
+            <a:ext cx="3090997" cy="1443672"/>
+          </a:xfrm>
+          <a:prstGeom prst="rect">
+            <a:avLst/>
+          </a:prstGeom>
+        </p:spPr>
+      </p:pic>
+      <p:pic>
+        <p:nvPicPr>
+          <p:cNvPr id="8" name="Picture 7" descr="Grid_Search.jpg"/>
+          <p:cNvPicPr>
+            <a:picLocks noChangeAspect="1"/>
+          </p:cNvPicPr>
+          <p:nvPr/>
+        </p:nvPicPr>
+        <p:blipFill>
+          <a:blip r:embed="rId6" cstate="print"/>
+          <a:stretch>
+            <a:fillRect/>
+          </a:stretch>
+        </p:blipFill>
+        <p:spPr>
+          <a:xfrm>
+            <a:off x="5943600" y="2743200"/>
+            <a:ext cx="2971800" cy="1388000"/>
+          </a:xfrm>
+          <a:prstGeom prst="rect">
+            <a:avLst/>
+          </a:prstGeom>
+        </p:spPr>
+      </p:pic>
+    </p:spTree>
+  </p:cSld>
+  <p:clrMapOvr>
+    <a:masterClrMapping/>
+  </p:clrMapOvr>
+  <p:transition spd="slow">
+    <p:cut/>
+  </p:transition>
+  <p:timing>
+    <p:tnLst>
+      <p:par>
+        <p:cTn id="1" dur="indefinite" restart="never" nodeType="tmRoot"/>
+      </p:par>
+    </p:tnLst>
+  </p:timing>
+</p:sld>
+</file>
+
+<file path=ppt/slides/slide8.xml><?xml version="1.0" encoding="utf-8"?>
+<p:sld xmlns:a="http://schemas.openxmlformats.org/drawingml/2006/main" xmlns:r="http://schemas.openxmlformats.org/officeDocument/2006/relationships" xmlns:p="http://schemas.openxmlformats.org/presentationml/2006/main">
+  <p:cSld>
+    <p:spTree>
+      <p:nvGrpSpPr>
+        <p:cNvPr id="1" name="Shape 66"/>
+        <p:cNvGrpSpPr/>
+        <p:nvPr/>
+      </p:nvGrpSpPr>
+      <p:grpSpPr>
+        <a:xfrm>
+          <a:off x="0" y="0"/>
+          <a:ext cx="0" cy="0"/>
+          <a:chOff x="0" y="0"/>
+          <a:chExt cx="0" cy="0"/>
+        </a:xfrm>
+      </p:grpSpPr>
+      <p:sp>
+        <p:nvSpPr>
+          <p:cNvPr id="67" name="Shape 67"/>
+          <p:cNvSpPr txBox="1">
+            <a:spLocks noGrp="1"/>
+          </p:cNvSpPr>
+          <p:nvPr>
+            <p:ph type="title"/>
+          </p:nvPr>
+        </p:nvSpPr>
+        <p:spPr>
+          <a:xfrm>
+            <a:off x="457200" y="274637"/>
+            <a:ext cx="8229600" cy="701999"/>
+          </a:xfrm>
+          <a:prstGeom prst="rect">
+            <a:avLst/>
+          </a:prstGeom>
+        </p:spPr>
+        <p:txBody>
+          <a:bodyPr lIns="91425" tIns="91425" rIns="91425" bIns="91425" anchor="b" anchorCtr="0">
+            <a:spAutoFit/>
+          </a:bodyPr>
+          <a:lstStyle/>
+          <a:p>
+            <a:pPr>
+              <a:buNone/>
+            </a:pPr>
+            <a:r>
+              <a:rPr lang="en"/>
+              <a:t>Conclusions</a:t>
+            </a:r>
+          </a:p>
+        </p:txBody>
+      </p:sp>
+      <p:sp>
+        <p:nvSpPr>
+          <p:cNvPr id="68" name="Shape 68"/>
+          <p:cNvSpPr txBox="1">
+            <a:spLocks noGrp="1"/>
+          </p:cNvSpPr>
           <p:nvPr>
             <p:ph type="body" idx="1"/>
           </p:nvPr>
         </p:nvSpPr>
         <p:spPr>
           <a:xfrm>
-            <a:off y="1600200" x="457200"/>
-            <a:ext cy="4967700" cx="8229600"/>
+            <a:off x="457200" y="1600200"/>
+            <a:ext cx="8229600" cy="4967700"/>
           </a:xfrm>
           <a:prstGeom prst="rect">
             <a:avLst/>
           </a:prstGeom>
         </p:spPr>
         <p:txBody>
-          <a:bodyPr bIns="91425" tIns="91425" lIns="91425" anchor="t" anchorCtr="0" rIns="91425">
+          <a:bodyPr lIns="91425" tIns="91425" rIns="91425" bIns="91425" anchor="t" anchorCtr="0">
             <a:spAutoFit/>
           </a:bodyPr>
           <a:lstStyle/>
-          <a:p/>
+          <a:p>
+            <a:pPr lvl="0" rtl="0">
+              <a:buNone/>
+            </a:pPr>
+            <a:r>
+              <a:rPr lang="en" sz="2400"/>
+              <a:t>- Reparameterizations using expert knowledge can be highly effective.</a:t>
+            </a:r>
+          </a:p>
+          <a:p>
+            <a:endParaRPr/>
+          </a:p>
+          <a:p>
+            <a:pPr lvl="0" rtl="0">
+              <a:buNone/>
+            </a:pPr>
+            <a:r>
+              <a:rPr lang="en" sz="2400"/>
+              <a:t>- A good definition of error is often domain-specific.</a:t>
+            </a:r>
+          </a:p>
+          <a:p>
+            <a:endParaRPr/>
+          </a:p>
+          <a:p>
+            <a:pPr lvl="0" rtl="0">
+              <a:buNone/>
+            </a:pPr>
+            <a:r>
+              <a:rPr lang="en" sz="2400"/>
+              <a:t>- Both decision tree and SVM were highly effective.</a:t>
+            </a:r>
+          </a:p>
+          <a:p>
+            <a:endParaRPr/>
+          </a:p>
+          <a:p>
+            <a:pPr lvl="0" rtl="0">
+              <a:buNone/>
+            </a:pPr>
+            <a:r>
+              <a:rPr lang="en" sz="2400"/>
+              <a:t>- Decision tree outperformed SVM</a:t>
+            </a:r>
+          </a:p>
+          <a:p>
+            <a:pPr lvl="0" rtl="0">
+              <a:buNone/>
+            </a:pPr>
+            <a:r>
+              <a:rPr lang="en" sz="2400"/>
+              <a:t>	- Somewhat better in terms of accuracy.</a:t>
+            </a:r>
+          </a:p>
+          <a:p>
+            <a:pPr>
+              <a:buNone/>
+            </a:pPr>
+            <a:r>
+              <a:rPr lang="en" sz="2400"/>
+              <a:t>	- Much better in terms of speed.</a:t>
+            </a:r>
+          </a:p>
         </p:txBody>
       </p:sp>
     </p:spTree>
@@ -4451,165 +5941,25 @@
   <p:transition spd="slow">
     <p:cut/>
   </p:transition>
+  <p:timing>
+    <p:tnLst>
+      <p:par>
+        <p:cTn id="1" dur="indefinite" restart="never" nodeType="tmRoot"/>
+      </p:par>
+    </p:tnLst>
+  </p:timing>
 </p:sld>
 </file>
 
-<file path=ppt/slides/slide8.xml><?xml version="1.0" encoding="utf-8"?>
-<p:sld xmlns:a="http://schemas.openxmlformats.org/drawingml/2006/main" xmlns:r="http://schemas.openxmlformats.org/officeDocument/2006/relationships" xmlns:mc="http://schemas.openxmlformats.org/markup-compatibility/2006" xmlns:mv="urn:schemas-microsoft-com:mac:vml" xmlns:p="http://schemas.openxmlformats.org/presentationml/2006/main" xmlns:c="http://schemas.openxmlformats.org/drawingml/2006/chart" xmlns:dgm="http://schemas.openxmlformats.org/drawingml/2006/diagram" xmlns:o="urn:schemas-microsoft-com:office:office" xmlns:v="urn:schemas-microsoft-com:vml" xmlns:pvml="urn:schemas-microsoft-com:office:powerpoint" xmlns:com="http://schemas.openxmlformats.org/drawingml/2006/compatibility" xmlns:p14="http://schemas.microsoft.com/office/powerpoint/2010/main">
-  <p:cSld>
-    <p:spTree>
-      <p:nvGrpSpPr>
-        <p:cNvPr name="Shape 66" id="66"/>
-        <p:cNvGrpSpPr/>
-        <p:nvPr/>
-      </p:nvGrpSpPr>
-      <p:grpSpPr>
-        <a:xfrm>
-          <a:off y="0" x="0"/>
-          <a:ext cy="0" cx="0"/>
-          <a:chOff y="0" x="0"/>
-          <a:chExt cy="0" cx="0"/>
-        </a:xfrm>
-      </p:grpSpPr>
-      <p:sp>
-        <p:nvSpPr>
-          <p:cNvPr name="Shape 67" id="67"/>
-          <p:cNvSpPr txBox="1"/>
-          <p:nvPr>
-            <p:ph type="title"/>
-          </p:nvPr>
-        </p:nvSpPr>
-        <p:spPr>
-          <a:xfrm>
-            <a:off y="274637" x="457200"/>
-            <a:ext cy="701999" cx="8229600"/>
-          </a:xfrm>
-          <a:prstGeom prst="rect">
-            <a:avLst/>
-          </a:prstGeom>
-        </p:spPr>
-        <p:txBody>
-          <a:bodyPr bIns="91425" tIns="91425" lIns="91425" anchor="b" anchorCtr="0" rIns="91425">
-            <a:spAutoFit/>
-          </a:bodyPr>
-          <a:lstStyle/>
-          <a:p>
-            <a:pPr>
-              <a:buNone/>
-            </a:pPr>
-            <a:r>
-              <a:rPr lang="en"/>
-              <a:t>Conclusions</a:t>
-            </a:r>
-          </a:p>
-        </p:txBody>
-      </p:sp>
-      <p:sp>
-        <p:nvSpPr>
-          <p:cNvPr name="Shape 68" id="68"/>
-          <p:cNvSpPr txBox="1"/>
-          <p:nvPr>
-            <p:ph type="body" idx="1"/>
-          </p:nvPr>
-        </p:nvSpPr>
-        <p:spPr>
-          <a:xfrm>
-            <a:off y="1600200" x="457200"/>
-            <a:ext cy="4967700" cx="8229600"/>
-          </a:xfrm>
-          <a:prstGeom prst="rect">
-            <a:avLst/>
-          </a:prstGeom>
-        </p:spPr>
-        <p:txBody>
-          <a:bodyPr bIns="91425" tIns="91425" lIns="91425" anchor="t" anchorCtr="0" rIns="91425">
-            <a:spAutoFit/>
-          </a:bodyPr>
-          <a:lstStyle/>
-          <a:p>
-            <a:pPr rtl="0" lvl="0">
-              <a:buNone/>
-            </a:pPr>
-            <a:r>
-              <a:rPr lang="en" sz="2400"/>
-              <a:t>- Reparameterizations using expert knowledge can be highly effective.</a:t>
-            </a:r>
-          </a:p>
-          <a:p>
-            <a:r>
-              <a:t/>
-            </a:r>
-          </a:p>
-          <a:p>
-            <a:pPr rtl="0" lvl="0">
-              <a:buNone/>
-            </a:pPr>
-            <a:r>
-              <a:rPr lang="en" sz="2400"/>
-              <a:t>- A good definition of error is often domain-specific.</a:t>
-            </a:r>
-          </a:p>
-          <a:p>
-            <a:r>
-              <a:t/>
-            </a:r>
-          </a:p>
-          <a:p>
-            <a:pPr rtl="0" lvl="0">
-              <a:buNone/>
-            </a:pPr>
-            <a:r>
-              <a:rPr lang="en" sz="2400"/>
-              <a:t>- Both decision tree and SVM were highly effective.</a:t>
-            </a:r>
-          </a:p>
-          <a:p>
-            <a:r>
-              <a:t/>
-            </a:r>
-          </a:p>
-          <a:p>
-            <a:pPr rtl="0" lvl="0">
-              <a:buNone/>
-            </a:pPr>
-            <a:r>
-              <a:rPr lang="en" sz="2400"/>
-              <a:t>- Decision tree outperformed SVM</a:t>
-            </a:r>
-          </a:p>
-          <a:p>
-            <a:pPr rtl="0" lvl="0">
-              <a:buNone/>
-            </a:pPr>
-            <a:r>
-              <a:rPr lang="en" sz="2400"/>
-              <a:t>	- Somewhat better in terms of accuracy.</a:t>
-            </a:r>
-          </a:p>
-          <a:p>
-            <a:pPr>
-              <a:buNone/>
-            </a:pPr>
-            <a:r>
-              <a:rPr lang="en" sz="2400"/>
-              <a:t>	- Much better in terms of speed.</a:t>
-            </a:r>
-          </a:p>
-        </p:txBody>
-      </p:sp>
-    </p:spTree>
-  </p:cSld>
-  <p:clrMapOvr>
-    <a:masterClrMapping/>
-  </p:clrMapOvr>
-  <p:transition spd="slow">
-    <p:cut/>
-  </p:transition>
-</p:sld>
+<file path=ppt/tags/tag1.xml><?xml version="1.0" encoding="utf-8"?>
+<p:tagLst xmlns:a="http://schemas.openxmlformats.org/drawingml/2006/main" xmlns:r="http://schemas.openxmlformats.org/officeDocument/2006/relationships" xmlns:p="http://schemas.openxmlformats.org/presentationml/2006/main">
+  <p:tag name="LATEXADDIN" val="\documentclass{article}&#10;\usepackage{amsmath}&#10;\pagestyle{empty}&#10;\begin{document}&#10;&#10;$O(1/\epsilon) \rightarrow (\mathbf{X} \in \mathbf{R}^{28k \times 5} &lt; 2 sec)$&#10;&#10;&#10;&#10;\end{document}"/>
+  <p:tag name="IGUANATEXSIZE" val="20"/>
+</p:tagLst>
 </file>
 
 <file path=ppt/theme/theme1.xml><?xml version="1.0" encoding="utf-8"?>
-<a:theme xmlns:a="http://schemas.openxmlformats.org/drawingml/2006/main" xmlns:r="http://schemas.openxmlformats.org/officeDocument/2006/relationships">
+<a:theme xmlns:a="http://schemas.openxmlformats.org/drawingml/2006/main">
   <a:themeElements>
     <a:clrScheme name="Custom 347">
       <a:dk1>
@@ -4745,7 +6095,7 @@
               </a:schemeClr>
             </a:gs>
           </a:gsLst>
-          <a:lin scaled="1" ang="16200000"/>
+          <a:lin ang="16200000" scaled="1"/>
         </a:gradFill>
         <a:gradFill rotWithShape="1">
           <a:gsLst>
@@ -4764,7 +6114,7 @@
               </a:schemeClr>
             </a:gs>
           </a:gsLst>
-          <a:lin scaled="0" ang="16200000"/>
+          <a:lin ang="16200000" scaled="0"/>
         </a:gradFill>
       </a:fillStyleLst>
       <a:lnStyleLst>
@@ -4793,7 +6143,7 @@
       <a:effectStyleLst>
         <a:effectStyle>
           <a:effectLst>
-            <a:outerShdw rotWithShape="0" dir="5400000" dist="20000" blurRad="40000">
+            <a:outerShdw blurRad="40000" dist="20000" dir="5400000" rotWithShape="0">
               <a:srgbClr val="000000">
                 <a:alpha val="38000"/>
               </a:srgbClr>
@@ -4802,7 +6152,7 @@
         </a:effectStyle>
         <a:effectStyle>
           <a:effectLst>
-            <a:outerShdw rotWithShape="0" dir="5400000" dist="23000" blurRad="40000">
+            <a:outerShdw blurRad="40000" dist="23000" dir="5400000" rotWithShape="0">
               <a:srgbClr val="000000">
                 <a:alpha val="35000"/>
               </a:srgbClr>
@@ -4811,7 +6161,7 @@
         </a:effectStyle>
         <a:effectStyle>
           <a:effectLst>
-            <a:outerShdw rotWithShape="0" dir="5400000" dist="23000" blurRad="40000">
+            <a:outerShdw blurRad="40000" dist="23000" dir="5400000" rotWithShape="0">
               <a:srgbClr val="000000">
                 <a:alpha val="35000"/>
               </a:srgbClr>
@@ -4819,10 +6169,10 @@
           </a:effectLst>
           <a:scene3d>
             <a:camera prst="orthographicFront">
-              <a:rot rev="0" lat="0" lon="0"/>
+              <a:rot lat="0" lon="0" rev="0"/>
             </a:camera>
             <a:lightRig rig="threePt" dir="t">
-              <a:rot rev="1200000" lat="0" lon="0"/>
+              <a:rot lat="0" lon="0" rev="1200000"/>
             </a:lightRig>
           </a:scene3d>
           <a:sp3d>
@@ -4857,7 +6207,7 @@
             </a:gs>
           </a:gsLst>
           <a:path path="circle">
-            <a:fillToRect b="180000" l="50000" t="-80000" r="50000"/>
+            <a:fillToRect l="50000" t="-80000" r="50000" b="180000"/>
           </a:path>
         </a:gradFill>
         <a:gradFill rotWithShape="1">
@@ -4876,17 +6226,19 @@
             </a:gs>
           </a:gsLst>
           <a:path path="circle">
-            <a:fillToRect b="50000" l="50000" t="50000" r="50000"/>
+            <a:fillToRect l="50000" t="50000" r="50000" b="50000"/>
           </a:path>
         </a:gradFill>
       </a:bgFillStyleLst>
     </a:fmtScheme>
   </a:themeElements>
+  <a:objectDefaults/>
+  <a:extraClrSchemeLst/>
 </a:theme>
 </file>
 
 <file path=ppt/theme/theme2.xml><?xml version="1.0" encoding="utf-8"?>
-<a:theme xmlns:a="http://schemas.openxmlformats.org/drawingml/2006/main" xmlns:r="http://schemas.openxmlformats.org/officeDocument/2006/relationships">
+<a:theme xmlns:a="http://schemas.openxmlformats.org/drawingml/2006/main">
   <a:themeElements>
     <a:clrScheme name="Default">
       <a:dk1>
@@ -5022,7 +6374,7 @@
               </a:schemeClr>
             </a:gs>
           </a:gsLst>
-          <a:lin scaled="1" ang="16200000"/>
+          <a:lin ang="16200000" scaled="1"/>
         </a:gradFill>
         <a:gradFill rotWithShape="1">
           <a:gsLst>
@@ -5041,7 +6393,7 @@
               </a:schemeClr>
             </a:gs>
           </a:gsLst>
-          <a:lin scaled="0" ang="16200000"/>
+          <a:lin ang="16200000" scaled="0"/>
         </a:gradFill>
       </a:fillStyleLst>
       <a:lnStyleLst>
@@ -5070,7 +6422,7 @@
       <a:effectStyleLst>
         <a:effectStyle>
           <a:effectLst>
-            <a:outerShdw rotWithShape="0" dir="5400000" dist="20000" blurRad="40000">
+            <a:outerShdw blurRad="40000" dist="20000" dir="5400000" rotWithShape="0">
               <a:srgbClr val="000000">
                 <a:alpha val="38000"/>
               </a:srgbClr>
@@ -5079,7 +6431,7 @@
         </a:effectStyle>
         <a:effectStyle>
           <a:effectLst>
-            <a:outerShdw rotWithShape="0" dir="5400000" dist="23000" blurRad="40000">
+            <a:outerShdw blurRad="40000" dist="23000" dir="5400000" rotWithShape="0">
               <a:srgbClr val="000000">
                 <a:alpha val="35000"/>
               </a:srgbClr>
@@ -5088,7 +6440,7 @@
         </a:effectStyle>
         <a:effectStyle>
           <a:effectLst>
-            <a:outerShdw rotWithShape="0" dir="5400000" dist="23000" blurRad="40000">
+            <a:outerShdw blurRad="40000" dist="23000" dir="5400000" rotWithShape="0">
               <a:srgbClr val="000000">
                 <a:alpha val="35000"/>
               </a:srgbClr>
@@ -5096,10 +6448,10 @@
           </a:effectLst>
           <a:scene3d>
             <a:camera prst="orthographicFront">
-              <a:rot rev="0" lat="0" lon="0"/>
+              <a:rot lat="0" lon="0" rev="0"/>
             </a:camera>
             <a:lightRig rig="threePt" dir="t">
-              <a:rot rev="1200000" lat="0" lon="0"/>
+              <a:rot lat="0" lon="0" rev="1200000"/>
             </a:lightRig>
           </a:scene3d>
           <a:sp3d>
@@ -5134,7 +6486,7 @@
             </a:gs>
           </a:gsLst>
           <a:path path="circle">
-            <a:fillToRect b="180000" l="50000" t="-80000" r="50000"/>
+            <a:fillToRect l="50000" t="-80000" r="50000" b="180000"/>
           </a:path>
         </a:gradFill>
         <a:gradFill rotWithShape="1">
@@ -5153,329 +6505,13 @@
             </a:gs>
           </a:gsLst>
           <a:path path="circle">
-            <a:fillToRect b="50000" l="50000" t="50000" r="50000"/>
+            <a:fillToRect l="50000" t="50000" r="50000" b="50000"/>
           </a:path>
         </a:gradFill>
       </a:bgFillStyleLst>
     </a:fmtScheme>
   </a:themeElements>
-</a:theme>
-</file>
-
-<file path=ppt/theme/theme3.xml><?xml version="1.0" encoding="utf-8"?>
-<a:theme xmlns:a="http://schemas.openxmlformats.org/drawingml/2006/main" xmlns:r="http://schemas.openxmlformats.org/officeDocument/2006/relationships" name="Office Theme">
-  <a:themeElements>
-    <a:clrScheme name="Office">
-      <a:dk1>
-        <a:sysClr val="windowText" lastClr="000000"/>
-      </a:dk1>
-      <a:lt1>
-        <a:sysClr val="window" lastClr="FFFFFF"/>
-      </a:lt1>
-      <a:dk2>
-        <a:srgbClr val="1F497D"/>
-      </a:dk2>
-      <a:lt2>
-        <a:srgbClr val="EEECE1"/>
-      </a:lt2>
-      <a:accent1>
-        <a:srgbClr val="4F81BD"/>
-      </a:accent1>
-      <a:accent2>
-        <a:srgbClr val="C0504D"/>
-      </a:accent2>
-      <a:accent3>
-        <a:srgbClr val="9BBB59"/>
-      </a:accent3>
-      <a:accent4>
-        <a:srgbClr val="8064A2"/>
-      </a:accent4>
-      <a:accent5>
-        <a:srgbClr val="4BACC6"/>
-      </a:accent5>
-      <a:accent6>
-        <a:srgbClr val="F79646"/>
-      </a:accent6>
-      <a:hlink>
-        <a:srgbClr val="0000FF"/>
-      </a:hlink>
-      <a:folHlink>
-        <a:srgbClr val="800080"/>
-      </a:folHlink>
-    </a:clrScheme>
-    <a:fontScheme name="Office">
-      <a:majorFont>
-        <a:latin typeface="Arial"/>
-        <a:ea typeface=""/>
-        <a:cs typeface=""/>
-        <a:font script="Jpan" typeface="ＭＳ Ｐゴシック"/>
-        <a:font script="Hang" typeface="맑은 고딕"/>
-        <a:font script="Hans" typeface="宋体"/>
-        <a:font script="Hant" typeface="新細明體"/>
-        <a:font script="Arab" typeface="Times New Roman"/>
-        <a:font script="Hebr" typeface="Times New Roman"/>
-        <a:font script="Thai" typeface="Angsana New"/>
-        <a:font script="Ethi" typeface="Nyala"/>
-        <a:font script="Beng" typeface="Vrinda"/>
-        <a:font script="Gujr" typeface="Shruti"/>
-        <a:font script="Khmr" typeface="MoolBoran"/>
-        <a:font script="Knda" typeface="Tunga"/>
-        <a:font script="Guru" typeface="Raavi"/>
-        <a:font script="Cans" typeface="Euphemia"/>
-        <a:font script="Cher" typeface="Plantagenet Cherokee"/>
-        <a:font script="Yiii" typeface="Microsoft Yi Baiti"/>
-        <a:font script="Tibt" typeface="Microsoft Himalaya"/>
-        <a:font script="Thaa" typeface="MV Boli"/>
-        <a:font script="Deva" typeface="Mangal"/>
-        <a:font script="Telu" typeface="Gautami"/>
-        <a:font script="Taml" typeface="Latha"/>
-        <a:font script="Syrc" typeface="Estrangelo Edessa"/>
-        <a:font script="Orya" typeface="Kalinga"/>
-        <a:font script="Mlym" typeface="Kartika"/>
-        <a:font script="Laoo" typeface="DokChampa"/>
-        <a:font script="Sinh" typeface="Iskoola Pota"/>
-        <a:font script="Mong" typeface="Mongolian Baiti"/>
-        <a:font script="Viet" typeface="Times New Roman"/>
-        <a:font script="Uigh" typeface="Microsoft Uighur"/>
-      </a:majorFont>
-      <a:minorFont>
-        <a:latin typeface="Arial"/>
-        <a:ea typeface=""/>
-        <a:cs typeface=""/>
-        <a:font script="Jpan" typeface="ＭＳ Ｐゴシック"/>
-        <a:font script="Hang" typeface="맑은 고딕"/>
-        <a:font script="Hans" typeface="宋体"/>
-        <a:font script="Hant" typeface="新細明體"/>
-        <a:font script="Arab" typeface="Arial"/>
-        <a:font script="Hebr" typeface="Arial"/>
-        <a:font script="Thai" typeface="Cordia New"/>
-        <a:font script="Ethi" typeface="Nyala"/>
-        <a:font script="Beng" typeface="Vrinda"/>
-        <a:font script="Gujr" typeface="Shruti"/>
-        <a:font script="Khmr" typeface="DaunPenh"/>
-        <a:font script="Knda" typeface="Tunga"/>
-        <a:font script="Guru" typeface="Raavi"/>
-        <a:font script="Cans" typeface="Euphemia"/>
-        <a:font script="Cher" typeface="Plantagenet Cherokee"/>
-        <a:font script="Yiii" typeface="Microsoft Yi Baiti"/>
-        <a:font script="Tibt" typeface="Microsoft Himalaya"/>
-        <a:font script="Thaa" typeface="MV Boli"/>
-        <a:font script="Deva" typeface="Mangal"/>
-        <a:font script="Telu" typeface="Gautami"/>
-        <a:font script="Taml" typeface="Latha"/>
-        <a:font script="Syrc" typeface="Estrangelo Edessa"/>
-        <a:font script="Orya" typeface="Kalinga"/>
-        <a:font script="Mlym" typeface="Kartika"/>
-        <a:font script="Laoo" typeface="DokChampa"/>
-        <a:font script="Sinh" typeface="Iskoola Pota"/>
-        <a:font script="Mong" typeface="Mongolian Baiti"/>
-        <a:font script="Viet" typeface="Arial"/>
-        <a:font script="Uigh" typeface="Microsoft Uighur"/>
-      </a:minorFont>
-    </a:fontScheme>
-    <a:fmtScheme name="Office">
-      <a:fillStyleLst>
-        <a:solidFill>
-          <a:schemeClr val="phClr"/>
-        </a:solidFill>
-        <a:gradFill rotWithShape="1">
-          <a:gsLst>
-            <a:gs pos="0">
-              <a:schemeClr val="phClr">
-                <a:tint val="50000"/>
-                <a:satMod val="300000"/>
-              </a:schemeClr>
-            </a:gs>
-            <a:gs pos="35000">
-              <a:schemeClr val="phClr">
-                <a:tint val="37000"/>
-                <a:satMod val="300000"/>
-              </a:schemeClr>
-            </a:gs>
-            <a:gs pos="100000">
-              <a:schemeClr val="phClr">
-                <a:tint val="15000"/>
-                <a:satMod val="350000"/>
-              </a:schemeClr>
-            </a:gs>
-          </a:gsLst>
-          <a:lin scaled="1" ang="16200000"/>
-        </a:gradFill>
-        <a:gradFill rotWithShape="1">
-          <a:gsLst>
-            <a:gs pos="0">
-              <a:schemeClr val="phClr">
-                <a:tint val="100000"/>
-                <a:shade val="100000"/>
-                <a:satMod val="130000"/>
-              </a:schemeClr>
-            </a:gs>
-            <a:gs pos="100000">
-              <a:schemeClr val="phClr">
-                <a:tint val="50000"/>
-                <a:shade val="100000"/>
-                <a:satMod val="350000"/>
-              </a:schemeClr>
-            </a:gs>
-          </a:gsLst>
-          <a:lin scaled="0" ang="16200000"/>
-        </a:gradFill>
-      </a:fillStyleLst>
-      <a:lnStyleLst>
-        <a:ln w="9525" cap="flat" cmpd="sng" algn="ctr">
-          <a:solidFill>
-            <a:schemeClr val="phClr">
-              <a:shade val="95000"/>
-              <a:satMod val="105000"/>
-            </a:schemeClr>
-          </a:solidFill>
-          <a:prstDash val="solid"/>
-        </a:ln>
-        <a:ln w="25400" cap="flat" cmpd="sng" algn="ctr">
-          <a:solidFill>
-            <a:schemeClr val="phClr"/>
-          </a:solidFill>
-          <a:prstDash val="solid"/>
-        </a:ln>
-        <a:ln w="38100" cap="flat" cmpd="sng" algn="ctr">
-          <a:solidFill>
-            <a:schemeClr val="phClr"/>
-          </a:solidFill>
-          <a:prstDash val="solid"/>
-        </a:ln>
-      </a:lnStyleLst>
-      <a:effectStyleLst>
-        <a:effectStyle>
-          <a:effectLst>
-            <a:outerShdw rotWithShape="0" dir="5400000" dist="20000" blurRad="40000">
-              <a:srgbClr val="000000">
-                <a:alpha val="38000"/>
-              </a:srgbClr>
-            </a:outerShdw>
-          </a:effectLst>
-        </a:effectStyle>
-        <a:effectStyle>
-          <a:effectLst>
-            <a:outerShdw rotWithShape="0" dir="5400000" dist="23000" blurRad="40000">
-              <a:srgbClr val="000000">
-                <a:alpha val="35000"/>
-              </a:srgbClr>
-            </a:outerShdw>
-          </a:effectLst>
-        </a:effectStyle>
-        <a:effectStyle>
-          <a:effectLst>
-            <a:outerShdw rotWithShape="0" dir="5400000" dist="23000" blurRad="40000">
-              <a:srgbClr val="000000">
-                <a:alpha val="35000"/>
-              </a:srgbClr>
-            </a:outerShdw>
-          </a:effectLst>
-          <a:scene3d>
-            <a:camera prst="orthographicFront">
-              <a:rot rev="0" lat="0" lon="0"/>
-            </a:camera>
-            <a:lightRig rig="threePt" dir="t">
-              <a:rot rev="1200000" lat="0" lon="0"/>
-            </a:lightRig>
-          </a:scene3d>
-          <a:sp3d>
-            <a:bevelT w="63500" h="25400"/>
-          </a:sp3d>
-        </a:effectStyle>
-      </a:effectStyleLst>
-      <a:bgFillStyleLst>
-        <a:solidFill>
-          <a:schemeClr val="phClr"/>
-        </a:solidFill>
-        <a:gradFill rotWithShape="1">
-          <a:gsLst>
-            <a:gs pos="0">
-              <a:schemeClr val="phClr">
-                <a:tint val="40000"/>
-                <a:satMod val="350000"/>
-              </a:schemeClr>
-            </a:gs>
-            <a:gs pos="40000">
-              <a:schemeClr val="phClr">
-                <a:tint val="45000"/>
-                <a:shade val="99000"/>
-                <a:satMod val="350000"/>
-              </a:schemeClr>
-            </a:gs>
-            <a:gs pos="100000">
-              <a:schemeClr val="phClr">
-                <a:shade val="20000"/>
-                <a:satMod val="255000"/>
-              </a:schemeClr>
-            </a:gs>
-          </a:gsLst>
-          <a:path path="circle">
-            <a:fillToRect b="180000" l="50000" t="-80000" r="50000"/>
-          </a:path>
-        </a:gradFill>
-        <a:gradFill rotWithShape="1">
-          <a:gsLst>
-            <a:gs pos="0">
-              <a:schemeClr val="phClr">
-                <a:tint val="80000"/>
-                <a:satMod val="300000"/>
-              </a:schemeClr>
-            </a:gs>
-            <a:gs pos="100000">
-              <a:schemeClr val="phClr">
-                <a:shade val="30000"/>
-                <a:satMod val="200000"/>
-              </a:schemeClr>
-            </a:gs>
-          </a:gsLst>
-          <a:path path="circle">
-            <a:fillToRect b="50000" l="50000" t="50000" r="50000"/>
-          </a:path>
-        </a:gradFill>
-      </a:bgFillStyleLst>
-    </a:fmtScheme>
-  </a:themeElements>
-  <a:objectDefaults>
-    <a:spDef>
-      <a:spPr/>
-      <a:bodyPr/>
-      <a:lstStyle/>
-      <a:style>
-        <a:lnRef idx="1">
-          <a:schemeClr val="accent1"/>
-        </a:lnRef>
-        <a:fillRef idx="3">
-          <a:schemeClr val="accent1"/>
-        </a:fillRef>
-        <a:effectRef idx="2">
-          <a:schemeClr val="accent1"/>
-        </a:effectRef>
-        <a:fontRef idx="minor">
-          <a:schemeClr val="lt1"/>
-        </a:fontRef>
-      </a:style>
-    </a:spDef>
-    <a:lnDef>
-      <a:spPr/>
-      <a:bodyPr/>
-      <a:lstStyle/>
-      <a:style>
-        <a:lnRef idx="2">
-          <a:schemeClr val="accent1"/>
-        </a:lnRef>
-        <a:fillRef idx="0">
-          <a:schemeClr val="accent1"/>
-        </a:fillRef>
-        <a:effectRef idx="1">
-          <a:schemeClr val="accent1"/>
-        </a:effectRef>
-        <a:fontRef idx="minor">
-          <a:schemeClr val="tx1"/>
-        </a:fontRef>
-      </a:style>
-    </a:lnDef>
-  </a:objectDefaults>
+  <a:objectDefaults/>
   <a:extraClrSchemeLst/>
 </a:theme>
 </file>
--- a/Final_Presentation/Slides.pptx
+++ b/Final_Presentation/Slides.pptx
@@ -849,8 +849,8 @@
         </p:nvSpPr>
         <p:spPr>
           <a:xfrm>
-            <a:off x="1143225" y="685800"/>
-            <a:ext cx="4572299" cy="3429000"/>
+            <a:off x="1143000" y="685800"/>
+            <a:ext cx="4572000" cy="3429000"/>
           </a:xfrm>
           <a:custGeom>
             <a:avLst/>
@@ -944,8 +944,8 @@
         </p:nvSpPr>
         <p:spPr>
           <a:xfrm>
-            <a:off x="1143225" y="685800"/>
-            <a:ext cx="4572299" cy="3429000"/>
+            <a:off x="1143000" y="685800"/>
+            <a:ext cx="4572000" cy="3429000"/>
           </a:xfrm>
           <a:custGeom>
             <a:avLst/>
@@ -1134,8 +1134,8 @@
         </p:nvSpPr>
         <p:spPr>
           <a:xfrm>
-            <a:off x="1143225" y="685800"/>
-            <a:ext cx="4572299" cy="3429000"/>
+            <a:off x="1143000" y="685800"/>
+            <a:ext cx="4572000" cy="3429000"/>
           </a:xfrm>
           <a:custGeom>
             <a:avLst/>
@@ -3884,7 +3884,7 @@
         <p:spPr>
           <a:xfrm>
             <a:off x="457200" y="1371600"/>
-            <a:ext cx="8229600" cy="4967700"/>
+            <a:ext cx="8229600" cy="3939510"/>
           </a:xfrm>
           <a:prstGeom prst="rect">
             <a:avLst/>
@@ -3900,19 +3900,22 @@
               <a:buNone/>
             </a:pPr>
             <a:r>
-              <a:rPr lang="en" dirty="0"/>
+              <a:rPr lang="en" sz="2400" dirty="0"/>
               <a:t>- Determine the result of a chess endgame position.</a:t>
             </a:r>
           </a:p>
           <a:p>
-            <a:endParaRPr dirty="0"/>
+            <a:pPr>
+              <a:buNone/>
+            </a:pPr>
+            <a:endParaRPr sz="1800" dirty="0"/>
           </a:p>
           <a:p>
             <a:pPr lvl="0" rtl="0">
               <a:buNone/>
             </a:pPr>
             <a:r>
-              <a:rPr lang="en" dirty="0"/>
+              <a:rPr lang="en" sz="2400" dirty="0"/>
               <a:t>- Usually formulated as a search problem.</a:t>
             </a:r>
           </a:p>
@@ -3921,36 +3924,104 @@
               <a:buNone/>
             </a:pPr>
             <a:r>
-              <a:rPr lang="en" dirty="0"/>
+              <a:rPr lang="en" sz="2400" dirty="0"/>
               <a:t>	- Slow because tree grows exponentially.</a:t>
             </a:r>
           </a:p>
           <a:p>
-            <a:endParaRPr dirty="0"/>
+            <a:pPr>
+              <a:buNone/>
+            </a:pPr>
+            <a:endParaRPr sz="1800" dirty="0"/>
           </a:p>
           <a:p>
             <a:pPr lvl="0" rtl="0">
               <a:buNone/>
             </a:pPr>
             <a:r>
-              <a:rPr lang="en" dirty="0"/>
-              <a:t>- We wanted to use a classification approach.</a:t>
-            </a:r>
-          </a:p>
-          <a:p>
-            <a:endParaRPr dirty="0"/>
+              <a:rPr lang="en" sz="2400" dirty="0" smtClean="0"/>
+              <a:t>- We </a:t>
+            </a:r>
+            <a:r>
+              <a:rPr lang="en" sz="2400" dirty="0"/>
+              <a:t>wanted to use a classification approach</a:t>
+            </a:r>
+            <a:r>
+              <a:rPr lang="en" sz="2400" dirty="0" smtClean="0"/>
+              <a:t>.</a:t>
+            </a:r>
+          </a:p>
+          <a:p>
+            <a:pPr lvl="0" rtl="0">
+              <a:buNone/>
+            </a:pPr>
+            <a:endParaRPr sz="1800" dirty="0"/>
           </a:p>
           <a:p>
             <a:pPr>
               <a:buNone/>
             </a:pPr>
             <a:r>
-              <a:rPr lang="en" dirty="0"/>
-              <a:t>- Found a UCI King-Rook vs. King dataset.</a:t>
-            </a:r>
+              <a:rPr lang="en" sz="2400" dirty="0" smtClean="0"/>
+              <a:t>- Found </a:t>
+            </a:r>
+            <a:r>
+              <a:rPr lang="en" sz="2400" dirty="0"/>
+              <a:t>a </a:t>
+            </a:r>
+            <a:r>
+              <a:rPr lang="en" sz="2400" dirty="0" smtClean="0"/>
+              <a:t>Multi-Class UCI </a:t>
+            </a:r>
+            <a:r>
+              <a:rPr lang="en" sz="2400" dirty="0"/>
+              <a:t>King-Rook vs. King dataset</a:t>
+            </a:r>
+            <a:r>
+              <a:rPr lang="en" sz="2400" dirty="0" smtClean="0"/>
+              <a:t>.</a:t>
+            </a:r>
+          </a:p>
+          <a:p>
+            <a:pPr>
+              <a:buNone/>
+            </a:pPr>
+            <a:r>
+              <a:rPr lang="en" sz="2400" dirty="0" smtClean="0"/>
+              <a:t>   </a:t>
+            </a:r>
+            <a:endParaRPr lang="en" sz="2400" dirty="0"/>
           </a:p>
         </p:txBody>
       </p:sp>
+      <p:pic>
+        <p:nvPicPr>
+          <p:cNvPr id="6" name="Picture 5" descr="addin_tmp.png"/>
+          <p:cNvPicPr>
+            <a:picLocks noChangeAspect="1"/>
+          </p:cNvPicPr>
+          <p:nvPr>
+            <p:custDataLst>
+              <p:tags r:id="rId1"/>
+            </p:custDataLst>
+          </p:nvPr>
+        </p:nvPicPr>
+        <p:blipFill>
+          <a:blip r:embed="rId4"/>
+          <a:stretch>
+            <a:fillRect/>
+          </a:stretch>
+        </p:blipFill>
+        <p:spPr>
+          <a:xfrm>
+            <a:off x="1066800" y="4953000"/>
+            <a:ext cx="2856951" cy="762000"/>
+          </a:xfrm>
+          <a:prstGeom prst="rect">
+            <a:avLst/>
+          </a:prstGeom>
+        </p:spPr>
+      </p:pic>
     </p:spTree>
   </p:cSld>
   <p:clrMapOvr>
@@ -3959,6 +4030,13 @@
   <p:transition spd="slow">
     <p:cut/>
   </p:transition>
+  <p:timing>
+    <p:tnLst>
+      <p:par>
+        <p:cTn id="1" dur="indefinite" restart="never" nodeType="tmRoot"/>
+      </p:par>
+    </p:tnLst>
+  </p:timing>
 </p:sld>
 </file>
 
@@ -4163,8 +4241,8 @@
         </p:nvSpPr>
         <p:spPr>
           <a:xfrm>
-            <a:off x="457200" y="1371600"/>
-            <a:ext cx="8229600" cy="5201394"/>
+            <a:off x="457200" y="1066800"/>
+            <a:ext cx="8229600" cy="5370671"/>
           </a:xfrm>
           <a:prstGeom prst="rect">
             <a:avLst/>
@@ -4203,11 +4281,18 @@
             </a:r>
             <a:r>
               <a:rPr lang="en" sz="2400" dirty="0"/>
-              <a:t>Used successfully on a similar dataset.</a:t>
-            </a:r>
-          </a:p>
-          <a:p>
-            <a:endParaRPr dirty="0"/>
+              <a:t>Used successfully on a similar dataset</a:t>
+            </a:r>
+            <a:r>
+              <a:rPr lang="en" sz="2400" dirty="0" smtClean="0"/>
+              <a:t>.</a:t>
+            </a:r>
+          </a:p>
+          <a:p>
+            <a:pPr lvl="0" rtl="0">
+              <a:buNone/>
+            </a:pPr>
+            <a:endParaRPr sz="1800" dirty="0"/>
           </a:p>
           <a:p>
             <a:pPr lvl="0" rtl="0">
@@ -4224,19 +4309,43 @@
             </a:pPr>
             <a:r>
               <a:rPr lang="en" sz="2400" dirty="0"/>
-              <a:t>	- Strong general-purpose algorithm.</a:t>
-            </a:r>
-          </a:p>
-          <a:p>
-            <a:endParaRPr dirty="0"/>
+              <a:t>	- Strong general-purpose algorithm</a:t>
+            </a:r>
+            <a:r>
+              <a:rPr lang="en" sz="2400" dirty="0" smtClean="0"/>
+              <a:t>.</a:t>
+            </a:r>
           </a:p>
           <a:p>
             <a:pPr lvl="0" rtl="0">
               <a:buNone/>
             </a:pPr>
             <a:r>
+              <a:rPr lang="en" sz="2400" dirty="0" smtClean="0"/>
+              <a:t>	- Learn about Sub-Gradient Projections</a:t>
+            </a:r>
+          </a:p>
+          <a:p>
+            <a:pPr lvl="0" rtl="0">
+              <a:buNone/>
+            </a:pPr>
+            <a:r>
+              <a:rPr lang="en" sz="2400" dirty="0" smtClean="0"/>
+              <a:t>	 </a:t>
+            </a:r>
+            <a:endParaRPr lang="en" sz="2400" dirty="0"/>
+          </a:p>
+          <a:p>
+            <a:pPr lvl="0" rtl="0">
+              <a:buNone/>
+            </a:pPr>
+            <a:r>
+              <a:rPr lang="en" sz="2400" dirty="0" smtClean="0"/>
+              <a:t>- </a:t>
+            </a:r>
+            <a:r>
               <a:rPr lang="en" sz="2400" dirty="0"/>
-              <a:t>- Redefined </a:t>
+              <a:t>Redefined </a:t>
             </a:r>
             <a:r>
               <a:rPr lang="en" sz="2400" dirty="0" smtClean="0"/>
@@ -4348,8 +4457,8 @@
         </p:nvSpPr>
         <p:spPr>
           <a:xfrm>
-            <a:off x="457200" y="1600200"/>
-            <a:ext cx="8229600" cy="4967700"/>
+            <a:off x="304800" y="1325494"/>
+            <a:ext cx="8229600" cy="4770506"/>
           </a:xfrm>
           <a:prstGeom prst="rect">
             <a:avLst/>
@@ -4365,19 +4474,36 @@
               <a:buNone/>
             </a:pPr>
             <a:r>
-              <a:rPr lang="en" sz="2400"/>
-              <a:t>- Original parameterization with row and column locations of individual pieces uninformative.</a:t>
-            </a:r>
-          </a:p>
-          <a:p>
-            <a:endParaRPr/>
+              <a:rPr lang="en" sz="2400" dirty="0" smtClean="0"/>
+              <a:t>- Original </a:t>
+            </a:r>
+            <a:r>
+              <a:rPr lang="en" sz="2400" dirty="0"/>
+              <a:t>parameterization with row and column locations of individual pieces uninformative</a:t>
+            </a:r>
+            <a:r>
+              <a:rPr lang="en" sz="2400" dirty="0" smtClean="0"/>
+              <a:t>.</a:t>
+            </a:r>
           </a:p>
           <a:p>
             <a:pPr lvl="0" rtl="0">
               <a:buNone/>
             </a:pPr>
-            <a:r>
-              <a:rPr lang="en" sz="2400"/>
+            <a:endParaRPr lang="en" sz="2400" dirty="0"/>
+          </a:p>
+          <a:p>
+            <a:pPr>
+              <a:buNone/>
+            </a:pPr>
+            <a:endParaRPr sz="1800" dirty="0"/>
+          </a:p>
+          <a:p>
+            <a:pPr lvl="0" rtl="0">
+              <a:buNone/>
+            </a:pPr>
+            <a:r>
+              <a:rPr lang="en" sz="2400" dirty="0"/>
               <a:t>- Reparameterized in terms of spatial relationships, just like real chess players do!</a:t>
             </a:r>
           </a:p>
@@ -4386,8 +4512,16 @@
               <a:buNone/>
             </a:pPr>
             <a:r>
-              <a:rPr lang="en" sz="2400"/>
-              <a:t>	- Distance of black king to corner.</a:t>
+              <a:rPr lang="en" sz="2400" dirty="0"/>
+              <a:t>	- Distance of black king to </a:t>
+            </a:r>
+            <a:r>
+              <a:rPr lang="en" sz="2400" dirty="0" smtClean="0"/>
+              <a:t>nearest corner</a:t>
+            </a:r>
+            <a:r>
+              <a:rPr lang="en" sz="2400" dirty="0"/>
+              <a:t>.</a:t>
             </a:r>
           </a:p>
           <a:p>
@@ -4395,8 +4529,16 @@
               <a:buNone/>
             </a:pPr>
             <a:r>
-              <a:rPr lang="en" sz="2400"/>
-              <a:t>	- Distance of black king to edge.</a:t>
+              <a:rPr lang="en" sz="2400" dirty="0"/>
+              <a:t>	- Distance of black king to </a:t>
+            </a:r>
+            <a:r>
+              <a:rPr lang="en" sz="2400" dirty="0" smtClean="0"/>
+              <a:t>nearest edge</a:t>
+            </a:r>
+            <a:r>
+              <a:rPr lang="en" sz="2400" dirty="0"/>
+              <a:t>.</a:t>
             </a:r>
           </a:p>
           <a:p>
@@ -4404,7 +4546,7 @@
               <a:buNone/>
             </a:pPr>
             <a:r>
-              <a:rPr lang="en" sz="2400"/>
+              <a:rPr lang="en" sz="2400" dirty="0"/>
               <a:t>	- Distance between black king and white king.</a:t>
             </a:r>
           </a:p>
@@ -4413,7 +4555,7 @@
               <a:buNone/>
             </a:pPr>
             <a:r>
-              <a:rPr lang="en" sz="2400"/>
+              <a:rPr lang="en" sz="2400" dirty="0"/>
               <a:t>	- Is position drawn?</a:t>
             </a:r>
           </a:p>
@@ -4422,12 +4564,180 @@
               <a:buNone/>
             </a:pPr>
             <a:r>
-              <a:rPr lang="en" sz="2400"/>
+              <a:rPr lang="en" sz="2400" dirty="0"/>
               <a:t>	- Is position checkmate?</a:t>
             </a:r>
           </a:p>
         </p:txBody>
       </p:sp>
+      <p:pic>
+        <p:nvPicPr>
+          <p:cNvPr id="4" name="Picture 3" descr="addin_tmp.png"/>
+          <p:cNvPicPr>
+            <a:picLocks noChangeAspect="1"/>
+          </p:cNvPicPr>
+          <p:nvPr>
+            <p:custDataLst>
+              <p:tags r:id="rId1"/>
+            </p:custDataLst>
+          </p:nvPr>
+        </p:nvPicPr>
+        <p:blipFill>
+          <a:blip r:embed="rId9"/>
+          <a:stretch>
+            <a:fillRect/>
+          </a:stretch>
+        </p:blipFill>
+        <p:spPr>
+          <a:xfrm>
+            <a:off x="7136130" y="3763894"/>
+            <a:ext cx="1626870" cy="308610"/>
+          </a:xfrm>
+          <a:prstGeom prst="rect">
+            <a:avLst/>
+          </a:prstGeom>
+        </p:spPr>
+      </p:pic>
+      <p:pic>
+        <p:nvPicPr>
+          <p:cNvPr id="7" name="Picture 6" descr="addin_tmp.png"/>
+          <p:cNvPicPr>
+            <a:picLocks noChangeAspect="1"/>
+          </p:cNvPicPr>
+          <p:nvPr>
+            <p:custDataLst>
+              <p:tags r:id="rId2"/>
+            </p:custDataLst>
+          </p:nvPr>
+        </p:nvPicPr>
+        <p:blipFill>
+          <a:blip r:embed="rId10"/>
+          <a:stretch>
+            <a:fillRect/>
+          </a:stretch>
+        </p:blipFill>
+        <p:spPr>
+          <a:xfrm>
+            <a:off x="7155180" y="4221094"/>
+            <a:ext cx="1423035" cy="308610"/>
+          </a:xfrm>
+          <a:prstGeom prst="rect">
+            <a:avLst/>
+          </a:prstGeom>
+        </p:spPr>
+      </p:pic>
+      <p:pic>
+        <p:nvPicPr>
+          <p:cNvPr id="10" name="Picture 9" descr="addin_tmp.png"/>
+          <p:cNvPicPr>
+            <a:picLocks noChangeAspect="1"/>
+          </p:cNvPicPr>
+          <p:nvPr>
+            <p:custDataLst>
+              <p:tags r:id="rId3"/>
+            </p:custDataLst>
+          </p:nvPr>
+        </p:nvPicPr>
+        <p:blipFill>
+          <a:blip r:embed="rId11"/>
+          <a:stretch>
+            <a:fillRect/>
+          </a:stretch>
+        </p:blipFill>
+        <p:spPr>
+          <a:xfrm>
+            <a:off x="7136130" y="4754494"/>
+            <a:ext cx="1303020" cy="308610"/>
+          </a:xfrm>
+          <a:prstGeom prst="rect">
+            <a:avLst/>
+          </a:prstGeom>
+        </p:spPr>
+      </p:pic>
+      <p:pic>
+        <p:nvPicPr>
+          <p:cNvPr id="12" name="Picture 11" descr="addin_tmp.png"/>
+          <p:cNvPicPr>
+            <a:picLocks noChangeAspect="1"/>
+          </p:cNvPicPr>
+          <p:nvPr>
+            <p:custDataLst>
+              <p:tags r:id="rId4"/>
+            </p:custDataLst>
+          </p:nvPr>
+        </p:nvPicPr>
+        <p:blipFill>
+          <a:blip r:embed="rId12"/>
+          <a:stretch>
+            <a:fillRect/>
+          </a:stretch>
+        </p:blipFill>
+        <p:spPr>
+          <a:xfrm>
+            <a:off x="7136130" y="5297419"/>
+            <a:ext cx="843915" cy="219075"/>
+          </a:xfrm>
+          <a:prstGeom prst="rect">
+            <a:avLst/>
+          </a:prstGeom>
+        </p:spPr>
+      </p:pic>
+      <p:pic>
+        <p:nvPicPr>
+          <p:cNvPr id="14" name="Picture 13" descr="addin_tmp.png"/>
+          <p:cNvPicPr>
+            <a:picLocks noChangeAspect="1"/>
+          </p:cNvPicPr>
+          <p:nvPr>
+            <p:custDataLst>
+              <p:tags r:id="rId5"/>
+            </p:custDataLst>
+          </p:nvPr>
+        </p:nvPicPr>
+        <p:blipFill>
+          <a:blip r:embed="rId13"/>
+          <a:stretch>
+            <a:fillRect/>
+          </a:stretch>
+        </p:blipFill>
+        <p:spPr>
+          <a:xfrm>
+            <a:off x="7136130" y="5668894"/>
+            <a:ext cx="657225" cy="219075"/>
+          </a:xfrm>
+          <a:prstGeom prst="rect">
+            <a:avLst/>
+          </a:prstGeom>
+        </p:spPr>
+      </p:pic>
+      <p:pic>
+        <p:nvPicPr>
+          <p:cNvPr id="18" name="Picture 17" descr="addin_tmp.png"/>
+          <p:cNvPicPr>
+            <a:picLocks noChangeAspect="1"/>
+          </p:cNvPicPr>
+          <p:nvPr>
+            <p:custDataLst>
+              <p:tags r:id="rId6"/>
+            </p:custDataLst>
+          </p:nvPr>
+        </p:nvPicPr>
+        <p:blipFill>
+          <a:blip r:embed="rId14"/>
+          <a:stretch>
+            <a:fillRect/>
+          </a:stretch>
+        </p:blipFill>
+        <p:spPr>
+          <a:xfrm>
+            <a:off x="762000" y="2362201"/>
+            <a:ext cx="4112771" cy="380999"/>
+          </a:xfrm>
+          <a:prstGeom prst="rect">
+            <a:avLst/>
+          </a:prstGeom>
+        </p:spPr>
+      </p:pic>
     </p:spTree>
   </p:cSld>
   <p:clrMapOvr>
@@ -4436,6 +4746,13 @@
   <p:transition spd="slow">
     <p:cut/>
   </p:transition>
+  <p:timing>
+    <p:tnLst>
+      <p:par>
+        <p:cTn id="1" dur="indefinite" restart="never" nodeType="tmRoot"/>
+      </p:par>
+    </p:tnLst>
+  </p:timing>
 </p:sld>
 </file>
 
@@ -4504,7 +4821,7 @@
         <p:spPr>
           <a:xfrm>
             <a:off x="457200" y="1600200"/>
-            <a:ext cx="8229600" cy="4967700"/>
+            <a:ext cx="8229600" cy="3939510"/>
           </a:xfrm>
           <a:prstGeom prst="rect">
             <a:avLst/>
@@ -4520,43 +4837,52 @@
               <a:buNone/>
             </a:pPr>
             <a:r>
-              <a:rPr lang="en" sz="2700" dirty="0"/>
+              <a:rPr lang="en" sz="2400" dirty="0"/>
               <a:t>- Very fast.</a:t>
             </a:r>
           </a:p>
           <a:p>
-            <a:endParaRPr dirty="0"/>
+            <a:pPr>
+              <a:buNone/>
+            </a:pPr>
+            <a:endParaRPr sz="1800" dirty="0"/>
           </a:p>
           <a:p>
             <a:pPr lvl="0" rtl="0">
               <a:buNone/>
             </a:pPr>
             <a:r>
-              <a:rPr lang="en" sz="2700" dirty="0"/>
+              <a:rPr lang="en" sz="2400" dirty="0"/>
               <a:t>- Split using maximum information gain at each node.</a:t>
             </a:r>
           </a:p>
           <a:p>
-            <a:endParaRPr dirty="0"/>
+            <a:pPr>
+              <a:buNone/>
+            </a:pPr>
+            <a:endParaRPr sz="1800" dirty="0"/>
           </a:p>
           <a:p>
             <a:pPr lvl="0" rtl="0">
               <a:buNone/>
             </a:pPr>
             <a:r>
-              <a:rPr lang="en" sz="2700" dirty="0"/>
+              <a:rPr lang="en" sz="2400" dirty="0"/>
               <a:t>- Original parameterization massively overfits data.</a:t>
             </a:r>
           </a:p>
           <a:p>
-            <a:endParaRPr dirty="0"/>
+            <a:pPr>
+              <a:buNone/>
+            </a:pPr>
+            <a:endParaRPr sz="1800" dirty="0"/>
           </a:p>
           <a:p>
             <a:pPr lvl="0" rtl="0">
               <a:buNone/>
             </a:pPr>
             <a:r>
-              <a:rPr lang="en" sz="2700" dirty="0"/>
+              <a:rPr lang="en" sz="2400" dirty="0"/>
               <a:t>- Reparameterization performs well using validation.</a:t>
             </a:r>
           </a:p>
@@ -4565,18 +4891,28 @@
               <a:buNone/>
             </a:pPr>
             <a:r>
-              <a:rPr lang="en" sz="2700" dirty="0"/>
-              <a:t>- Mean error: 1.07</a:t>
-            </a:r>
+              <a:rPr lang="en" sz="2400" dirty="0" smtClean="0"/>
+              <a:t>Mean </a:t>
+            </a:r>
+            <a:r>
+              <a:rPr lang="en" sz="2400" dirty="0"/>
+              <a:t>error: </a:t>
+            </a:r>
+            <a:r>
+              <a:rPr lang="en" sz="2400" dirty="0" smtClean="0"/>
+              <a:t>	1.07</a:t>
+            </a:r>
+            <a:endParaRPr lang="en" sz="2400" dirty="0"/>
           </a:p>
           <a:p>
             <a:pPr indent="457200">
               <a:buNone/>
             </a:pPr>
             <a:r>
-              <a:rPr lang="en" sz="2700" dirty="0"/>
-              <a:t>- Std: 1.45</a:t>
-            </a:r>
+              <a:rPr lang="en" sz="2400" dirty="0" smtClean="0"/>
+              <a:t>Std error:	1.45</a:t>
+            </a:r>
+            <a:endParaRPr lang="en" sz="2400" dirty="0"/>
           </a:p>
         </p:txBody>
       </p:sp>
@@ -4682,11 +5018,27 @@
                 <a:schemeClr val="dk1"/>
               </a:buClr>
               <a:buSzPct val="166666"/>
-              <a:buFont typeface="Arial"/>
-              <a:buChar char="•"/>
               <a:tabLst/>
               <a:defRPr/>
             </a:pPr>
+            <a:r>
+              <a:rPr kumimoji="0" lang="en-US" sz="2000" b="1" i="0" u="none" strike="noStrike" kern="0" cap="none" spc="0" normalizeH="0" baseline="0" noProof="0" dirty="0" smtClean="0">
+                <a:ln>
+                  <a:noFill/>
+                </a:ln>
+                <a:solidFill>
+                  <a:schemeClr val="dk1"/>
+                </a:solidFill>
+                <a:effectLst/>
+                <a:uLnTx/>
+                <a:uFillTx/>
+                <a:latin typeface="Arial"/>
+                <a:ea typeface="Arial"/>
+                <a:cs typeface="Arial"/>
+                <a:sym typeface="Arial"/>
+              </a:rPr>
+              <a:t>- </a:t>
+            </a:r>
             <a:r>
               <a:rPr kumimoji="0" lang="en-US" sz="2000" b="1" i="0" u="none" strike="noStrike" kern="0" cap="none" spc="0" normalizeH="0" baseline="0" noProof="0" dirty="0" err="1" smtClean="0">
                 <a:ln>
@@ -4943,8 +5295,6 @@
                 <a:schemeClr val="dk1"/>
               </a:buClr>
               <a:buSzPct val="166666"/>
-              <a:buFont typeface="Arial"/>
-              <a:buChar char="•"/>
               <a:tabLst/>
               <a:defRPr/>
             </a:pPr>
@@ -4964,8 +5314,23 @@
                 <a:cs typeface="Arial"/>
                 <a:sym typeface="Arial"/>
               </a:rPr>
-              <a:t>LIBSVM</a:t>
-            </a:r>
+              <a:t>- LIBSVM</a:t>
+            </a:r>
+            <a:endParaRPr kumimoji="0" lang="en-US" sz="2000" b="1" i="0" u="none" strike="noStrike" kern="0" cap="none" spc="0" normalizeH="0" baseline="0" noProof="0" dirty="0" smtClean="0">
+              <a:ln>
+                <a:noFill/>
+              </a:ln>
+              <a:solidFill>
+                <a:schemeClr val="dk1"/>
+              </a:solidFill>
+              <a:effectLst/>
+              <a:uLnTx/>
+              <a:uFillTx/>
+              <a:latin typeface="Arial"/>
+              <a:ea typeface="Arial"/>
+              <a:cs typeface="Arial"/>
+              <a:sym typeface="Arial"/>
+            </a:endParaRPr>
           </a:p>
           <a:p>
             <a:pPr marL="742950" marR="0" lvl="1" indent="-285750" algn="l" defTabSz="914400" rtl="0" eaLnBrk="1" fontAlgn="auto" latinLnBrk="0" hangingPunct="1">
@@ -5857,7 +6222,7 @@
         <p:spPr>
           <a:xfrm>
             <a:off x="457200" y="1600200"/>
-            <a:ext cx="8229600" cy="4967700"/>
+            <a:ext cx="8229600" cy="4216509"/>
           </a:xfrm>
           <a:prstGeom prst="rect">
             <a:avLst/>
@@ -5873,43 +6238,52 @@
               <a:buNone/>
             </a:pPr>
             <a:r>
-              <a:rPr lang="en" sz="2400"/>
+              <a:rPr lang="en" sz="2400" dirty="0"/>
               <a:t>- Reparameterizations using expert knowledge can be highly effective.</a:t>
             </a:r>
           </a:p>
           <a:p>
-            <a:endParaRPr/>
+            <a:pPr>
+              <a:buNone/>
+            </a:pPr>
+            <a:endParaRPr sz="1800" dirty="0"/>
           </a:p>
           <a:p>
             <a:pPr lvl="0" rtl="0">
               <a:buNone/>
             </a:pPr>
             <a:r>
-              <a:rPr lang="en" sz="2400"/>
+              <a:rPr lang="en" sz="2400" dirty="0"/>
               <a:t>- A good definition of error is often domain-specific.</a:t>
             </a:r>
           </a:p>
           <a:p>
-            <a:endParaRPr/>
+            <a:pPr>
+              <a:buNone/>
+            </a:pPr>
+            <a:endParaRPr sz="1800" dirty="0"/>
           </a:p>
           <a:p>
             <a:pPr lvl="0" rtl="0">
               <a:buNone/>
             </a:pPr>
             <a:r>
-              <a:rPr lang="en" sz="2400"/>
+              <a:rPr lang="en" sz="2400" dirty="0"/>
               <a:t>- Both decision tree and SVM were highly effective.</a:t>
             </a:r>
           </a:p>
           <a:p>
-            <a:endParaRPr/>
+            <a:pPr>
+              <a:buNone/>
+            </a:pPr>
+            <a:endParaRPr sz="1800" dirty="0"/>
           </a:p>
           <a:p>
             <a:pPr lvl="0" rtl="0">
               <a:buNone/>
             </a:pPr>
             <a:r>
-              <a:rPr lang="en" sz="2400"/>
+              <a:rPr lang="en" sz="2400" dirty="0"/>
               <a:t>- Decision tree outperformed SVM</a:t>
             </a:r>
           </a:p>
@@ -5918,7 +6292,7 @@
               <a:buNone/>
             </a:pPr>
             <a:r>
-              <a:rPr lang="en" sz="2400"/>
+              <a:rPr lang="en" sz="2400" dirty="0"/>
               <a:t>	- Somewhat better in terms of accuracy.</a:t>
             </a:r>
           </a:p>
@@ -5927,8 +6301,16 @@
               <a:buNone/>
             </a:pPr>
             <a:r>
-              <a:rPr lang="en" sz="2400"/>
-              <a:t>	- Much better in terms of speed.</a:t>
+              <a:rPr lang="en" sz="2400" dirty="0"/>
+              <a:t>	- Much better in terms of </a:t>
+            </a:r>
+            <a:r>
+              <a:rPr lang="en" sz="2400" dirty="0" smtClean="0"/>
+              <a:t>testing speed</a:t>
+            </a:r>
+            <a:r>
+              <a:rPr lang="en" sz="2400" dirty="0"/>
+              <a:t>.</a:t>
             </a:r>
           </a:p>
         </p:txBody>
@@ -5952,6 +6334,55 @@
 </file>
 
 <file path=ppt/tags/tag1.xml><?xml version="1.0" encoding="utf-8"?>
+<p:tagLst xmlns:a="http://schemas.openxmlformats.org/drawingml/2006/main" xmlns:r="http://schemas.openxmlformats.org/officeDocument/2006/relationships" xmlns:p="http://schemas.openxmlformats.org/presentationml/2006/main">
+  <p:tag name="LATEXADDIN" val="\documentclass{article}&#10;\usepackage{amsmath}&#10;\pagestyle{empty}&#10;\begin{document}&#10;&#10;\begin{equation*}&#10;\begin{aligned}&#10;y_i &amp;\in [-1,0,1,2,\dots,16]\\&#10;\mathbf{y} &amp;\in \mathbf{Z}^{28k \times 1}&#10;\end{aligned}&#10;\end{equation*}&#10;&#10;&#10;&#10;&#10;\end{document}"/>
+  <p:tag name="IGUANATEXSIZE" val="20"/>
+</p:tagLst>
+</file>
+
+<file path=ppt/tags/tag2.xml><?xml version="1.0" encoding="utf-8"?>
+<p:tagLst xmlns:a="http://schemas.openxmlformats.org/drawingml/2006/main" xmlns:r="http://schemas.openxmlformats.org/officeDocument/2006/relationships" xmlns:p="http://schemas.openxmlformats.org/presentationml/2006/main">
+  <p:tag name="LATEXADDIN" val="\documentclass{article}&#10;\usepackage{amsmath}&#10;\pagestyle{empty}&#10;\begin{document}&#10;&#10;$\left\|B_k-\text{corner}\right\|^2$&#10;&#10;\end{document}"/>
+  <p:tag name="IGUANATEXSIZE" val="20"/>
+</p:tagLst>
+</file>
+
+<file path=ppt/tags/tag3.xml><?xml version="1.0" encoding="utf-8"?>
+<p:tagLst xmlns:a="http://schemas.openxmlformats.org/drawingml/2006/main" xmlns:r="http://schemas.openxmlformats.org/officeDocument/2006/relationships" xmlns:p="http://schemas.openxmlformats.org/presentationml/2006/main">
+  <p:tag name="LATEXADDIN" val="\documentclass{article}&#10;\usepackage{amsmath}&#10;\pagestyle{empty}&#10;\begin{document}&#10;&#10;$\left\|B_k-\text{edge}\right\|^1$&#10;&#10;\end{document}"/>
+  <p:tag name="IGUANATEXSIZE" val="20"/>
+</p:tagLst>
+</file>
+
+<file path=ppt/tags/tag4.xml><?xml version="1.0" encoding="utf-8"?>
+<p:tagLst xmlns:a="http://schemas.openxmlformats.org/drawingml/2006/main" xmlns:r="http://schemas.openxmlformats.org/officeDocument/2006/relationships" xmlns:p="http://schemas.openxmlformats.org/presentationml/2006/main">
+  <p:tag name="LATEXADDIN" val="\documentclass{article}&#10;\usepackage{amsmath}&#10;\pagestyle{empty}&#10;\begin{document}&#10;&#10;$\left\|B_k-W_k \right\|^3$&#10;&#10;\end{document}"/>
+  <p:tag name="IGUANATEXSIZE" val="20"/>
+</p:tagLst>
+</file>
+
+<file path=ppt/tags/tag5.xml><?xml version="1.0" encoding="utf-8"?>
+<p:tagLst xmlns:a="http://schemas.openxmlformats.org/drawingml/2006/main" xmlns:r="http://schemas.openxmlformats.org/officeDocument/2006/relationships" xmlns:p="http://schemas.openxmlformats.org/presentationml/2006/main">
+  <p:tag name="LATEXADDIN" val="\documentclass{article}&#10;\usepackage{amsmath}&#10;\pagestyle{empty}&#10;\begin{document}&#10;&#10;$y_i = -1$&#10;&#10;\end{document}"/>
+  <p:tag name="IGUANATEXSIZE" val="20"/>
+</p:tagLst>
+</file>
+
+<file path=ppt/tags/tag6.xml><?xml version="1.0" encoding="utf-8"?>
+<p:tagLst xmlns:a="http://schemas.openxmlformats.org/drawingml/2006/main" xmlns:r="http://schemas.openxmlformats.org/officeDocument/2006/relationships" xmlns:p="http://schemas.openxmlformats.org/presentationml/2006/main">
+  <p:tag name="LATEXADDIN" val="\documentclass{article}&#10;\usepackage{amsmath}&#10;\pagestyle{empty}&#10;\begin{document}&#10;&#10;$y_i = 0$&#10;&#10;\end{document}"/>
+  <p:tag name="IGUANATEXSIZE" val="20"/>
+</p:tagLst>
+</file>
+
+<file path=ppt/tags/tag7.xml><?xml version="1.0" encoding="utf-8"?>
+<p:tagLst xmlns:a="http://schemas.openxmlformats.org/drawingml/2006/main" xmlns:r="http://schemas.openxmlformats.org/officeDocument/2006/relationships" xmlns:p="http://schemas.openxmlformats.org/presentationml/2006/main">
+  <p:tag name="LATEXADDIN" val="\documentclass{article}&#10;\usepackage{amsmath}&#10;\pagestyle{empty}&#10;\begin{document}&#10;&#10;$\mathbf{X} \in \mathbf{Z}^{28k \times 6} \Rightarrow \mathbf{X}_p \in \mathbf{R}^{28k \times 5}$ &#10;&#10;&#10;&#10;\end{document}"/>
+  <p:tag name="IGUANATEXSIZE" val="20"/>
+</p:tagLst>
+</file>
+
+<file path=ppt/tags/tag8.xml><?xml version="1.0" encoding="utf-8"?>
 <p:tagLst xmlns:a="http://schemas.openxmlformats.org/drawingml/2006/main" xmlns:r="http://schemas.openxmlformats.org/officeDocument/2006/relationships" xmlns:p="http://schemas.openxmlformats.org/presentationml/2006/main">
   <p:tag name="LATEXADDIN" val="\documentclass{article}&#10;\usepackage{amsmath}&#10;\pagestyle{empty}&#10;\begin{document}&#10;&#10;$O(1/\epsilon) \rightarrow (\mathbf{X} \in \mathbf{R}^{28k \times 5} &lt; 2 sec)$&#10;&#10;&#10;&#10;\end{document}"/>
   <p:tag name="IGUANATEXSIZE" val="20"/>
